--- a/Opgaver/SOLID/Case-EjendomBeregner/03-Ejendomsberegner-Unittest-Vejledende-Loesning.pptx
+++ b/Opgaver/SOLID/Case-EjendomBeregner/03-Ejendomsberegner-Unittest-Vejledende-Loesning.pptx
@@ -4,6 +4,9 @@
   <p:sldMasterIdLst>
     <p:sldMasterId id="2147483648" r:id="rId1"/>
   </p:sldMasterIdLst>
+  <p:notesMasterIdLst>
+    <p:notesMasterId r:id="rId19"/>
+  </p:notesMasterIdLst>
   <p:sldIdLst>
     <p:sldId id="256" r:id="rId2"/>
     <p:sldId id="257" r:id="rId3"/>
@@ -23,9 +26,6 @@
     <p:sldId id="271" r:id="rId17"/>
     <p:sldId id="272" r:id="rId18"/>
   </p:sldIdLst>
-  <p:notesMasterIdLst>
-    <p:notesMasterId r:id="rId19"/>
-  </p:notesMasterIdLst>
   <p:sldSz cx="12192000" cy="6858000"/>
   <p:notesSz cx="6858000" cy="12192000"/>
   <p:defaultTextStyle>
@@ -120,6 +120,11 @@
       </a:defRPr>
     </a:lvl9pPr>
   </p:defaultTextStyle>
+  <p:extLst>
+    <p:ext uri="{EFAFB233-063F-42B5-8137-9DF3F51BA10A}">
+      <p15:sldGuideLst xmlns:p15="http://schemas.microsoft.com/office/powerpoint/2012/main"/>
+    </p:ext>
+  </p:extLst>
 </p:presentation>
 </file>
 
@@ -145,234 +150,10 @@
           <a:chExt cx="0" cy="0"/>
         </a:xfrm>
       </p:grpSpPr>
-      <p:sp>
-        <p:nvSpPr>
-          <p:cNvPr id="2" name="Header Placeholder 1"/>
-          <p:cNvSpPr>
-            <a:spLocks noGrp="1"/>
-          </p:cNvSpPr>
-          <p:nvPr>
-            <p:ph type="hdr" sz="quarter"/>
-          </p:nvPr>
-        </p:nvSpPr>
-        <p:spPr>
-          <a:xfrm>
-            <a:off x="0" y="0"/>
-            <a:ext cx="2971800" cy="458788"/>
-          </a:xfrm>
-          <a:prstGeom prst="rect">
-            <a:avLst/>
-          </a:prstGeom>
-        </p:spPr>
-        <p:txBody>
-          <a:bodyPr vert="horz" lIns="91440" tIns="45720" rIns="91440" bIns="45720" rtlCol="0"/>
-          <a:lstStyle>
-            <a:lvl1pPr algn="l">
-              <a:defRPr sz="1200"/>
-            </a:lvl1pPr>
-          </a:lstStyle>
-          <a:p>
-            <a:endParaRPr lang="en-US"/>
-          </a:p>
-        </p:txBody>
-      </p:sp>
-      <p:sp>
-        <p:nvSpPr>
-          <p:cNvPr id="3" name="Date Placeholder 2"/>
-          <p:cNvSpPr>
-            <a:spLocks noGrp="1"/>
-          </p:cNvSpPr>
-          <p:nvPr>
-            <p:ph type="dt" idx="1"/>
-          </p:nvPr>
-        </p:nvSpPr>
-        <p:spPr>
-          <a:xfrm>
-            <a:off x="3884613" y="0"/>
-            <a:ext cx="2971800" cy="458788"/>
-          </a:xfrm>
-          <a:prstGeom prst="rect">
-            <a:avLst/>
-          </a:prstGeom>
-        </p:spPr>
-        <p:txBody>
-          <a:bodyPr vert="horz" lIns="91440" tIns="45720" rIns="91440" bIns="45720" rtlCol="0"/>
-          <a:lstStyle>
-            <a:lvl1pPr algn="r">
-              <a:defRPr sz="1200"/>
-            </a:lvl1pPr>
-          </a:lstStyle>
-          <a:p>
-            <a:fld id="{5282F153-3F37-0F45-9E97-73ACFA13230C}" type="datetimeFigureOut">
-              <a:rPr lang="en-US"/>
-              <a:t>7/23/19</a:t>
-            </a:fld>
-            <a:endParaRPr lang="en-US"/>
-          </a:p>
-        </p:txBody>
-      </p:sp>
-      <p:sp>
-        <p:nvSpPr>
-          <p:cNvPr id="4" name="Slide Image Placeholder 3"/>
-          <p:cNvSpPr>
-            <a:spLocks noGrp="1" noRot="1" noChangeAspect="1"/>
-          </p:cNvSpPr>
-          <p:nvPr>
-            <p:ph type="sldImg" idx="2"/>
-          </p:nvPr>
-        </p:nvSpPr>
-        <p:spPr>
-          <a:xfrm>
-            <a:off x="685800" y="1143000"/>
-            <a:ext cx="5486400" cy="3086100"/>
-          </a:xfrm>
-          <a:prstGeom prst="rect">
-            <a:avLst/>
-          </a:prstGeom>
-          <a:noFill/>
-          <a:ln w="12700">
-            <a:solidFill>
-              <a:prstClr val="black"/>
-            </a:solidFill>
-          </a:ln>
-        </p:spPr>
-        <p:txBody>
-          <a:bodyPr vert="horz" lIns="91440" tIns="45720" rIns="91440" bIns="45720" rtlCol="0" anchor="ctr"/>
-          <a:lstStyle/>
-          <a:p>
-            <a:endParaRPr lang="en-US"/>
-          </a:p>
-        </p:txBody>
-      </p:sp>
-      <p:sp>
-        <p:nvSpPr>
-          <p:cNvPr id="5" name="Notes Placeholder 4"/>
-          <p:cNvSpPr>
-            <a:spLocks noGrp="1"/>
-          </p:cNvSpPr>
-          <p:nvPr>
-            <p:ph type="body" sz="quarter" idx="3"/>
-          </p:nvPr>
-        </p:nvSpPr>
-        <p:spPr>
-          <a:xfrm>
-            <a:off x="685800" y="4400550"/>
-            <a:ext cx="5486400" cy="3600450"/>
-          </a:xfrm>
-          <a:prstGeom prst="rect">
-            <a:avLst/>
-          </a:prstGeom>
-        </p:spPr>
-        <p:txBody>
-          <a:bodyPr vert="horz" lIns="91440" tIns="45720" rIns="91440" bIns="45720" rtlCol="0"/>
-          <a:lstStyle/>
-          <a:p>
-            <a:pPr lvl="0"/>
-            <a:r>
-              <a:rPr lang="en-US"/>
-              <a:t>Click to edit Master text styles</a:t>
-            </a:r>
-          </a:p>
-          <a:p>
-            <a:pPr lvl="1"/>
-            <a:r>
-              <a:rPr lang="en-US"/>
-              <a:t>Second level</a:t>
-            </a:r>
-          </a:p>
-          <a:p>
-            <a:pPr lvl="2"/>
-            <a:r>
-              <a:rPr lang="en-US"/>
-              <a:t>Third level</a:t>
-            </a:r>
-          </a:p>
-          <a:p>
-            <a:pPr lvl="3"/>
-            <a:r>
-              <a:rPr lang="en-US"/>
-              <a:t>Fourth level</a:t>
-            </a:r>
-          </a:p>
-          <a:p>
-            <a:pPr lvl="4"/>
-            <a:r>
-              <a:rPr lang="en-US"/>
-              <a:t>Fifth level</a:t>
-            </a:r>
-          </a:p>
-        </p:txBody>
-      </p:sp>
-      <p:sp>
-        <p:nvSpPr>
-          <p:cNvPr id="6" name="Footer Placeholder 5"/>
-          <p:cNvSpPr>
-            <a:spLocks noGrp="1"/>
-          </p:cNvSpPr>
-          <p:nvPr>
-            <p:ph type="ftr" sz="quarter" idx="4"/>
-          </p:nvPr>
-        </p:nvSpPr>
-        <p:spPr>
-          <a:xfrm>
-            <a:off x="0" y="8685213"/>
-            <a:ext cx="2971800" cy="458787"/>
-          </a:xfrm>
-          <a:prstGeom prst="rect">
-            <a:avLst/>
-          </a:prstGeom>
-        </p:spPr>
-        <p:txBody>
-          <a:bodyPr vert="horz" lIns="91440" tIns="45720" rIns="91440" bIns="45720" rtlCol="0" anchor="b"/>
-          <a:lstStyle>
-            <a:lvl1pPr algn="l">
-              <a:defRPr sz="1200"/>
-            </a:lvl1pPr>
-          </a:lstStyle>
-          <a:p>
-            <a:endParaRPr lang="en-US"/>
-          </a:p>
-        </p:txBody>
-      </p:sp>
-      <p:sp>
-        <p:nvSpPr>
-          <p:cNvPr id="7" name="Slide Number Placeholder 6"/>
-          <p:cNvSpPr>
-            <a:spLocks noGrp="1"/>
-          </p:cNvSpPr>
-          <p:nvPr>
-            <p:ph type="sldNum" sz="quarter" idx="5"/>
-          </p:nvPr>
-        </p:nvSpPr>
-        <p:spPr>
-          <a:xfrm>
-            <a:off x="3884613" y="8685213"/>
-            <a:ext cx="2971800" cy="458787"/>
-          </a:xfrm>
-          <a:prstGeom prst="rect">
-            <a:avLst/>
-          </a:prstGeom>
-        </p:spPr>
-        <p:txBody>
-          <a:bodyPr vert="horz" lIns="91440" tIns="45720" rIns="91440" bIns="45720" rtlCol="0" anchor="b"/>
-          <a:lstStyle>
-            <a:lvl1pPr algn="r">
-              <a:defRPr sz="1200"/>
-            </a:lvl1pPr>
-          </a:lstStyle>
-          <a:p>
-            <a:fld id="{CE5E9CC1-C706-0F49-92D6-E571CC5EEA8F}" type="slidenum">
-              <a:rPr lang="en-US"/>
-              <a:t>‹#›</a:t>
-            </a:fld>
-            <a:endParaRPr lang="en-US"/>
-          </a:p>
-        </p:txBody>
-      </p:sp>
     </p:spTree>
     <p:extLst>
       <p:ext uri="{BB962C8B-B14F-4D97-AF65-F5344CB8AC3E}">
-        <p14:creationId xmlns:p14="http://schemas.microsoft.com/office/powerpoint/2010/main" val="1024086991"/>
+        <p14:creationId xmlns:p14="http://schemas.microsoft.com/office/powerpoint/2010/main" val="582445829"/>
       </p:ext>
     </p:extLst>
   </p:cSld>
@@ -516,10 +297,6 @@
           <a:bodyPr/>
           <a:lstStyle/>
           <a:p>
-            <a:r>
-              <a:rPr lang="en-US" dirty="0"/>
-              <a:t/>
-            </a:r>
             <a:endParaRPr lang="en-US" dirty="0"/>
           </a:p>
         </p:txBody>
@@ -604,10 +381,6 @@
           <a:bodyPr/>
           <a:lstStyle/>
           <a:p>
-            <a:r>
-              <a:rPr lang="en-US" dirty="0"/>
-              <a:t/>
-            </a:r>
             <a:endParaRPr lang="en-US" dirty="0"/>
           </a:p>
         </p:txBody>
@@ -692,10 +465,6 @@
           <a:bodyPr/>
           <a:lstStyle/>
           <a:p>
-            <a:r>
-              <a:rPr lang="en-US" dirty="0"/>
-              <a:t/>
-            </a:r>
             <a:endParaRPr lang="en-US" dirty="0"/>
           </a:p>
         </p:txBody>
@@ -780,10 +549,6 @@
           <a:bodyPr/>
           <a:lstStyle/>
           <a:p>
-            <a:r>
-              <a:rPr lang="en-US" dirty="0"/>
-              <a:t/>
-            </a:r>
             <a:endParaRPr lang="en-US" dirty="0"/>
           </a:p>
         </p:txBody>
@@ -868,10 +633,6 @@
           <a:bodyPr/>
           <a:lstStyle/>
           <a:p>
-            <a:r>
-              <a:rPr lang="en-US" dirty="0"/>
-              <a:t/>
-            </a:r>
             <a:endParaRPr lang="en-US" dirty="0"/>
           </a:p>
         </p:txBody>
@@ -956,10 +717,6 @@
           <a:bodyPr/>
           <a:lstStyle/>
           <a:p>
-            <a:r>
-              <a:rPr lang="en-US" dirty="0"/>
-              <a:t/>
-            </a:r>
             <a:endParaRPr lang="en-US" dirty="0"/>
           </a:p>
         </p:txBody>
@@ -1044,10 +801,6 @@
           <a:bodyPr/>
           <a:lstStyle/>
           <a:p>
-            <a:r>
-              <a:rPr lang="en-US" dirty="0"/>
-              <a:t/>
-            </a:r>
             <a:endParaRPr lang="en-US" dirty="0"/>
           </a:p>
         </p:txBody>
@@ -1132,10 +885,6 @@
           <a:bodyPr/>
           <a:lstStyle/>
           <a:p>
-            <a:r>
-              <a:rPr lang="en-US" dirty="0"/>
-              <a:t/>
-            </a:r>
             <a:endParaRPr lang="en-US" dirty="0"/>
           </a:p>
         </p:txBody>
@@ -1220,10 +969,6 @@
           <a:bodyPr/>
           <a:lstStyle/>
           <a:p>
-            <a:r>
-              <a:rPr lang="en-US" dirty="0"/>
-              <a:t/>
-            </a:r>
             <a:endParaRPr lang="en-US" dirty="0"/>
           </a:p>
         </p:txBody>
@@ -1308,10 +1053,6 @@
           <a:bodyPr/>
           <a:lstStyle/>
           <a:p>
-            <a:r>
-              <a:rPr lang="en-US" dirty="0"/>
-              <a:t/>
-            </a:r>
             <a:endParaRPr lang="en-US" dirty="0"/>
           </a:p>
         </p:txBody>
@@ -1396,10 +1137,6 @@
           <a:bodyPr/>
           <a:lstStyle/>
           <a:p>
-            <a:r>
-              <a:rPr lang="en-US" dirty="0"/>
-              <a:t/>
-            </a:r>
             <a:endParaRPr lang="en-US" dirty="0"/>
           </a:p>
         </p:txBody>
@@ -1484,10 +1221,6 @@
           <a:bodyPr/>
           <a:lstStyle/>
           <a:p>
-            <a:r>
-              <a:rPr lang="en-US" dirty="0"/>
-              <a:t/>
-            </a:r>
             <a:endParaRPr lang="en-US" dirty="0"/>
           </a:p>
         </p:txBody>
@@ -1572,10 +1305,6 @@
           <a:bodyPr/>
           <a:lstStyle/>
           <a:p>
-            <a:r>
-              <a:rPr lang="en-US" dirty="0"/>
-              <a:t/>
-            </a:r>
             <a:endParaRPr lang="en-US" dirty="0"/>
           </a:p>
         </p:txBody>
@@ -1660,10 +1389,6 @@
           <a:bodyPr/>
           <a:lstStyle/>
           <a:p>
-            <a:r>
-              <a:rPr lang="en-US" dirty="0"/>
-              <a:t/>
-            </a:r>
             <a:endParaRPr lang="en-US" dirty="0"/>
           </a:p>
         </p:txBody>
@@ -1748,10 +1473,6 @@
           <a:bodyPr/>
           <a:lstStyle/>
           <a:p>
-            <a:r>
-              <a:rPr lang="en-US" dirty="0"/>
-              <a:t/>
-            </a:r>
             <a:endParaRPr lang="en-US" dirty="0"/>
           </a:p>
         </p:txBody>
@@ -1836,10 +1557,6 @@
           <a:bodyPr/>
           <a:lstStyle/>
           <a:p>
-            <a:r>
-              <a:rPr lang="en-US" dirty="0"/>
-              <a:t/>
-            </a:r>
             <a:endParaRPr lang="en-US" dirty="0"/>
           </a:p>
         </p:txBody>
@@ -1924,10 +1641,6 @@
           <a:bodyPr/>
           <a:lstStyle/>
           <a:p>
-            <a:r>
-              <a:rPr lang="en-US" dirty="0"/>
-              <a:t/>
-            </a:r>
             <a:endParaRPr lang="en-US" dirty="0"/>
           </a:p>
         </p:txBody>
@@ -2001,6 +1714,11 @@
 <file path=ppt/slideMasters/slideMaster1.xml><?xml version="1.0" encoding="utf-8"?>
 <p:sldMaster xmlns:a="http://schemas.openxmlformats.org/drawingml/2006/main" xmlns:r="http://schemas.openxmlformats.org/officeDocument/2006/relationships" xmlns:p="http://schemas.openxmlformats.org/presentationml/2006/main">
   <p:cSld>
+    <p:bg>
+      <p:bgRef idx="1001">
+        <a:schemeClr val="bg1"/>
+      </p:bgRef>
+    </p:bg>
     <p:spTree>
       <p:nvGrpSpPr>
         <p:cNvPr id="1" name=""/>
@@ -2283,6 +2001,7 @@
         <a:solidFill>
           <a:srgbClr val="002D62"/>
         </a:solidFill>
+        <a:effectLst/>
       </p:bgPr>
     </p:bg>
     <p:spTree>
@@ -2318,6 +2037,13 @@
           </a:solidFill>
           <a:ln/>
         </p:spPr>
+        <p:txBody>
+          <a:bodyPr/>
+          <a:lstStyle/>
+          <a:p>
+            <a:endParaRPr lang="da-DK"/>
+          </a:p>
+        </p:txBody>
       </p:sp>
       <p:sp>
         <p:nvSpPr>
@@ -2340,7 +2066,7 @@
           <a:bodyPr wrap="square" rtlCol="0" anchor="ctr"/>
           <a:lstStyle/>
           <a:p>
-            <a:pPr algn="ctr" indent="0" marL="0">
+            <a:pPr marL="0" indent="0" algn="ctr">
               <a:buNone/>
             </a:pPr>
             <a:r>
@@ -2379,7 +2105,7 @@
           <a:bodyPr wrap="square" rtlCol="0" anchor="ctr"/>
           <a:lstStyle/>
           <a:p>
-            <a:pPr algn="ctr" indent="0" marL="0">
+            <a:pPr marL="0" indent="0" algn="ctr">
               <a:buNone/>
             </a:pPr>
             <a:r>
@@ -2418,7 +2144,7 @@
           <a:bodyPr wrap="square" rtlCol="0" anchor="ctr"/>
           <a:lstStyle/>
           <a:p>
-            <a:pPr algn="ctr" indent="0" marL="0">
+            <a:pPr marL="0" indent="0" algn="ctr">
               <a:buNone/>
             </a:pPr>
             <a:r>
@@ -2433,9 +2159,6 @@
               <a:t>03-Ejendomsberegner-Unittest
 </a:t>
             </a:r>
-            <a:pPr algn="ctr" indent="0" marL="0">
-              <a:buNone/>
-            </a:pPr>
             <a:r>
               <a:rPr lang="en-US" sz="2000" dirty="0">
                 <a:solidFill>
@@ -2495,6 +2218,13 @@
           </a:solidFill>
           <a:ln/>
         </p:spPr>
+        <p:txBody>
+          <a:bodyPr/>
+          <a:lstStyle/>
+          <a:p>
+            <a:endParaRPr lang="da-DK"/>
+          </a:p>
+        </p:txBody>
       </p:sp>
       <p:sp>
         <p:nvSpPr>
@@ -2515,6 +2245,13 @@
           </a:solidFill>
           <a:ln/>
         </p:spPr>
+        <p:txBody>
+          <a:bodyPr/>
+          <a:lstStyle/>
+          <a:p>
+            <a:endParaRPr lang="da-DK"/>
+          </a:p>
+        </p:txBody>
       </p:sp>
       <p:sp>
         <p:nvSpPr>
@@ -2537,7 +2274,7 @@
           <a:bodyPr wrap="square" rtlCol="0" anchor="ctr"/>
           <a:lstStyle/>
           <a:p>
-            <a:pPr algn="ctr" indent="0" marL="0">
+            <a:pPr marL="0" indent="0" algn="ctr">
               <a:buNone/>
             </a:pPr>
             <a:r>
@@ -2573,7 +2310,7 @@
           <a:bodyPr wrap="square" rtlCol="0" anchor="ctr"/>
           <a:lstStyle/>
           <a:p>
-            <a:pPr indent="0" marL="0">
+            <a:pPr marL="0" indent="0">
               <a:buNone/>
             </a:pPr>
             <a:r>
@@ -2599,7 +2336,7 @@
         </p:nvSpPr>
         <p:spPr>
           <a:xfrm>
-            <a:off x="731520" y="1188720"/>
+            <a:off x="731520" y="1087582"/>
             <a:ext cx="10698480" cy="640080"/>
           </a:xfrm>
           <a:prstGeom prst="roundRect">
@@ -2617,6 +2354,13 @@
             <a:prstDash val="solid"/>
           </a:ln>
         </p:spPr>
+        <p:txBody>
+          <a:bodyPr/>
+          <a:lstStyle/>
+          <a:p>
+            <a:endParaRPr lang="da-DK"/>
+          </a:p>
+        </p:txBody>
       </p:sp>
       <p:sp>
         <p:nvSpPr>
@@ -2626,7 +2370,7 @@
         </p:nvSpPr>
         <p:spPr>
           <a:xfrm>
-            <a:off x="914400" y="1188720"/>
+            <a:off x="929640" y="1069294"/>
             <a:ext cx="10332720" cy="640080"/>
           </a:xfrm>
           <a:prstGeom prst="rect">
@@ -2639,7 +2383,7 @@
           <a:bodyPr wrap="square" rtlCol="0" anchor="ctr"/>
           <a:lstStyle/>
           <a:p>
-            <a:pPr algn="ctr" indent="0" marL="0">
+            <a:pPr marL="0" indent="0" algn="ctr">
               <a:buNone/>
             </a:pPr>
             <a:r>
@@ -2665,7 +2409,7 @@
         </p:nvSpPr>
         <p:spPr>
           <a:xfrm>
-            <a:off x="731520" y="1920240"/>
+            <a:off x="731520" y="1763684"/>
             <a:ext cx="10698480" cy="5029200"/>
           </a:xfrm>
           <a:prstGeom prst="roundRect">
@@ -2678,6 +2422,13 @@
           </a:solidFill>
           <a:ln/>
         </p:spPr>
+        <p:txBody>
+          <a:bodyPr/>
+          <a:lstStyle/>
+          <a:p>
+            <a:endParaRPr lang="da-DK"/>
+          </a:p>
+        </p:txBody>
       </p:sp>
       <p:sp>
         <p:nvSpPr>
@@ -2687,7 +2438,7 @@
         </p:nvSpPr>
         <p:spPr>
           <a:xfrm>
-            <a:off x="914400" y="2029968"/>
+            <a:off x="824345" y="1865376"/>
             <a:ext cx="10332720" cy="4809744"/>
           </a:xfrm>
           <a:prstGeom prst="rect">
@@ -2700,7 +2451,7 @@
           <a:bodyPr wrap="square" rtlCol="0" anchor="t"/>
           <a:lstStyle/>
           <a:p>
-            <a:pPr indent="0" marL="0">
+            <a:pPr marL="0" indent="0">
               <a:lnSpc>
                 <a:spcPct val="90000"/>
               </a:lnSpc>
@@ -2723,7 +2474,7 @@
             <a:endParaRPr lang="en-US" sz="1200" dirty="0"/>
           </a:p>
           <a:p>
-            <a:pPr indent="0" marL="0">
+            <a:pPr marL="0" indent="0">
               <a:lnSpc>
                 <a:spcPct val="90000"/>
               </a:lnSpc>
@@ -2746,7 +2497,7 @@
             <a:endParaRPr lang="en-US" sz="1200" dirty="0"/>
           </a:p>
           <a:p>
-            <a:pPr indent="0" marL="0">
+            <a:pPr marL="0" indent="0">
               <a:lnSpc>
                 <a:spcPct val="90000"/>
               </a:lnSpc>
@@ -2769,7 +2520,7 @@
             <a:endParaRPr lang="en-US" sz="1200" dirty="0"/>
           </a:p>
           <a:p>
-            <a:pPr indent="0" marL="0">
+            <a:pPr marL="0" indent="0">
               <a:lnSpc>
                 <a:spcPct val="90000"/>
               </a:lnSpc>
@@ -2792,7 +2543,7 @@
             <a:endParaRPr lang="en-US" sz="1200" dirty="0"/>
           </a:p>
           <a:p>
-            <a:pPr indent="0" marL="0">
+            <a:pPr marL="0" indent="0">
               <a:lnSpc>
                 <a:spcPct val="90000"/>
               </a:lnSpc>
@@ -2815,7 +2566,7 @@
             <a:endParaRPr lang="en-US" sz="1200" dirty="0"/>
           </a:p>
           <a:p>
-            <a:pPr indent="0" marL="0">
+            <a:pPr marL="0" indent="0">
               <a:lnSpc>
                 <a:spcPct val="90000"/>
               </a:lnSpc>
@@ -2838,7 +2589,7 @@
             <a:endParaRPr lang="en-US" sz="1200" dirty="0"/>
           </a:p>
           <a:p>
-            <a:pPr indent="0" marL="0">
+            <a:pPr marL="0" indent="0">
               <a:lnSpc>
                 <a:spcPct val="90000"/>
               </a:lnSpc>
@@ -2861,7 +2612,7 @@
             <a:endParaRPr lang="en-US" sz="1200" dirty="0"/>
           </a:p>
           <a:p>
-            <a:pPr indent="0" marL="0">
+            <a:pPr marL="0" indent="0">
               <a:lnSpc>
                 <a:spcPct val="90000"/>
               </a:lnSpc>
@@ -2884,7 +2635,7 @@
             <a:endParaRPr lang="en-US" sz="1200" dirty="0"/>
           </a:p>
           <a:p>
-            <a:pPr indent="0" marL="0">
+            <a:pPr marL="0" indent="0">
               <a:lnSpc>
                 <a:spcPct val="90000"/>
               </a:lnSpc>
@@ -2907,7 +2658,7 @@
             <a:endParaRPr lang="en-US" sz="1200" dirty="0"/>
           </a:p>
           <a:p>
-            <a:pPr indent="0" marL="0">
+            <a:pPr marL="0" indent="0">
               <a:lnSpc>
                 <a:spcPct val="90000"/>
               </a:lnSpc>
@@ -2930,7 +2681,7 @@
             <a:endParaRPr lang="en-US" sz="1200" dirty="0"/>
           </a:p>
           <a:p>
-            <a:pPr indent="0" marL="0">
+            <a:pPr marL="0" indent="0">
               <a:lnSpc>
                 <a:spcPct val="90000"/>
               </a:lnSpc>
@@ -2942,7 +2693,7 @@
             <a:endParaRPr lang="en-US" sz="1200" dirty="0"/>
           </a:p>
           <a:p>
-            <a:pPr indent="0" marL="0">
+            <a:pPr marL="0" indent="0">
               <a:lnSpc>
                 <a:spcPct val="90000"/>
               </a:lnSpc>
@@ -2965,7 +2716,7 @@
             <a:endParaRPr lang="en-US" sz="1200" dirty="0"/>
           </a:p>
           <a:p>
-            <a:pPr indent="0" marL="0">
+            <a:pPr marL="0" indent="0">
               <a:lnSpc>
                 <a:spcPct val="90000"/>
               </a:lnSpc>
@@ -2988,7 +2739,7 @@
             <a:endParaRPr lang="en-US" sz="1200" dirty="0"/>
           </a:p>
           <a:p>
-            <a:pPr indent="0" marL="0">
+            <a:pPr marL="0" indent="0">
               <a:lnSpc>
                 <a:spcPct val="90000"/>
               </a:lnSpc>
@@ -3011,7 +2762,7 @@
             <a:endParaRPr lang="en-US" sz="1200" dirty="0"/>
           </a:p>
           <a:p>
-            <a:pPr indent="0" marL="0">
+            <a:pPr marL="0" indent="0">
               <a:lnSpc>
                 <a:spcPct val="90000"/>
               </a:lnSpc>
@@ -3034,7 +2785,7 @@
             <a:endParaRPr lang="en-US" sz="1200" dirty="0"/>
           </a:p>
           <a:p>
-            <a:pPr indent="0" marL="0">
+            <a:pPr marL="0" indent="0">
               <a:lnSpc>
                 <a:spcPct val="90000"/>
               </a:lnSpc>
@@ -3057,7 +2808,7 @@
             <a:endParaRPr lang="en-US" sz="1200" dirty="0"/>
           </a:p>
           <a:p>
-            <a:pPr indent="0" marL="0">
+            <a:pPr marL="0" indent="0">
               <a:lnSpc>
                 <a:spcPct val="90000"/>
               </a:lnSpc>
@@ -3069,7 +2820,7 @@
             <a:endParaRPr lang="en-US" sz="1200" dirty="0"/>
           </a:p>
           <a:p>
-            <a:pPr indent="0" marL="0">
+            <a:pPr marL="0" indent="0">
               <a:lnSpc>
                 <a:spcPct val="90000"/>
               </a:lnSpc>
@@ -3092,7 +2843,7 @@
             <a:endParaRPr lang="en-US" sz="1200" dirty="0"/>
           </a:p>
           <a:p>
-            <a:pPr indent="0" marL="0">
+            <a:pPr marL="0" indent="0">
               <a:lnSpc>
                 <a:spcPct val="90000"/>
               </a:lnSpc>
@@ -3115,7 +2866,7 @@
             <a:endParaRPr lang="en-US" sz="1200" dirty="0"/>
           </a:p>
           <a:p>
-            <a:pPr indent="0" marL="0">
+            <a:pPr marL="0" indent="0">
               <a:lnSpc>
                 <a:spcPct val="90000"/>
               </a:lnSpc>
@@ -3138,7 +2889,7 @@
             <a:endParaRPr lang="en-US" sz="1200" dirty="0"/>
           </a:p>
           <a:p>
-            <a:pPr indent="0" marL="0">
+            <a:pPr marL="0" indent="0">
               <a:lnSpc>
                 <a:spcPct val="90000"/>
               </a:lnSpc>
@@ -3150,7 +2901,7 @@
             <a:endParaRPr lang="en-US" sz="1200" dirty="0"/>
           </a:p>
           <a:p>
-            <a:pPr indent="0" marL="0">
+            <a:pPr marL="0" indent="0">
               <a:lnSpc>
                 <a:spcPct val="90000"/>
               </a:lnSpc>
@@ -3173,7 +2924,7 @@
             <a:endParaRPr lang="en-US" sz="1200" dirty="0"/>
           </a:p>
           <a:p>
-            <a:pPr indent="0" marL="0">
+            <a:pPr marL="0" indent="0">
               <a:lnSpc>
                 <a:spcPct val="90000"/>
               </a:lnSpc>
@@ -3196,7 +2947,7 @@
             <a:endParaRPr lang="en-US" sz="1200" dirty="0"/>
           </a:p>
           <a:p>
-            <a:pPr indent="0" marL="0">
+            <a:pPr marL="0" indent="0">
               <a:lnSpc>
                 <a:spcPct val="90000"/>
               </a:lnSpc>
@@ -3208,7 +2959,7 @@
             <a:endParaRPr lang="en-US" sz="1200" dirty="0"/>
           </a:p>
           <a:p>
-            <a:pPr indent="0" marL="0">
+            <a:pPr marL="0" indent="0">
               <a:lnSpc>
                 <a:spcPct val="90000"/>
               </a:lnSpc>
@@ -3231,7 +2982,7 @@
             <a:endParaRPr lang="en-US" sz="1200" dirty="0"/>
           </a:p>
           <a:p>
-            <a:pPr indent="0" marL="0">
+            <a:pPr marL="0" indent="0">
               <a:lnSpc>
                 <a:spcPct val="90000"/>
               </a:lnSpc>
@@ -3254,7 +3005,7 @@
             <a:endParaRPr lang="en-US" sz="1200" dirty="0"/>
           </a:p>
           <a:p>
-            <a:pPr indent="0" marL="0">
+            <a:pPr marL="0" indent="0">
               <a:lnSpc>
                 <a:spcPct val="90000"/>
               </a:lnSpc>
@@ -3322,6 +3073,13 @@
           </a:solidFill>
           <a:ln/>
         </p:spPr>
+        <p:txBody>
+          <a:bodyPr/>
+          <a:lstStyle/>
+          <a:p>
+            <a:endParaRPr lang="da-DK"/>
+          </a:p>
+        </p:txBody>
       </p:sp>
       <p:sp>
         <p:nvSpPr>
@@ -3342,6 +3100,13 @@
           </a:solidFill>
           <a:ln/>
         </p:spPr>
+        <p:txBody>
+          <a:bodyPr/>
+          <a:lstStyle/>
+          <a:p>
+            <a:endParaRPr lang="da-DK"/>
+          </a:p>
+        </p:txBody>
       </p:sp>
       <p:sp>
         <p:nvSpPr>
@@ -3364,7 +3129,7 @@
           <a:bodyPr wrap="square" rtlCol="0" anchor="ctr"/>
           <a:lstStyle/>
           <a:p>
-            <a:pPr algn="ctr" indent="0" marL="0">
+            <a:pPr marL="0" indent="0" algn="ctr">
               <a:buNone/>
             </a:pPr>
             <a:r>
@@ -3400,7 +3165,7 @@
           <a:bodyPr wrap="square" rtlCol="0" anchor="ctr"/>
           <a:lstStyle/>
           <a:p>
-            <a:pPr indent="0" marL="0">
+            <a:pPr marL="0" indent="0">
               <a:buNone/>
             </a:pPr>
             <a:r>
@@ -3444,6 +3209,13 @@
             <a:prstDash val="solid"/>
           </a:ln>
         </p:spPr>
+        <p:txBody>
+          <a:bodyPr/>
+          <a:lstStyle/>
+          <a:p>
+            <a:endParaRPr lang="da-DK"/>
+          </a:p>
+        </p:txBody>
       </p:sp>
       <p:sp>
         <p:nvSpPr>
@@ -3466,7 +3238,7 @@
           <a:bodyPr wrap="square" rtlCol="0" anchor="ctr"/>
           <a:lstStyle/>
           <a:p>
-            <a:pPr algn="ctr" indent="0" marL="0">
+            <a:pPr marL="0" indent="0" algn="ctr">
               <a:buNone/>
             </a:pPr>
             <a:r>
@@ -3493,7 +3265,7 @@
         <p:spPr>
           <a:xfrm>
             <a:off x="731520" y="1920240"/>
-            <a:ext cx="10698480" cy="4480560"/>
+            <a:ext cx="10698480" cy="2880360"/>
           </a:xfrm>
           <a:prstGeom prst="roundRect">
             <a:avLst>
@@ -3505,6 +3277,13 @@
           </a:solidFill>
           <a:ln/>
         </p:spPr>
+        <p:txBody>
+          <a:bodyPr/>
+          <a:lstStyle/>
+          <a:p>
+            <a:endParaRPr lang="da-DK"/>
+          </a:p>
+        </p:txBody>
       </p:sp>
       <p:sp>
         <p:nvSpPr>
@@ -3515,7 +3294,7 @@
         <p:spPr>
           <a:xfrm>
             <a:off x="914400" y="2029968"/>
-            <a:ext cx="10332720" cy="4261104"/>
+            <a:ext cx="10332720" cy="2706624"/>
           </a:xfrm>
           <a:prstGeom prst="rect">
             <a:avLst/>
@@ -3527,17 +3306,17 @@
           <a:bodyPr wrap="square" rtlCol="0" anchor="t"/>
           <a:lstStyle/>
           <a:p>
-            <a:pPr indent="0" marL="0">
-              <a:lnSpc>
-                <a:spcPct val="90000"/>
-              </a:lnSpc>
-              <a:spcAft>
-                <a:spcPts val="100"/>
-              </a:spcAft>
-              <a:buNone/>
-            </a:pPr>
-            <a:r>
-              <a:rPr lang="en-US" sz="1400" dirty="0">
+            <a:pPr marL="0" indent="0">
+              <a:lnSpc>
+                <a:spcPct val="90000"/>
+              </a:lnSpc>
+              <a:spcAft>
+                <a:spcPts val="100"/>
+              </a:spcAft>
+              <a:buNone/>
+            </a:pPr>
+            <a:r>
+              <a:rPr lang="en-US" sz="1200" dirty="0">
                 <a:solidFill>
                   <a:srgbClr val="CDD6F4"/>
                 </a:solidFill>
@@ -3547,20 +3326,20 @@
               </a:rPr>
               <a:t>[Theory]</a:t>
             </a:r>
-            <a:endParaRPr lang="en-US" sz="1400" dirty="0"/>
-          </a:p>
-          <a:p>
-            <a:pPr indent="0" marL="0">
-              <a:lnSpc>
-                <a:spcPct val="90000"/>
-              </a:lnSpc>
-              <a:spcAft>
-                <a:spcPts val="100"/>
-              </a:spcAft>
-              <a:buNone/>
-            </a:pPr>
-            <a:r>
-              <a:rPr lang="en-US" sz="1400" dirty="0">
+            <a:endParaRPr lang="en-US" sz="1200" dirty="0"/>
+          </a:p>
+          <a:p>
+            <a:pPr marL="0" indent="0">
+              <a:lnSpc>
+                <a:spcPct val="90000"/>
+              </a:lnSpc>
+              <a:spcAft>
+                <a:spcPts val="100"/>
+              </a:spcAft>
+              <a:buNone/>
+            </a:pPr>
+            <a:r>
+              <a:rPr lang="en-US" sz="1200" dirty="0">
                 <a:solidFill>
                   <a:srgbClr val="CDD6F4"/>
                 </a:solidFill>
@@ -3570,20 +3349,20 @@
               </a:rPr>
               <a:t>[InlineData("\"10x1\"; \"755\"; \"3\"")]       // Forkert int</a:t>
             </a:r>
-            <a:endParaRPr lang="en-US" sz="1400" dirty="0"/>
-          </a:p>
-          <a:p>
-            <a:pPr indent="0" marL="0">
-              <a:lnSpc>
-                <a:spcPct val="90000"/>
-              </a:lnSpc>
-              <a:spcAft>
-                <a:spcPts val="100"/>
-              </a:spcAft>
-              <a:buNone/>
-            </a:pPr>
-            <a:r>
-              <a:rPr lang="en-US" sz="1400" dirty="0">
+            <a:endParaRPr lang="en-US" sz="1200" dirty="0"/>
+          </a:p>
+          <a:p>
+            <a:pPr marL="0" indent="0">
+              <a:lnSpc>
+                <a:spcPct val="90000"/>
+              </a:lnSpc>
+              <a:spcAft>
+                <a:spcPts val="100"/>
+              </a:spcAft>
+              <a:buNone/>
+            </a:pPr>
+            <a:r>
+              <a:rPr lang="en-US" sz="1200" dirty="0">
                 <a:solidFill>
                   <a:srgbClr val="CDD6F4"/>
                 </a:solidFill>
@@ -3593,20 +3372,20 @@
               </a:rPr>
               <a:t>[InlineData("\"10x1\"; \"755,0\"; \"3\"")]     // Forkert double</a:t>
             </a:r>
-            <a:endParaRPr lang="en-US" sz="1400" dirty="0"/>
-          </a:p>
-          <a:p>
-            <a:pPr indent="0" marL="0">
-              <a:lnSpc>
-                <a:spcPct val="90000"/>
-              </a:lnSpc>
-              <a:spcAft>
-                <a:spcPts val="100"/>
-              </a:spcAft>
-              <a:buNone/>
-            </a:pPr>
-            <a:r>
-              <a:rPr lang="en-US" sz="1400" dirty="0">
+            <a:endParaRPr lang="en-US" sz="1200" dirty="0"/>
+          </a:p>
+          <a:p>
+            <a:pPr marL="0" indent="0">
+              <a:lnSpc>
+                <a:spcPct val="90000"/>
+              </a:lnSpc>
+              <a:spcAft>
+                <a:spcPts val="100"/>
+              </a:spcAft>
+              <a:buNone/>
+            </a:pPr>
+            <a:r>
+              <a:rPr lang="en-US" sz="1200" dirty="0">
                 <a:solidFill>
                   <a:srgbClr val="CDD6F4"/>
                 </a:solidFill>
@@ -3616,20 +3395,20 @@
               </a:rPr>
               <a:t>[InlineData("\"10x1\"; \"755,0\"; \"3.2\"")]   // Forkert int</a:t>
             </a:r>
-            <a:endParaRPr lang="en-US" sz="1400" dirty="0"/>
-          </a:p>
-          <a:p>
-            <a:pPr indent="0" marL="0">
-              <a:lnSpc>
-                <a:spcPct val="90000"/>
-              </a:lnSpc>
-              <a:spcAft>
-                <a:spcPts val="100"/>
-              </a:spcAft>
-              <a:buNone/>
-            </a:pPr>
-            <a:r>
-              <a:rPr lang="en-US" sz="1400" dirty="0">
+            <a:endParaRPr lang="en-US" sz="1200" dirty="0"/>
+          </a:p>
+          <a:p>
+            <a:pPr marL="0" indent="0">
+              <a:lnSpc>
+                <a:spcPct val="90000"/>
+              </a:lnSpc>
+              <a:spcAft>
+                <a:spcPts val="100"/>
+              </a:spcAft>
+              <a:buNone/>
+            </a:pPr>
+            <a:r>
+              <a:rPr lang="en-US" sz="1200" dirty="0">
                 <a:solidFill>
                   <a:srgbClr val="CDD6F4"/>
                 </a:solidFill>
@@ -3639,20 +3418,20 @@
               </a:rPr>
               <a:t>public void Given_DanLejemaalObjekt_Faar_Forkerte_Datatyper__Then_Throw_Exception(</a:t>
             </a:r>
-            <a:endParaRPr lang="en-US" sz="1400" dirty="0"/>
-          </a:p>
-          <a:p>
-            <a:pPr indent="0" marL="0">
-              <a:lnSpc>
-                <a:spcPct val="90000"/>
-              </a:lnSpc>
-              <a:spcAft>
-                <a:spcPts val="100"/>
-              </a:spcAft>
-              <a:buNone/>
-            </a:pPr>
-            <a:r>
-              <a:rPr lang="en-US" sz="1400" dirty="0">
+            <a:endParaRPr lang="en-US" sz="1200" dirty="0"/>
+          </a:p>
+          <a:p>
+            <a:pPr marL="0" indent="0">
+              <a:lnSpc>
+                <a:spcPct val="90000"/>
+              </a:lnSpc>
+              <a:spcAft>
+                <a:spcPts val="100"/>
+              </a:spcAft>
+              <a:buNone/>
+            </a:pPr>
+            <a:r>
+              <a:rPr lang="en-US" sz="1200" dirty="0">
                 <a:solidFill>
                   <a:srgbClr val="CDD6F4"/>
                 </a:solidFill>
@@ -3662,20 +3441,20 @@
               </a:rPr>
               <a:t>    string lejemaalLinje)</a:t>
             </a:r>
-            <a:endParaRPr lang="en-US" sz="1400" dirty="0"/>
-          </a:p>
-          <a:p>
-            <a:pPr indent="0" marL="0">
-              <a:lnSpc>
-                <a:spcPct val="90000"/>
-              </a:lnSpc>
-              <a:spcAft>
-                <a:spcPts val="100"/>
-              </a:spcAft>
-              <a:buNone/>
-            </a:pPr>
-            <a:r>
-              <a:rPr lang="en-US" sz="1400" dirty="0">
+            <a:endParaRPr lang="en-US" sz="1200" dirty="0"/>
+          </a:p>
+          <a:p>
+            <a:pPr marL="0" indent="0">
+              <a:lnSpc>
+                <a:spcPct val="90000"/>
+              </a:lnSpc>
+              <a:spcAft>
+                <a:spcPts val="100"/>
+              </a:spcAft>
+              <a:buNone/>
+            </a:pPr>
+            <a:r>
+              <a:rPr lang="en-US" sz="1200" dirty="0">
                 <a:solidFill>
                   <a:srgbClr val="CDD6F4"/>
                 </a:solidFill>
@@ -3685,20 +3464,20 @@
               </a:rPr>
               <a:t>{</a:t>
             </a:r>
-            <a:endParaRPr lang="en-US" sz="1400" dirty="0"/>
-          </a:p>
-          <a:p>
-            <a:pPr indent="0" marL="0">
-              <a:lnSpc>
-                <a:spcPct val="90000"/>
-              </a:lnSpc>
-              <a:spcAft>
-                <a:spcPts val="100"/>
-              </a:spcAft>
-              <a:buNone/>
-            </a:pPr>
-            <a:r>
-              <a:rPr lang="en-US" sz="1400" dirty="0">
+            <a:endParaRPr lang="en-US" sz="1200" dirty="0"/>
+          </a:p>
+          <a:p>
+            <a:pPr marL="0" indent="0">
+              <a:lnSpc>
+                <a:spcPct val="90000"/>
+              </a:lnSpc>
+              <a:spcAft>
+                <a:spcPts val="100"/>
+              </a:spcAft>
+              <a:buNone/>
+            </a:pPr>
+            <a:r>
+              <a:rPr lang="en-US" sz="1200" dirty="0">
                 <a:solidFill>
                   <a:srgbClr val="CDD6F4"/>
                 </a:solidFill>
@@ -3708,20 +3487,20 @@
               </a:rPr>
               <a:t>    // Arrange</a:t>
             </a:r>
-            <a:endParaRPr lang="en-US" sz="1400" dirty="0"/>
-          </a:p>
-          <a:p>
-            <a:pPr indent="0" marL="0">
-              <a:lnSpc>
-                <a:spcPct val="90000"/>
-              </a:lnSpc>
-              <a:spcAft>
-                <a:spcPts val="100"/>
-              </a:spcAft>
-              <a:buNone/>
-            </a:pPr>
-            <a:r>
-              <a:rPr lang="en-US" sz="1400" dirty="0">
+            <a:endParaRPr lang="en-US" sz="1200" dirty="0"/>
+          </a:p>
+          <a:p>
+            <a:pPr marL="0" indent="0">
+              <a:lnSpc>
+                <a:spcPct val="90000"/>
+              </a:lnSpc>
+              <a:spcAft>
+                <a:spcPts val="100"/>
+              </a:spcAft>
+              <a:buNone/>
+            </a:pPr>
+            <a:r>
+              <a:rPr lang="en-US" sz="1200" dirty="0">
                 <a:solidFill>
                   <a:srgbClr val="CDD6F4"/>
                 </a:solidFill>
@@ -3731,20 +3510,20 @@
               </a:rPr>
               <a:t>    var file = new Mock&lt;IFile&gt;();</a:t>
             </a:r>
-            <a:endParaRPr lang="en-US" sz="1400" dirty="0"/>
-          </a:p>
-          <a:p>
-            <a:pPr indent="0" marL="0">
-              <a:lnSpc>
-                <a:spcPct val="90000"/>
-              </a:lnSpc>
-              <a:spcAft>
-                <a:spcPts val="100"/>
-              </a:spcAft>
-              <a:buNone/>
-            </a:pPr>
-            <a:r>
-              <a:rPr lang="en-US" sz="1400" dirty="0">
+            <a:endParaRPr lang="en-US" sz="1200" dirty="0"/>
+          </a:p>
+          <a:p>
+            <a:pPr marL="0" indent="0">
+              <a:lnSpc>
+                <a:spcPct val="90000"/>
+              </a:lnSpc>
+              <a:spcAft>
+                <a:spcPts val="100"/>
+              </a:spcAft>
+              <a:buNone/>
+            </a:pPr>
+            <a:r>
+              <a:rPr lang="en-US" sz="1200" dirty="0">
                 <a:solidFill>
                   <a:srgbClr val="CDD6F4"/>
                 </a:solidFill>
@@ -3754,20 +3533,20 @@
               </a:rPr>
               <a:t>    file.Setup(f =&gt; f.ReadAllLines()).Returns(new string[1]);</a:t>
             </a:r>
-            <a:endParaRPr lang="en-US" sz="1400" dirty="0"/>
-          </a:p>
-          <a:p>
-            <a:pPr indent="0" marL="0">
-              <a:lnSpc>
-                <a:spcPct val="90000"/>
-              </a:lnSpc>
-              <a:spcAft>
-                <a:spcPts val="100"/>
-              </a:spcAft>
-              <a:buNone/>
-            </a:pPr>
-            <a:r>
-              <a:rPr lang="en-US" sz="1400" dirty="0">
+            <a:endParaRPr lang="en-US" sz="1200" dirty="0"/>
+          </a:p>
+          <a:p>
+            <a:pPr marL="0" indent="0">
+              <a:lnSpc>
+                <a:spcPct val="90000"/>
+              </a:lnSpc>
+              <a:spcAft>
+                <a:spcPts val="100"/>
+              </a:spcAft>
+              <a:buNone/>
+            </a:pPr>
+            <a:r>
+              <a:rPr lang="en-US" sz="1200" dirty="0">
                 <a:solidFill>
                   <a:srgbClr val="CDD6F4"/>
                 </a:solidFill>
@@ -3777,32 +3556,32 @@
               </a:rPr>
               <a:t>    var service = new LejemaalFraFilRepositoryStub(file.Object);</a:t>
             </a:r>
-            <a:endParaRPr lang="en-US" sz="1400" dirty="0"/>
-          </a:p>
-          <a:p>
-            <a:pPr indent="0" marL="0">
-              <a:lnSpc>
-                <a:spcPct val="90000"/>
-              </a:lnSpc>
-              <a:spcAft>
-                <a:spcPts val="100"/>
-              </a:spcAft>
-              <a:buNone/>
-            </a:pPr>
-            <a:endParaRPr lang="en-US" sz="1400" dirty="0"/>
-          </a:p>
-          <a:p>
-            <a:pPr indent="0" marL="0">
-              <a:lnSpc>
-                <a:spcPct val="90000"/>
-              </a:lnSpc>
-              <a:spcAft>
-                <a:spcPts val="100"/>
-              </a:spcAft>
-              <a:buNone/>
-            </a:pPr>
-            <a:r>
-              <a:rPr lang="en-US" sz="1400" dirty="0">
+            <a:endParaRPr lang="en-US" sz="1200" dirty="0"/>
+          </a:p>
+          <a:p>
+            <a:pPr marL="0" indent="0">
+              <a:lnSpc>
+                <a:spcPct val="90000"/>
+              </a:lnSpc>
+              <a:spcAft>
+                <a:spcPts val="100"/>
+              </a:spcAft>
+              <a:buNone/>
+            </a:pPr>
+            <a:endParaRPr lang="en-US" sz="1200" dirty="0"/>
+          </a:p>
+          <a:p>
+            <a:pPr marL="0" indent="0">
+              <a:lnSpc>
+                <a:spcPct val="90000"/>
+              </a:lnSpc>
+              <a:spcAft>
+                <a:spcPts val="100"/>
+              </a:spcAft>
+              <a:buNone/>
+            </a:pPr>
+            <a:r>
+              <a:rPr lang="en-US" sz="1200" dirty="0">
                 <a:solidFill>
                   <a:srgbClr val="CDD6F4"/>
                 </a:solidFill>
@@ -3812,20 +3591,20 @@
               </a:rPr>
               <a:t>    // Act &amp; Assert</a:t>
             </a:r>
-            <a:endParaRPr lang="en-US" sz="1400" dirty="0"/>
-          </a:p>
-          <a:p>
-            <a:pPr indent="0" marL="0">
-              <a:lnSpc>
-                <a:spcPct val="90000"/>
-              </a:lnSpc>
-              <a:spcAft>
-                <a:spcPts val="100"/>
-              </a:spcAft>
-              <a:buNone/>
-            </a:pPr>
-            <a:r>
-              <a:rPr lang="en-US" sz="1400" dirty="0">
+            <a:endParaRPr lang="en-US" sz="1200" dirty="0"/>
+          </a:p>
+          <a:p>
+            <a:pPr marL="0" indent="0">
+              <a:lnSpc>
+                <a:spcPct val="90000"/>
+              </a:lnSpc>
+              <a:spcAft>
+                <a:spcPts val="100"/>
+              </a:spcAft>
+              <a:buNone/>
+            </a:pPr>
+            <a:r>
+              <a:rPr lang="en-US" sz="1200" dirty="0">
                 <a:solidFill>
                   <a:srgbClr val="CDD6F4"/>
                 </a:solidFill>
@@ -3835,20 +3614,20 @@
               </a:rPr>
               <a:t>    Assert.Throws&lt;Exception&gt;(() =&gt; service.DanLejemaalObjekt(lejemaalLinje));</a:t>
             </a:r>
-            <a:endParaRPr lang="en-US" sz="1400" dirty="0"/>
-          </a:p>
-          <a:p>
-            <a:pPr indent="0" marL="0">
-              <a:lnSpc>
-                <a:spcPct val="90000"/>
-              </a:lnSpc>
-              <a:spcAft>
-                <a:spcPts val="100"/>
-              </a:spcAft>
-              <a:buNone/>
-            </a:pPr>
-            <a:r>
-              <a:rPr lang="en-US" sz="1400" dirty="0">
+            <a:endParaRPr lang="en-US" sz="1200" dirty="0"/>
+          </a:p>
+          <a:p>
+            <a:pPr marL="0" indent="0">
+              <a:lnSpc>
+                <a:spcPct val="90000"/>
+              </a:lnSpc>
+              <a:spcAft>
+                <a:spcPts val="100"/>
+              </a:spcAft>
+              <a:buNone/>
+            </a:pPr>
+            <a:r>
+              <a:rPr lang="en-US" sz="1200" dirty="0">
                 <a:solidFill>
                   <a:srgbClr val="CDD6F4"/>
                 </a:solidFill>
@@ -3858,7 +3637,7 @@
               </a:rPr>
               <a:t>}</a:t>
             </a:r>
-            <a:endParaRPr lang="en-US" sz="1400" dirty="0"/>
+            <a:endParaRPr lang="en-US" sz="1200" dirty="0"/>
           </a:p>
         </p:txBody>
       </p:sp>
@@ -3985,6 +3764,13 @@
           </a:solidFill>
           <a:ln/>
         </p:spPr>
+        <p:txBody>
+          <a:bodyPr/>
+          <a:lstStyle/>
+          <a:p>
+            <a:endParaRPr lang="da-DK"/>
+          </a:p>
+        </p:txBody>
       </p:sp>
       <p:sp>
         <p:nvSpPr>
@@ -4005,6 +3791,13 @@
           </a:solidFill>
           <a:ln/>
         </p:spPr>
+        <p:txBody>
+          <a:bodyPr/>
+          <a:lstStyle/>
+          <a:p>
+            <a:endParaRPr lang="da-DK"/>
+          </a:p>
+        </p:txBody>
       </p:sp>
       <p:sp>
         <p:nvSpPr>
@@ -4027,7 +3820,7 @@
           <a:bodyPr wrap="square" rtlCol="0" anchor="ctr"/>
           <a:lstStyle/>
           <a:p>
-            <a:pPr algn="ctr" indent="0" marL="0">
+            <a:pPr marL="0" indent="0" algn="ctr">
               <a:buNone/>
             </a:pPr>
             <a:r>
@@ -4063,7 +3856,7 @@
           <a:bodyPr wrap="square" rtlCol="0" anchor="ctr"/>
           <a:lstStyle/>
           <a:p>
-            <a:pPr indent="0" marL="0">
+            <a:pPr marL="0" indent="0">
               <a:buNone/>
             </a:pPr>
             <a:r>
@@ -4090,7 +3883,7 @@
         <p:spPr>
           <a:xfrm>
             <a:off x="731520" y="1371600"/>
-            <a:ext cx="10698480" cy="3931920"/>
+            <a:ext cx="10698480" cy="3165764"/>
           </a:xfrm>
           <a:prstGeom prst="roundRect">
             <a:avLst>
@@ -4102,6 +3895,13 @@
           </a:solidFill>
           <a:ln/>
         </p:spPr>
+        <p:txBody>
+          <a:bodyPr/>
+          <a:lstStyle/>
+          <a:p>
+            <a:endParaRPr lang="da-DK"/>
+          </a:p>
+        </p:txBody>
       </p:sp>
       <p:sp>
         <p:nvSpPr>
@@ -4112,7 +3912,7 @@
         <p:spPr>
           <a:xfrm>
             <a:off x="914400" y="1481328"/>
-            <a:ext cx="10332720" cy="3712464"/>
+            <a:ext cx="10332720" cy="2907792"/>
           </a:xfrm>
           <a:prstGeom prst="rect">
             <a:avLst/>
@@ -4124,7 +3924,7 @@
           <a:bodyPr wrap="square" rtlCol="0" anchor="t"/>
           <a:lstStyle/>
           <a:p>
-            <a:pPr indent="0" marL="0">
+            <a:pPr marL="0" indent="0">
               <a:lnSpc>
                 <a:spcPct val="90000"/>
               </a:lnSpc>
@@ -4147,7 +3947,7 @@
             <a:endParaRPr lang="en-US" sz="1500" dirty="0"/>
           </a:p>
           <a:p>
-            <a:pPr indent="0" marL="0">
+            <a:pPr marL="0" indent="0">
               <a:lnSpc>
                 <a:spcPct val="90000"/>
               </a:lnSpc>
@@ -4170,7 +3970,7 @@
             <a:endParaRPr lang="en-US" sz="1500" dirty="0"/>
           </a:p>
           <a:p>
-            <a:pPr indent="0" marL="0">
+            <a:pPr marL="0" indent="0">
               <a:lnSpc>
                 <a:spcPct val="90000"/>
               </a:lnSpc>
@@ -4193,7 +3993,7 @@
             <a:endParaRPr lang="en-US" sz="1500" dirty="0"/>
           </a:p>
           <a:p>
-            <a:pPr indent="0" marL="0">
+            <a:pPr marL="0" indent="0">
               <a:lnSpc>
                 <a:spcPct val="90000"/>
               </a:lnSpc>
@@ -4216,7 +4016,7 @@
             <a:endParaRPr lang="en-US" sz="1500" dirty="0"/>
           </a:p>
           <a:p>
-            <a:pPr indent="0" marL="0">
+            <a:pPr marL="0" indent="0">
               <a:lnSpc>
                 <a:spcPct val="90000"/>
               </a:lnSpc>
@@ -4239,7 +4039,7 @@
             <a:endParaRPr lang="en-US" sz="1500" dirty="0"/>
           </a:p>
           <a:p>
-            <a:pPr indent="0" marL="0">
+            <a:pPr marL="0" indent="0">
               <a:lnSpc>
                 <a:spcPct val="90000"/>
               </a:lnSpc>
@@ -4262,7 +4062,7 @@
             <a:endParaRPr lang="en-US" sz="1500" dirty="0"/>
           </a:p>
           <a:p>
-            <a:pPr indent="0" marL="0">
+            <a:pPr marL="0" indent="0">
               <a:lnSpc>
                 <a:spcPct val="90000"/>
               </a:lnSpc>
@@ -4285,7 +4085,7 @@
             <a:endParaRPr lang="en-US" sz="1500" dirty="0"/>
           </a:p>
           <a:p>
-            <a:pPr indent="0" marL="0">
+            <a:pPr marL="0" indent="0">
               <a:lnSpc>
                 <a:spcPct val="90000"/>
               </a:lnSpc>
@@ -4308,7 +4108,7 @@
             <a:endParaRPr lang="en-US" sz="1500" dirty="0"/>
           </a:p>
           <a:p>
-            <a:pPr indent="0" marL="0">
+            <a:pPr marL="0" indent="0">
               <a:lnSpc>
                 <a:spcPct val="90000"/>
               </a:lnSpc>
@@ -4331,7 +4131,7 @@
             <a:endParaRPr lang="en-US" sz="1500" dirty="0"/>
           </a:p>
           <a:p>
-            <a:pPr indent="0" marL="0">
+            <a:pPr marL="0" indent="0">
               <a:lnSpc>
                 <a:spcPct val="90000"/>
               </a:lnSpc>
@@ -4343,7 +4143,7 @@
             <a:endParaRPr lang="en-US" sz="1500" dirty="0"/>
           </a:p>
           <a:p>
-            <a:pPr indent="0" marL="0">
+            <a:pPr marL="0" indent="0">
               <a:lnSpc>
                 <a:spcPct val="90000"/>
               </a:lnSpc>
@@ -4366,7 +4166,7 @@
             <a:endParaRPr lang="en-US" sz="1500" dirty="0"/>
           </a:p>
           <a:p>
-            <a:pPr indent="0" marL="0">
+            <a:pPr marL="0" indent="0">
               <a:lnSpc>
                 <a:spcPct val="90000"/>
               </a:lnSpc>
@@ -4389,7 +4189,7 @@
             <a:endParaRPr lang="en-US" sz="1500" dirty="0"/>
           </a:p>
           <a:p>
-            <a:pPr indent="0" marL="0">
+            <a:pPr marL="0" indent="0">
               <a:lnSpc>
                 <a:spcPct val="90000"/>
               </a:lnSpc>
@@ -4421,7 +4221,7 @@
         </p:nvSpPr>
         <p:spPr>
           <a:xfrm>
-            <a:off x="731520" y="4389120"/>
+            <a:off x="731520" y="4617720"/>
             <a:ext cx="10698480" cy="4114800"/>
           </a:xfrm>
           <a:prstGeom prst="rect">
@@ -4536,6 +4336,13 @@
           </a:solidFill>
           <a:ln/>
         </p:spPr>
+        <p:txBody>
+          <a:bodyPr/>
+          <a:lstStyle/>
+          <a:p>
+            <a:endParaRPr lang="da-DK"/>
+          </a:p>
+        </p:txBody>
       </p:sp>
       <p:sp>
         <p:nvSpPr>
@@ -4556,6 +4363,13 @@
           </a:solidFill>
           <a:ln/>
         </p:spPr>
+        <p:txBody>
+          <a:bodyPr/>
+          <a:lstStyle/>
+          <a:p>
+            <a:endParaRPr lang="da-DK"/>
+          </a:p>
+        </p:txBody>
       </p:sp>
       <p:sp>
         <p:nvSpPr>
@@ -4578,7 +4392,7 @@
           <a:bodyPr wrap="square" rtlCol="0" anchor="ctr"/>
           <a:lstStyle/>
           <a:p>
-            <a:pPr algn="ctr" indent="0" marL="0">
+            <a:pPr marL="0" indent="0" algn="ctr">
               <a:buNone/>
             </a:pPr>
             <a:r>
@@ -4614,7 +4428,7 @@
           <a:bodyPr wrap="square" rtlCol="0" anchor="ctr"/>
           <a:lstStyle/>
           <a:p>
-            <a:pPr indent="0" marL="0">
+            <a:pPr marL="0" indent="0">
               <a:buNone/>
             </a:pPr>
             <a:r>
@@ -4700,8 +4514,8 @@
         </p:nvSpPr>
         <p:spPr>
           <a:xfrm>
-            <a:off x="731520" y="2286000"/>
-            <a:ext cx="10698480" cy="5029200"/>
+            <a:off x="731520" y="1927167"/>
+            <a:ext cx="10698480" cy="3891742"/>
           </a:xfrm>
           <a:prstGeom prst="roundRect">
             <a:avLst>
@@ -4713,6 +4527,13 @@
           </a:solidFill>
           <a:ln/>
         </p:spPr>
+        <p:txBody>
+          <a:bodyPr/>
+          <a:lstStyle/>
+          <a:p>
+            <a:endParaRPr lang="da-DK"/>
+          </a:p>
+        </p:txBody>
       </p:sp>
       <p:sp>
         <p:nvSpPr>
@@ -4722,8 +4543,8 @@
         </p:nvSpPr>
         <p:spPr>
           <a:xfrm>
-            <a:off x="914400" y="2395728"/>
-            <a:ext cx="10332720" cy="4809744"/>
+            <a:off x="762000" y="2010572"/>
+            <a:ext cx="10332720" cy="3808337"/>
           </a:xfrm>
           <a:prstGeom prst="rect">
             <a:avLst/>
@@ -4735,17 +4556,17 @@
           <a:bodyPr wrap="square" rtlCol="0" anchor="t"/>
           <a:lstStyle/>
           <a:p>
-            <a:pPr indent="0" marL="0">
-              <a:lnSpc>
-                <a:spcPct val="90000"/>
-              </a:lnSpc>
-              <a:spcAft>
-                <a:spcPts val="100"/>
-              </a:spcAft>
-              <a:buNone/>
-            </a:pPr>
-            <a:r>
-              <a:rPr lang="en-US" sz="1400" dirty="0">
+            <a:pPr marL="0" indent="0">
+              <a:lnSpc>
+                <a:spcPct val="90000"/>
+              </a:lnSpc>
+              <a:spcAft>
+                <a:spcPts val="100"/>
+              </a:spcAft>
+              <a:buNone/>
+            </a:pPr>
+            <a:r>
+              <a:rPr lang="en-US" sz="1200" dirty="0">
                 <a:solidFill>
                   <a:srgbClr val="CDD6F4"/>
                 </a:solidFill>
@@ -4755,20 +4576,20 @@
               </a:rPr>
               <a:t>public class LejemaalFraFilRepositoryStub : LejemaalFraFilRepository</a:t>
             </a:r>
-            <a:endParaRPr lang="en-US" sz="1400" dirty="0"/>
-          </a:p>
-          <a:p>
-            <a:pPr indent="0" marL="0">
-              <a:lnSpc>
-                <a:spcPct val="90000"/>
-              </a:lnSpc>
-              <a:spcAft>
-                <a:spcPts val="100"/>
-              </a:spcAft>
-              <a:buNone/>
-            </a:pPr>
-            <a:r>
-              <a:rPr lang="en-US" sz="1400" dirty="0">
+            <a:endParaRPr lang="en-US" sz="1200" dirty="0"/>
+          </a:p>
+          <a:p>
+            <a:pPr marL="0" indent="0">
+              <a:lnSpc>
+                <a:spcPct val="90000"/>
+              </a:lnSpc>
+              <a:spcAft>
+                <a:spcPts val="100"/>
+              </a:spcAft>
+              <a:buNone/>
+            </a:pPr>
+            <a:r>
+              <a:rPr lang="en-US" sz="1200" dirty="0">
                 <a:solidFill>
                   <a:srgbClr val="CDD6F4"/>
                 </a:solidFill>
@@ -4778,20 +4599,20 @@
               </a:rPr>
               <a:t>{</a:t>
             </a:r>
-            <a:endParaRPr lang="en-US" sz="1400" dirty="0"/>
-          </a:p>
-          <a:p>
-            <a:pPr indent="0" marL="0">
-              <a:lnSpc>
-                <a:spcPct val="90000"/>
-              </a:lnSpc>
-              <a:spcAft>
-                <a:spcPts val="100"/>
-              </a:spcAft>
-              <a:buNone/>
-            </a:pPr>
-            <a:r>
-              <a:rPr lang="en-US" sz="1400" dirty="0">
+            <a:endParaRPr lang="en-US" sz="1200" dirty="0"/>
+          </a:p>
+          <a:p>
+            <a:pPr marL="0" indent="0">
+              <a:lnSpc>
+                <a:spcPct val="90000"/>
+              </a:lnSpc>
+              <a:spcAft>
+                <a:spcPts val="100"/>
+              </a:spcAft>
+              <a:buNone/>
+            </a:pPr>
+            <a:r>
+              <a:rPr lang="en-US" sz="1200" dirty="0">
                 <a:solidFill>
                   <a:srgbClr val="CDD6F4"/>
                 </a:solidFill>
@@ -4801,20 +4622,20 @@
               </a:rPr>
               <a:t>    public LejemaalFraFilRepositoryStub(IFile dataFile) : base(dataFile)</a:t>
             </a:r>
-            <a:endParaRPr lang="en-US" sz="1400" dirty="0"/>
-          </a:p>
-          <a:p>
-            <a:pPr indent="0" marL="0">
-              <a:lnSpc>
-                <a:spcPct val="90000"/>
-              </a:lnSpc>
-              <a:spcAft>
-                <a:spcPts val="100"/>
-              </a:spcAft>
-              <a:buNone/>
-            </a:pPr>
-            <a:r>
-              <a:rPr lang="en-US" sz="1400" dirty="0">
+            <a:endParaRPr lang="en-US" sz="1200" dirty="0"/>
+          </a:p>
+          <a:p>
+            <a:pPr marL="0" indent="0">
+              <a:lnSpc>
+                <a:spcPct val="90000"/>
+              </a:lnSpc>
+              <a:spcAft>
+                <a:spcPts val="100"/>
+              </a:spcAft>
+              <a:buNone/>
+            </a:pPr>
+            <a:r>
+              <a:rPr lang="en-US" sz="1200" dirty="0">
                 <a:solidFill>
                   <a:srgbClr val="CDD6F4"/>
                 </a:solidFill>
@@ -4824,20 +4645,20 @@
               </a:rPr>
               <a:t>    {</a:t>
             </a:r>
-            <a:endParaRPr lang="en-US" sz="1400" dirty="0"/>
-          </a:p>
-          <a:p>
-            <a:pPr indent="0" marL="0">
-              <a:lnSpc>
-                <a:spcPct val="90000"/>
-              </a:lnSpc>
-              <a:spcAft>
-                <a:spcPts val="100"/>
-              </a:spcAft>
-              <a:buNone/>
-            </a:pPr>
-            <a:r>
-              <a:rPr lang="en-US" sz="1400" dirty="0">
+            <a:endParaRPr lang="en-US" sz="1200" dirty="0"/>
+          </a:p>
+          <a:p>
+            <a:pPr marL="0" indent="0">
+              <a:lnSpc>
+                <a:spcPct val="90000"/>
+              </a:lnSpc>
+              <a:spcAft>
+                <a:spcPts val="100"/>
+              </a:spcAft>
+              <a:buNone/>
+            </a:pPr>
+            <a:r>
+              <a:rPr lang="en-US" sz="1200" dirty="0">
                 <a:solidFill>
                   <a:srgbClr val="CDD6F4"/>
                 </a:solidFill>
@@ -4847,32 +4668,32 @@
               </a:rPr>
               <a:t>    }</a:t>
             </a:r>
-            <a:endParaRPr lang="en-US" sz="1400" dirty="0"/>
-          </a:p>
-          <a:p>
-            <a:pPr indent="0" marL="0">
-              <a:lnSpc>
-                <a:spcPct val="90000"/>
-              </a:lnSpc>
-              <a:spcAft>
-                <a:spcPts val="100"/>
-              </a:spcAft>
-              <a:buNone/>
-            </a:pPr>
-            <a:endParaRPr lang="en-US" sz="1400" dirty="0"/>
-          </a:p>
-          <a:p>
-            <a:pPr indent="0" marL="0">
-              <a:lnSpc>
-                <a:spcPct val="90000"/>
-              </a:lnSpc>
-              <a:spcAft>
-                <a:spcPts val="100"/>
-              </a:spcAft>
-              <a:buNone/>
-            </a:pPr>
-            <a:r>
-              <a:rPr lang="en-US" sz="1400" dirty="0">
+            <a:endParaRPr lang="en-US" sz="1200" dirty="0"/>
+          </a:p>
+          <a:p>
+            <a:pPr marL="0" indent="0">
+              <a:lnSpc>
+                <a:spcPct val="90000"/>
+              </a:lnSpc>
+              <a:spcAft>
+                <a:spcPts val="100"/>
+              </a:spcAft>
+              <a:buNone/>
+            </a:pPr>
+            <a:endParaRPr lang="en-US" sz="1200" dirty="0"/>
+          </a:p>
+          <a:p>
+            <a:pPr marL="0" indent="0">
+              <a:lnSpc>
+                <a:spcPct val="90000"/>
+              </a:lnSpc>
+              <a:spcAft>
+                <a:spcPts val="100"/>
+              </a:spcAft>
+              <a:buNone/>
+            </a:pPr>
+            <a:r>
+              <a:rPr lang="en-US" sz="1200" dirty="0">
                 <a:solidFill>
                   <a:srgbClr val="CDD6F4"/>
                 </a:solidFill>
@@ -4882,20 +4703,20 @@
               </a:rPr>
               <a:t>    public new string RemoveQuotes(string lejemaalPart)</a:t>
             </a:r>
-            <a:endParaRPr lang="en-US" sz="1400" dirty="0"/>
-          </a:p>
-          <a:p>
-            <a:pPr indent="0" marL="0">
-              <a:lnSpc>
-                <a:spcPct val="90000"/>
-              </a:lnSpc>
-              <a:spcAft>
-                <a:spcPts val="100"/>
-              </a:spcAft>
-              <a:buNone/>
-            </a:pPr>
-            <a:r>
-              <a:rPr lang="en-US" sz="1400" dirty="0">
+            <a:endParaRPr lang="en-US" sz="1200" dirty="0"/>
+          </a:p>
+          <a:p>
+            <a:pPr marL="0" indent="0">
+              <a:lnSpc>
+                <a:spcPct val="90000"/>
+              </a:lnSpc>
+              <a:spcAft>
+                <a:spcPts val="100"/>
+              </a:spcAft>
+              <a:buNone/>
+            </a:pPr>
+            <a:r>
+              <a:rPr lang="en-US" sz="1200" dirty="0">
                 <a:solidFill>
                   <a:srgbClr val="CDD6F4"/>
                 </a:solidFill>
@@ -4905,20 +4726,20 @@
               </a:rPr>
               <a:t>    {</a:t>
             </a:r>
-            <a:endParaRPr lang="en-US" sz="1400" dirty="0"/>
-          </a:p>
-          <a:p>
-            <a:pPr indent="0" marL="0">
-              <a:lnSpc>
-                <a:spcPct val="90000"/>
-              </a:lnSpc>
-              <a:spcAft>
-                <a:spcPts val="100"/>
-              </a:spcAft>
-              <a:buNone/>
-            </a:pPr>
-            <a:r>
-              <a:rPr lang="en-US" sz="1400" dirty="0">
+            <a:endParaRPr lang="en-US" sz="1200" dirty="0"/>
+          </a:p>
+          <a:p>
+            <a:pPr marL="0" indent="0">
+              <a:lnSpc>
+                <a:spcPct val="90000"/>
+              </a:lnSpc>
+              <a:spcAft>
+                <a:spcPts val="100"/>
+              </a:spcAft>
+              <a:buNone/>
+            </a:pPr>
+            <a:r>
+              <a:rPr lang="en-US" sz="1200" dirty="0">
                 <a:solidFill>
                   <a:srgbClr val="CDD6F4"/>
                 </a:solidFill>
@@ -4928,20 +4749,20 @@
               </a:rPr>
               <a:t>        return base.RemoveQuotes(lejemaalPart);</a:t>
             </a:r>
-            <a:endParaRPr lang="en-US" sz="1400" dirty="0"/>
-          </a:p>
-          <a:p>
-            <a:pPr indent="0" marL="0">
-              <a:lnSpc>
-                <a:spcPct val="90000"/>
-              </a:lnSpc>
-              <a:spcAft>
-                <a:spcPts val="100"/>
-              </a:spcAft>
-              <a:buNone/>
-            </a:pPr>
-            <a:r>
-              <a:rPr lang="en-US" sz="1400" dirty="0">
+            <a:endParaRPr lang="en-US" sz="1200" dirty="0"/>
+          </a:p>
+          <a:p>
+            <a:pPr marL="0" indent="0">
+              <a:lnSpc>
+                <a:spcPct val="90000"/>
+              </a:lnSpc>
+              <a:spcAft>
+                <a:spcPts val="100"/>
+              </a:spcAft>
+              <a:buNone/>
+            </a:pPr>
+            <a:r>
+              <a:rPr lang="en-US" sz="1200" dirty="0">
                 <a:solidFill>
                   <a:srgbClr val="CDD6F4"/>
                 </a:solidFill>
@@ -4951,32 +4772,32 @@
               </a:rPr>
               <a:t>    }</a:t>
             </a:r>
-            <a:endParaRPr lang="en-US" sz="1400" dirty="0"/>
-          </a:p>
-          <a:p>
-            <a:pPr indent="0" marL="0">
-              <a:lnSpc>
-                <a:spcPct val="90000"/>
-              </a:lnSpc>
-              <a:spcAft>
-                <a:spcPts val="100"/>
-              </a:spcAft>
-              <a:buNone/>
-            </a:pPr>
-            <a:endParaRPr lang="en-US" sz="1400" dirty="0"/>
-          </a:p>
-          <a:p>
-            <a:pPr indent="0" marL="0">
-              <a:lnSpc>
-                <a:spcPct val="90000"/>
-              </a:lnSpc>
-              <a:spcAft>
-                <a:spcPts val="100"/>
-              </a:spcAft>
-              <a:buNone/>
-            </a:pPr>
-            <a:r>
-              <a:rPr lang="en-US" sz="1400" dirty="0">
+            <a:endParaRPr lang="en-US" sz="1200" dirty="0"/>
+          </a:p>
+          <a:p>
+            <a:pPr marL="0" indent="0">
+              <a:lnSpc>
+                <a:spcPct val="90000"/>
+              </a:lnSpc>
+              <a:spcAft>
+                <a:spcPts val="100"/>
+              </a:spcAft>
+              <a:buNone/>
+            </a:pPr>
+            <a:endParaRPr lang="en-US" sz="1200" dirty="0"/>
+          </a:p>
+          <a:p>
+            <a:pPr marL="0" indent="0">
+              <a:lnSpc>
+                <a:spcPct val="90000"/>
+              </a:lnSpc>
+              <a:spcAft>
+                <a:spcPts val="100"/>
+              </a:spcAft>
+              <a:buNone/>
+            </a:pPr>
+            <a:r>
+              <a:rPr lang="en-US" sz="1200" dirty="0">
                 <a:solidFill>
                   <a:srgbClr val="CDD6F4"/>
                 </a:solidFill>
@@ -4986,20 +4807,20 @@
               </a:rPr>
               <a:t>    public new List&lt;Lejemaal&gt; Konverter(string[] lejemaalData)</a:t>
             </a:r>
-            <a:endParaRPr lang="en-US" sz="1400" dirty="0"/>
-          </a:p>
-          <a:p>
-            <a:pPr indent="0" marL="0">
-              <a:lnSpc>
-                <a:spcPct val="90000"/>
-              </a:lnSpc>
-              <a:spcAft>
-                <a:spcPts val="100"/>
-              </a:spcAft>
-              <a:buNone/>
-            </a:pPr>
-            <a:r>
-              <a:rPr lang="en-US" sz="1400" dirty="0">
+            <a:endParaRPr lang="en-US" sz="1200" dirty="0"/>
+          </a:p>
+          <a:p>
+            <a:pPr marL="0" indent="0">
+              <a:lnSpc>
+                <a:spcPct val="90000"/>
+              </a:lnSpc>
+              <a:spcAft>
+                <a:spcPts val="100"/>
+              </a:spcAft>
+              <a:buNone/>
+            </a:pPr>
+            <a:r>
+              <a:rPr lang="en-US" sz="1200" dirty="0">
                 <a:solidFill>
                   <a:srgbClr val="CDD6F4"/>
                 </a:solidFill>
@@ -5009,20 +4830,20 @@
               </a:rPr>
               <a:t>    {</a:t>
             </a:r>
-            <a:endParaRPr lang="en-US" sz="1400" dirty="0"/>
-          </a:p>
-          <a:p>
-            <a:pPr indent="0" marL="0">
-              <a:lnSpc>
-                <a:spcPct val="90000"/>
-              </a:lnSpc>
-              <a:spcAft>
-                <a:spcPts val="100"/>
-              </a:spcAft>
-              <a:buNone/>
-            </a:pPr>
-            <a:r>
-              <a:rPr lang="en-US" sz="1400" dirty="0">
+            <a:endParaRPr lang="en-US" sz="1200" dirty="0"/>
+          </a:p>
+          <a:p>
+            <a:pPr marL="0" indent="0">
+              <a:lnSpc>
+                <a:spcPct val="90000"/>
+              </a:lnSpc>
+              <a:spcAft>
+                <a:spcPts val="100"/>
+              </a:spcAft>
+              <a:buNone/>
+            </a:pPr>
+            <a:r>
+              <a:rPr lang="en-US" sz="1200" dirty="0">
                 <a:solidFill>
                   <a:srgbClr val="CDD6F4"/>
                 </a:solidFill>
@@ -5032,20 +4853,20 @@
               </a:rPr>
               <a:t>        return base.Konverter(lejemaalData);</a:t>
             </a:r>
-            <a:endParaRPr lang="en-US" sz="1400" dirty="0"/>
-          </a:p>
-          <a:p>
-            <a:pPr indent="0" marL="0">
-              <a:lnSpc>
-                <a:spcPct val="90000"/>
-              </a:lnSpc>
-              <a:spcAft>
-                <a:spcPts val="100"/>
-              </a:spcAft>
-              <a:buNone/>
-            </a:pPr>
-            <a:r>
-              <a:rPr lang="en-US" sz="1400" dirty="0">
+            <a:endParaRPr lang="en-US" sz="1200" dirty="0"/>
+          </a:p>
+          <a:p>
+            <a:pPr marL="0" indent="0">
+              <a:lnSpc>
+                <a:spcPct val="90000"/>
+              </a:lnSpc>
+              <a:spcAft>
+                <a:spcPts val="100"/>
+              </a:spcAft>
+              <a:buNone/>
+            </a:pPr>
+            <a:r>
+              <a:rPr lang="en-US" sz="1200" dirty="0">
                 <a:solidFill>
                   <a:srgbClr val="CDD6F4"/>
                 </a:solidFill>
@@ -5055,32 +4876,32 @@
               </a:rPr>
               <a:t>    }</a:t>
             </a:r>
-            <a:endParaRPr lang="en-US" sz="1400" dirty="0"/>
-          </a:p>
-          <a:p>
-            <a:pPr indent="0" marL="0">
-              <a:lnSpc>
-                <a:spcPct val="90000"/>
-              </a:lnSpc>
-              <a:spcAft>
-                <a:spcPts val="100"/>
-              </a:spcAft>
-              <a:buNone/>
-            </a:pPr>
-            <a:endParaRPr lang="en-US" sz="1400" dirty="0"/>
-          </a:p>
-          <a:p>
-            <a:pPr indent="0" marL="0">
-              <a:lnSpc>
-                <a:spcPct val="90000"/>
-              </a:lnSpc>
-              <a:spcAft>
-                <a:spcPts val="100"/>
-              </a:spcAft>
-              <a:buNone/>
-            </a:pPr>
-            <a:r>
-              <a:rPr lang="en-US" sz="1400" dirty="0">
+            <a:endParaRPr lang="en-US" sz="1200" dirty="0"/>
+          </a:p>
+          <a:p>
+            <a:pPr marL="0" indent="0">
+              <a:lnSpc>
+                <a:spcPct val="90000"/>
+              </a:lnSpc>
+              <a:spcAft>
+                <a:spcPts val="100"/>
+              </a:spcAft>
+              <a:buNone/>
+            </a:pPr>
+            <a:endParaRPr lang="en-US" sz="1200" dirty="0"/>
+          </a:p>
+          <a:p>
+            <a:pPr marL="0" indent="0">
+              <a:lnSpc>
+                <a:spcPct val="90000"/>
+              </a:lnSpc>
+              <a:spcAft>
+                <a:spcPts val="100"/>
+              </a:spcAft>
+              <a:buNone/>
+            </a:pPr>
+            <a:r>
+              <a:rPr lang="en-US" sz="1200" dirty="0">
                 <a:solidFill>
                   <a:srgbClr val="CDD6F4"/>
                 </a:solidFill>
@@ -5090,20 +4911,20 @@
               </a:rPr>
               <a:t>    public new Lejemaal DanLejemaalObjekt(string lejemaalLinje)</a:t>
             </a:r>
-            <a:endParaRPr lang="en-US" sz="1400" dirty="0"/>
-          </a:p>
-          <a:p>
-            <a:pPr indent="0" marL="0">
-              <a:lnSpc>
-                <a:spcPct val="90000"/>
-              </a:lnSpc>
-              <a:spcAft>
-                <a:spcPts val="100"/>
-              </a:spcAft>
-              <a:buNone/>
-            </a:pPr>
-            <a:r>
-              <a:rPr lang="en-US" sz="1400" dirty="0">
+            <a:endParaRPr lang="en-US" sz="1200" dirty="0"/>
+          </a:p>
+          <a:p>
+            <a:pPr marL="0" indent="0">
+              <a:lnSpc>
+                <a:spcPct val="90000"/>
+              </a:lnSpc>
+              <a:spcAft>
+                <a:spcPts val="100"/>
+              </a:spcAft>
+              <a:buNone/>
+            </a:pPr>
+            <a:r>
+              <a:rPr lang="en-US" sz="1200" dirty="0">
                 <a:solidFill>
                   <a:srgbClr val="CDD6F4"/>
                 </a:solidFill>
@@ -5113,20 +4934,20 @@
               </a:rPr>
               <a:t>    {</a:t>
             </a:r>
-            <a:endParaRPr lang="en-US" sz="1400" dirty="0"/>
-          </a:p>
-          <a:p>
-            <a:pPr indent="0" marL="0">
-              <a:lnSpc>
-                <a:spcPct val="90000"/>
-              </a:lnSpc>
-              <a:spcAft>
-                <a:spcPts val="100"/>
-              </a:spcAft>
-              <a:buNone/>
-            </a:pPr>
-            <a:r>
-              <a:rPr lang="en-US" sz="1400" dirty="0">
+            <a:endParaRPr lang="en-US" sz="1200" dirty="0"/>
+          </a:p>
+          <a:p>
+            <a:pPr marL="0" indent="0">
+              <a:lnSpc>
+                <a:spcPct val="90000"/>
+              </a:lnSpc>
+              <a:spcAft>
+                <a:spcPts val="100"/>
+              </a:spcAft>
+              <a:buNone/>
+            </a:pPr>
+            <a:r>
+              <a:rPr lang="en-US" sz="1200" dirty="0">
                 <a:solidFill>
                   <a:srgbClr val="CDD6F4"/>
                 </a:solidFill>
@@ -5136,20 +4957,20 @@
               </a:rPr>
               <a:t>        return base.DanLejemaalObjekt(lejemaalLinje);</a:t>
             </a:r>
-            <a:endParaRPr lang="en-US" sz="1400" dirty="0"/>
-          </a:p>
-          <a:p>
-            <a:pPr indent="0" marL="0">
-              <a:lnSpc>
-                <a:spcPct val="90000"/>
-              </a:lnSpc>
-              <a:spcAft>
-                <a:spcPts val="100"/>
-              </a:spcAft>
-              <a:buNone/>
-            </a:pPr>
-            <a:r>
-              <a:rPr lang="en-US" sz="1400" dirty="0">
+            <a:endParaRPr lang="en-US" sz="1200" dirty="0"/>
+          </a:p>
+          <a:p>
+            <a:pPr marL="0" indent="0">
+              <a:lnSpc>
+                <a:spcPct val="90000"/>
+              </a:lnSpc>
+              <a:spcAft>
+                <a:spcPts val="100"/>
+              </a:spcAft>
+              <a:buNone/>
+            </a:pPr>
+            <a:r>
+              <a:rPr lang="en-US" sz="1200" dirty="0">
                 <a:solidFill>
                   <a:srgbClr val="CDD6F4"/>
                 </a:solidFill>
@@ -5159,20 +4980,20 @@
               </a:rPr>
               <a:t>    }</a:t>
             </a:r>
-            <a:endParaRPr lang="en-US" sz="1400" dirty="0"/>
-          </a:p>
-          <a:p>
-            <a:pPr indent="0" marL="0">
-              <a:lnSpc>
-                <a:spcPct val="90000"/>
-              </a:lnSpc>
-              <a:spcAft>
-                <a:spcPts val="100"/>
-              </a:spcAft>
-              <a:buNone/>
-            </a:pPr>
-            <a:r>
-              <a:rPr lang="en-US" sz="1400" dirty="0">
+            <a:endParaRPr lang="en-US" sz="1200" dirty="0"/>
+          </a:p>
+          <a:p>
+            <a:pPr marL="0" indent="0">
+              <a:lnSpc>
+                <a:spcPct val="90000"/>
+              </a:lnSpc>
+              <a:spcAft>
+                <a:spcPts val="100"/>
+              </a:spcAft>
+              <a:buNone/>
+            </a:pPr>
+            <a:r>
+              <a:rPr lang="en-US" sz="1200" dirty="0">
                 <a:solidFill>
                   <a:srgbClr val="CDD6F4"/>
                 </a:solidFill>
@@ -5182,7 +5003,7 @@
               </a:rPr>
               <a:t>}</a:t>
             </a:r>
-            <a:endParaRPr lang="en-US" sz="1400" dirty="0"/>
+            <a:endParaRPr lang="en-US" sz="1200" dirty="0"/>
           </a:p>
         </p:txBody>
       </p:sp>
@@ -5194,7 +5015,7 @@
         </p:nvSpPr>
         <p:spPr>
           <a:xfrm>
-            <a:off x="731520" y="5486400"/>
+            <a:off x="662247" y="5818909"/>
             <a:ext cx="10698480" cy="4114800"/>
           </a:xfrm>
           <a:prstGeom prst="rect">
@@ -5290,6 +5111,13 @@
           </a:solidFill>
           <a:ln/>
         </p:spPr>
+        <p:txBody>
+          <a:bodyPr/>
+          <a:lstStyle/>
+          <a:p>
+            <a:endParaRPr lang="da-DK"/>
+          </a:p>
+        </p:txBody>
       </p:sp>
       <p:sp>
         <p:nvSpPr>
@@ -5310,6 +5138,13 @@
           </a:solidFill>
           <a:ln/>
         </p:spPr>
+        <p:txBody>
+          <a:bodyPr/>
+          <a:lstStyle/>
+          <a:p>
+            <a:endParaRPr lang="da-DK"/>
+          </a:p>
+        </p:txBody>
       </p:sp>
       <p:sp>
         <p:nvSpPr>
@@ -5332,7 +5167,7 @@
           <a:bodyPr wrap="square" rtlCol="0" anchor="ctr"/>
           <a:lstStyle/>
           <a:p>
-            <a:pPr algn="ctr" indent="0" marL="0">
+            <a:pPr marL="0" indent="0" algn="ctr">
               <a:buNone/>
             </a:pPr>
             <a:r>
@@ -5368,7 +5203,7 @@
           <a:bodyPr wrap="square" rtlCol="0" anchor="ctr"/>
           <a:lstStyle/>
           <a:p>
-            <a:pPr indent="0" marL="0">
+            <a:pPr marL="0" indent="0">
               <a:buNone/>
             </a:pPr>
             <a:r>
@@ -5394,8 +5229,8 @@
         </p:nvSpPr>
         <p:spPr>
           <a:xfrm>
-            <a:off x="731520" y="1280160"/>
-            <a:ext cx="10698480" cy="5029200"/>
+            <a:off x="144087" y="1095895"/>
+            <a:ext cx="8204662" cy="4757650"/>
           </a:xfrm>
           <a:prstGeom prst="roundRect">
             <a:avLst>
@@ -5407,6 +5242,13 @@
           </a:solidFill>
           <a:ln/>
         </p:spPr>
+        <p:txBody>
+          <a:bodyPr/>
+          <a:lstStyle/>
+          <a:p>
+            <a:endParaRPr lang="da-DK"/>
+          </a:p>
+        </p:txBody>
       </p:sp>
       <p:sp>
         <p:nvSpPr>
@@ -5416,8 +5258,8 @@
         </p:nvSpPr>
         <p:spPr>
           <a:xfrm>
-            <a:off x="914400" y="1389888"/>
-            <a:ext cx="10332720" cy="4809744"/>
+            <a:off x="144087" y="1141615"/>
+            <a:ext cx="8035636" cy="4666210"/>
           </a:xfrm>
           <a:prstGeom prst="rect">
             <a:avLst/>
@@ -5429,589 +5271,589 @@
           <a:bodyPr wrap="square" rtlCol="0" anchor="t"/>
           <a:lstStyle/>
           <a:p>
-            <a:pPr indent="0" marL="0">
-              <a:lnSpc>
-                <a:spcPct val="90000"/>
-              </a:lnSpc>
-              <a:spcAft>
-                <a:spcPts val="100"/>
-              </a:spcAft>
-              <a:buNone/>
+            <a:pPr marL="0" indent="0">
+              <a:lnSpc>
+                <a:spcPct val="90000"/>
+              </a:lnSpc>
+              <a:spcAft>
+                <a:spcPts val="100"/>
+              </a:spcAft>
+              <a:buNone/>
+            </a:pPr>
+            <a:r>
+              <a:rPr lang="en-US" sz="1200" dirty="0">
+                <a:solidFill>
+                  <a:srgbClr val="CDD6F4"/>
+                </a:solidFill>
+                <a:latin typeface="Cascadia Code" pitchFamily="34" charset="0"/>
+                <a:ea typeface="Cascadia Code" pitchFamily="34" charset="-122"/>
+                <a:cs typeface="Cascadia Code" pitchFamily="34" charset="-120"/>
+              </a:rPr>
+              <a:t>&lt;Project Sdk="Microsoft.NET.Sdk"&gt;</a:t>
+            </a:r>
+            <a:endParaRPr lang="en-US" sz="1200" dirty="0"/>
+          </a:p>
+          <a:p>
+            <a:pPr marL="0" indent="0">
+              <a:lnSpc>
+                <a:spcPct val="90000"/>
+              </a:lnSpc>
+              <a:spcAft>
+                <a:spcPts val="100"/>
+              </a:spcAft>
+              <a:buNone/>
+            </a:pPr>
+            <a:r>
+              <a:rPr lang="en-US" sz="1200" dirty="0">
+                <a:solidFill>
+                  <a:srgbClr val="CDD6F4"/>
+                </a:solidFill>
+                <a:latin typeface="Cascadia Code" pitchFamily="34" charset="0"/>
+                <a:ea typeface="Cascadia Code" pitchFamily="34" charset="-122"/>
+                <a:cs typeface="Cascadia Code" pitchFamily="34" charset="-120"/>
+              </a:rPr>
+              <a:t>  &lt;PropertyGroup&gt;</a:t>
+            </a:r>
+            <a:endParaRPr lang="en-US" sz="1200" dirty="0"/>
+          </a:p>
+          <a:p>
+            <a:pPr marL="0" indent="0">
+              <a:lnSpc>
+                <a:spcPct val="90000"/>
+              </a:lnSpc>
+              <a:spcAft>
+                <a:spcPts val="100"/>
+              </a:spcAft>
+              <a:buNone/>
+            </a:pPr>
+            <a:r>
+              <a:rPr lang="en-US" sz="1200" dirty="0">
+                <a:solidFill>
+                  <a:srgbClr val="CDD6F4"/>
+                </a:solidFill>
+                <a:latin typeface="Cascadia Code" pitchFamily="34" charset="0"/>
+                <a:ea typeface="Cascadia Code" pitchFamily="34" charset="-122"/>
+                <a:cs typeface="Cascadia Code" pitchFamily="34" charset="-120"/>
+              </a:rPr>
+              <a:t>    &lt;ImplicitUsings&gt;enable&lt;/ImplicitUsings&gt;</a:t>
+            </a:r>
+            <a:endParaRPr lang="en-US" sz="1200" dirty="0"/>
+          </a:p>
+          <a:p>
+            <a:pPr marL="0" indent="0">
+              <a:lnSpc>
+                <a:spcPct val="90000"/>
+              </a:lnSpc>
+              <a:spcAft>
+                <a:spcPts val="100"/>
+              </a:spcAft>
+              <a:buNone/>
+            </a:pPr>
+            <a:r>
+              <a:rPr lang="en-US" sz="1200" dirty="0">
+                <a:solidFill>
+                  <a:srgbClr val="CDD6F4"/>
+                </a:solidFill>
+                <a:latin typeface="Cascadia Code" pitchFamily="34" charset="0"/>
+                <a:ea typeface="Cascadia Code" pitchFamily="34" charset="-122"/>
+                <a:cs typeface="Cascadia Code" pitchFamily="34" charset="-120"/>
+              </a:rPr>
+              <a:t>    &lt;Nullable&gt;enable&lt;/Nullable&gt;</a:t>
+            </a:r>
+            <a:endParaRPr lang="en-US" sz="1200" dirty="0"/>
+          </a:p>
+          <a:p>
+            <a:pPr marL="0" indent="0">
+              <a:lnSpc>
+                <a:spcPct val="90000"/>
+              </a:lnSpc>
+              <a:spcAft>
+                <a:spcPts val="100"/>
+              </a:spcAft>
+              <a:buNone/>
+            </a:pPr>
+            <a:r>
+              <a:rPr lang="en-US" sz="1200" dirty="0">
+                <a:solidFill>
+                  <a:srgbClr val="CDD6F4"/>
+                </a:solidFill>
+                <a:latin typeface="Cascadia Code" pitchFamily="34" charset="0"/>
+                <a:ea typeface="Cascadia Code" pitchFamily="34" charset="-122"/>
+                <a:cs typeface="Cascadia Code" pitchFamily="34" charset="-120"/>
+              </a:rPr>
+              <a:t>    &lt;OutputType&gt;Exe&lt;/OutputType&gt;</a:t>
+            </a:r>
+            <a:endParaRPr lang="en-US" sz="1200" dirty="0"/>
+          </a:p>
+          <a:p>
+            <a:pPr marL="0" indent="0">
+              <a:lnSpc>
+                <a:spcPct val="90000"/>
+              </a:lnSpc>
+              <a:spcAft>
+                <a:spcPts val="100"/>
+              </a:spcAft>
+              <a:buNone/>
+            </a:pPr>
+            <a:r>
+              <a:rPr lang="en-US" sz="1200" dirty="0">
+                <a:solidFill>
+                  <a:srgbClr val="CDD6F4"/>
+                </a:solidFill>
+                <a:latin typeface="Cascadia Code" pitchFamily="34" charset="0"/>
+                <a:ea typeface="Cascadia Code" pitchFamily="34" charset="-122"/>
+                <a:cs typeface="Cascadia Code" pitchFamily="34" charset="-120"/>
+              </a:rPr>
+              <a:t>    &lt;TargetFramework&gt;net10.0&lt;/TargetFramework&gt;</a:t>
+            </a:r>
+            <a:endParaRPr lang="en-US" sz="1200" dirty="0"/>
+          </a:p>
+          <a:p>
+            <a:pPr marL="0" indent="0">
+              <a:lnSpc>
+                <a:spcPct val="90000"/>
+              </a:lnSpc>
+              <a:spcAft>
+                <a:spcPts val="100"/>
+              </a:spcAft>
+              <a:buNone/>
+            </a:pPr>
+            <a:r>
+              <a:rPr lang="en-US" sz="1200" dirty="0">
+                <a:solidFill>
+                  <a:srgbClr val="CDD6F4"/>
+                </a:solidFill>
+                <a:latin typeface="Cascadia Code" pitchFamily="34" charset="0"/>
+                <a:ea typeface="Cascadia Code" pitchFamily="34" charset="-122"/>
+                <a:cs typeface="Cascadia Code" pitchFamily="34" charset="-120"/>
+              </a:rPr>
+              <a:t>  &lt;/PropertyGroup&gt;</a:t>
+            </a:r>
+            <a:endParaRPr lang="en-US" sz="1200" dirty="0"/>
+          </a:p>
+          <a:p>
+            <a:pPr marL="0" indent="0">
+              <a:lnSpc>
+                <a:spcPct val="90000"/>
+              </a:lnSpc>
+              <a:spcAft>
+                <a:spcPts val="100"/>
+              </a:spcAft>
+              <a:buNone/>
+            </a:pPr>
+            <a:endParaRPr lang="en-US" sz="1200" dirty="0"/>
+          </a:p>
+          <a:p>
+            <a:pPr marL="0" indent="0">
+              <a:lnSpc>
+                <a:spcPct val="90000"/>
+              </a:lnSpc>
+              <a:spcAft>
+                <a:spcPts val="100"/>
+              </a:spcAft>
+              <a:buNone/>
+            </a:pPr>
+            <a:r>
+              <a:rPr lang="en-US" sz="1200" dirty="0">
+                <a:solidFill>
+                  <a:srgbClr val="CDD6F4"/>
+                </a:solidFill>
+                <a:latin typeface="Cascadia Code" pitchFamily="34" charset="0"/>
+                <a:ea typeface="Cascadia Code" pitchFamily="34" charset="-122"/>
+                <a:cs typeface="Cascadia Code" pitchFamily="34" charset="-120"/>
+              </a:rPr>
+              <a:t>  &lt;ItemGroup&gt;</a:t>
+            </a:r>
+            <a:endParaRPr lang="en-US" sz="1200" dirty="0"/>
+          </a:p>
+          <a:p>
+            <a:pPr marL="0" indent="0">
+              <a:lnSpc>
+                <a:spcPct val="90000"/>
+              </a:lnSpc>
+              <a:spcAft>
+                <a:spcPts val="100"/>
+              </a:spcAft>
+              <a:buNone/>
+            </a:pPr>
+            <a:r>
+              <a:rPr lang="en-US" sz="1200" dirty="0">
+                <a:solidFill>
+                  <a:srgbClr val="CDD6F4"/>
+                </a:solidFill>
+                <a:latin typeface="Cascadia Code" pitchFamily="34" charset="0"/>
+                <a:ea typeface="Cascadia Code" pitchFamily="34" charset="-122"/>
+                <a:cs typeface="Cascadia Code" pitchFamily="34" charset="-120"/>
+              </a:rPr>
+              <a:t>    &lt;Content Include="xunit.runner.json" CopyToOutputDirectory="PreserveNewest" /&gt;</a:t>
+            </a:r>
+            <a:endParaRPr lang="en-US" sz="1200" dirty="0"/>
+          </a:p>
+          <a:p>
+            <a:pPr marL="0" indent="0">
+              <a:lnSpc>
+                <a:spcPct val="90000"/>
+              </a:lnSpc>
+              <a:spcAft>
+                <a:spcPts val="100"/>
+              </a:spcAft>
+              <a:buNone/>
+            </a:pPr>
+            <a:r>
+              <a:rPr lang="en-US" sz="1200" dirty="0">
+                <a:solidFill>
+                  <a:srgbClr val="CDD6F4"/>
+                </a:solidFill>
+                <a:latin typeface="Cascadia Code" pitchFamily="34" charset="0"/>
+                <a:ea typeface="Cascadia Code" pitchFamily="34" charset="-122"/>
+                <a:cs typeface="Cascadia Code" pitchFamily="34" charset="-120"/>
+              </a:rPr>
+              <a:t>  &lt;/ItemGroup&gt;</a:t>
+            </a:r>
+            <a:endParaRPr lang="en-US" sz="1200" dirty="0"/>
+          </a:p>
+          <a:p>
+            <a:pPr marL="0" indent="0">
+              <a:lnSpc>
+                <a:spcPct val="90000"/>
+              </a:lnSpc>
+              <a:spcAft>
+                <a:spcPts val="100"/>
+              </a:spcAft>
+              <a:buNone/>
+            </a:pPr>
+            <a:endParaRPr lang="en-US" sz="1200" dirty="0"/>
+          </a:p>
+          <a:p>
+            <a:pPr marL="0" indent="0">
+              <a:lnSpc>
+                <a:spcPct val="90000"/>
+              </a:lnSpc>
+              <a:spcAft>
+                <a:spcPts val="100"/>
+              </a:spcAft>
+              <a:buNone/>
+            </a:pPr>
+            <a:r>
+              <a:rPr lang="en-US" sz="1200" dirty="0">
+                <a:solidFill>
+                  <a:srgbClr val="CDD6F4"/>
+                </a:solidFill>
+                <a:latin typeface="Cascadia Code" pitchFamily="34" charset="0"/>
+                <a:ea typeface="Cascadia Code" pitchFamily="34" charset="-122"/>
+                <a:cs typeface="Cascadia Code" pitchFamily="34" charset="-120"/>
+              </a:rPr>
+              <a:t>  &lt;ItemGroup&gt;</a:t>
+            </a:r>
+            <a:endParaRPr lang="en-US" sz="1200" dirty="0"/>
+          </a:p>
+          <a:p>
+            <a:pPr marL="0" indent="0">
+              <a:lnSpc>
+                <a:spcPct val="90000"/>
+              </a:lnSpc>
+              <a:spcAft>
+                <a:spcPts val="100"/>
+              </a:spcAft>
+              <a:buNone/>
+            </a:pPr>
+            <a:r>
+              <a:rPr lang="en-US" sz="1200" dirty="0">
+                <a:solidFill>
+                  <a:srgbClr val="CDD6F4"/>
+                </a:solidFill>
+                <a:latin typeface="Cascadia Code" pitchFamily="34" charset="0"/>
+                <a:ea typeface="Cascadia Code" pitchFamily="34" charset="-122"/>
+                <a:cs typeface="Cascadia Code" pitchFamily="34" charset="-120"/>
+              </a:rPr>
+              <a:t>    &lt;Using Include="Xunit" /&gt;    &lt;!-- Global using for xUnit --&gt;</a:t>
+            </a:r>
+            <a:endParaRPr lang="en-US" sz="1200" dirty="0"/>
+          </a:p>
+          <a:p>
+            <a:pPr marL="0" indent="0">
+              <a:lnSpc>
+                <a:spcPct val="90000"/>
+              </a:lnSpc>
+              <a:spcAft>
+                <a:spcPts val="100"/>
+              </a:spcAft>
+              <a:buNone/>
+            </a:pPr>
+            <a:r>
+              <a:rPr lang="en-US" sz="1200" dirty="0">
+                <a:solidFill>
+                  <a:srgbClr val="CDD6F4"/>
+                </a:solidFill>
+                <a:latin typeface="Cascadia Code" pitchFamily="34" charset="0"/>
+                <a:ea typeface="Cascadia Code" pitchFamily="34" charset="-122"/>
+                <a:cs typeface="Cascadia Code" pitchFamily="34" charset="-120"/>
+              </a:rPr>
+              <a:t>  &lt;/ItemGroup&gt;</a:t>
+            </a:r>
+            <a:endParaRPr lang="en-US" sz="1200" dirty="0"/>
+          </a:p>
+          <a:p>
+            <a:pPr marL="0" indent="0">
+              <a:lnSpc>
+                <a:spcPct val="90000"/>
+              </a:lnSpc>
+              <a:spcAft>
+                <a:spcPts val="100"/>
+              </a:spcAft>
+              <a:buNone/>
+            </a:pPr>
+            <a:endParaRPr lang="en-US" sz="1200" dirty="0"/>
+          </a:p>
+          <a:p>
+            <a:pPr marL="0" indent="0">
+              <a:lnSpc>
+                <a:spcPct val="90000"/>
+              </a:lnSpc>
+              <a:spcAft>
+                <a:spcPts val="100"/>
+              </a:spcAft>
+              <a:buNone/>
+            </a:pPr>
+            <a:r>
+              <a:rPr lang="en-US" sz="1200" dirty="0">
+                <a:solidFill>
+                  <a:srgbClr val="CDD6F4"/>
+                </a:solidFill>
+                <a:latin typeface="Cascadia Code" pitchFamily="34" charset="0"/>
+                <a:ea typeface="Cascadia Code" pitchFamily="34" charset="-122"/>
+                <a:cs typeface="Cascadia Code" pitchFamily="34" charset="-120"/>
+              </a:rPr>
+              <a:t>  &lt;ItemGroup&gt;</a:t>
+            </a:r>
+            <a:endParaRPr lang="en-US" sz="1200" dirty="0"/>
+          </a:p>
+          <a:p>
+            <a:pPr marL="0" indent="0">
+              <a:lnSpc>
+                <a:spcPct val="90000"/>
+              </a:lnSpc>
+              <a:spcAft>
+                <a:spcPts val="100"/>
+              </a:spcAft>
+              <a:buNone/>
+            </a:pPr>
+            <a:r>
+              <a:rPr lang="en-US" sz="1200" dirty="0">
+                <a:solidFill>
+                  <a:srgbClr val="CDD6F4"/>
+                </a:solidFill>
+                <a:latin typeface="Cascadia Code" pitchFamily="34" charset="0"/>
+                <a:ea typeface="Cascadia Code" pitchFamily="34" charset="-122"/>
+                <a:cs typeface="Cascadia Code" pitchFamily="34" charset="-120"/>
+              </a:rPr>
+              <a:t>    &lt;PackageReference Include="Microsoft.NET.Test.Sdk" Version="18.0.1" /&gt;</a:t>
+            </a:r>
+            <a:endParaRPr lang="en-US" sz="1200" dirty="0"/>
+          </a:p>
+          <a:p>
+            <a:pPr marL="0" indent="0">
+              <a:lnSpc>
+                <a:spcPct val="90000"/>
+              </a:lnSpc>
+              <a:spcAft>
+                <a:spcPts val="100"/>
+              </a:spcAft>
+              <a:buNone/>
+            </a:pPr>
+            <a:r>
+              <a:rPr lang="en-US" sz="1200" dirty="0">
+                <a:solidFill>
+                  <a:srgbClr val="CDD6F4"/>
+                </a:solidFill>
+                <a:latin typeface="Cascadia Code" pitchFamily="34" charset="0"/>
+                <a:ea typeface="Cascadia Code" pitchFamily="34" charset="-122"/>
+                <a:cs typeface="Cascadia Code" pitchFamily="34" charset="-120"/>
+              </a:rPr>
+              <a:t>    &lt;PackageReference Include="Moq" Version="4.20.72" /&gt;</a:t>
+            </a:r>
+            <a:endParaRPr lang="en-US" sz="1200" dirty="0"/>
+          </a:p>
+          <a:p>
+            <a:pPr marL="0" indent="0">
+              <a:lnSpc>
+                <a:spcPct val="90000"/>
+              </a:lnSpc>
+              <a:spcAft>
+                <a:spcPts val="100"/>
+              </a:spcAft>
+              <a:buNone/>
+            </a:pPr>
+            <a:r>
+              <a:rPr lang="en-US" sz="1200" dirty="0">
+                <a:solidFill>
+                  <a:srgbClr val="CDD6F4"/>
+                </a:solidFill>
+                <a:latin typeface="Cascadia Code" pitchFamily="34" charset="0"/>
+                <a:ea typeface="Cascadia Code" pitchFamily="34" charset="-122"/>
+                <a:cs typeface="Cascadia Code" pitchFamily="34" charset="-120"/>
+              </a:rPr>
+              <a:t>    &lt;PackageReference Include="xunit.v3.mtp-v2" Version="3.2.2" /&gt;</a:t>
+            </a:r>
+            <a:endParaRPr lang="en-US" sz="1200" dirty="0"/>
+          </a:p>
+          <a:p>
+            <a:pPr marL="0" indent="0">
+              <a:lnSpc>
+                <a:spcPct val="90000"/>
+              </a:lnSpc>
+              <a:spcAft>
+                <a:spcPts val="100"/>
+              </a:spcAft>
+              <a:buNone/>
+            </a:pPr>
+            <a:r>
+              <a:rPr lang="en-US" sz="1200" dirty="0">
+                <a:solidFill>
+                  <a:srgbClr val="CDD6F4"/>
+                </a:solidFill>
+                <a:latin typeface="Cascadia Code" pitchFamily="34" charset="0"/>
+                <a:ea typeface="Cascadia Code" pitchFamily="34" charset="-122"/>
+                <a:cs typeface="Cascadia Code" pitchFamily="34" charset="-120"/>
+              </a:rPr>
+              <a:t>  &lt;/ItemGroup&gt;</a:t>
+            </a:r>
+            <a:endParaRPr lang="en-US" sz="1200" dirty="0"/>
+          </a:p>
+          <a:p>
+            <a:pPr marL="0" indent="0">
+              <a:lnSpc>
+                <a:spcPct val="90000"/>
+              </a:lnSpc>
+              <a:spcAft>
+                <a:spcPts val="100"/>
+              </a:spcAft>
+              <a:buNone/>
+            </a:pPr>
+            <a:endParaRPr lang="en-US" sz="1200" dirty="0"/>
+          </a:p>
+          <a:p>
+            <a:pPr marL="0" indent="0">
+              <a:lnSpc>
+                <a:spcPct val="90000"/>
+              </a:lnSpc>
+              <a:spcAft>
+                <a:spcPts val="100"/>
+              </a:spcAft>
+              <a:buNone/>
+            </a:pPr>
+            <a:r>
+              <a:rPr lang="en-US" sz="1200" dirty="0">
+                <a:solidFill>
+                  <a:srgbClr val="CDD6F4"/>
+                </a:solidFill>
+                <a:latin typeface="Cascadia Code" pitchFamily="34" charset="0"/>
+                <a:ea typeface="Cascadia Code" pitchFamily="34" charset="-122"/>
+                <a:cs typeface="Cascadia Code" pitchFamily="34" charset="-120"/>
+              </a:rPr>
+              <a:t>  &lt;ItemGroup&gt;</a:t>
+            </a:r>
+            <a:endParaRPr lang="en-US" sz="1200" dirty="0"/>
+          </a:p>
+          <a:p>
+            <a:pPr marL="0" indent="0">
+              <a:lnSpc>
+                <a:spcPct val="90000"/>
+              </a:lnSpc>
+              <a:spcAft>
+                <a:spcPts val="100"/>
+              </a:spcAft>
+              <a:buNone/>
+            </a:pPr>
+            <a:r>
+              <a:rPr lang="en-US" sz="1200" dirty="0">
+                <a:solidFill>
+                  <a:srgbClr val="CDD6F4"/>
+                </a:solidFill>
+                <a:latin typeface="Cascadia Code" pitchFamily="34" charset="0"/>
+                <a:ea typeface="Cascadia Code" pitchFamily="34" charset="-122"/>
+                <a:cs typeface="Cascadia Code" pitchFamily="34" charset="-120"/>
+              </a:rPr>
+              <a:t>    &lt;ProjectReference Include="..\Ejendomsberegner.Core\Ejendomsberegner.Core.csproj" /&gt;</a:t>
+            </a:r>
+            <a:endParaRPr lang="en-US" sz="1200" dirty="0"/>
+          </a:p>
+          <a:p>
+            <a:pPr marL="0" indent="0">
+              <a:lnSpc>
+                <a:spcPct val="90000"/>
+              </a:lnSpc>
+              <a:spcAft>
+                <a:spcPts val="100"/>
+              </a:spcAft>
+              <a:buNone/>
+            </a:pPr>
+            <a:r>
+              <a:rPr lang="en-US" sz="1200" dirty="0">
+                <a:solidFill>
+                  <a:srgbClr val="CDD6F4"/>
+                </a:solidFill>
+                <a:latin typeface="Cascadia Code" pitchFamily="34" charset="0"/>
+                <a:ea typeface="Cascadia Code" pitchFamily="34" charset="-122"/>
+                <a:cs typeface="Cascadia Code" pitchFamily="34" charset="-120"/>
+              </a:rPr>
+              <a:t>  &lt;/ItemGroup&gt;</a:t>
+            </a:r>
+            <a:endParaRPr lang="en-US" sz="1200" dirty="0"/>
+          </a:p>
+          <a:p>
+            <a:pPr marL="0" indent="0">
+              <a:lnSpc>
+                <a:spcPct val="90000"/>
+              </a:lnSpc>
+              <a:spcAft>
+                <a:spcPts val="100"/>
+              </a:spcAft>
+              <a:buNone/>
+            </a:pPr>
+            <a:r>
+              <a:rPr lang="en-US" sz="1200" dirty="0">
+                <a:solidFill>
+                  <a:srgbClr val="CDD6F4"/>
+                </a:solidFill>
+                <a:latin typeface="Cascadia Code" pitchFamily="34" charset="0"/>
+                <a:ea typeface="Cascadia Code" pitchFamily="34" charset="-122"/>
+                <a:cs typeface="Cascadia Code" pitchFamily="34" charset="-120"/>
+              </a:rPr>
+              <a:t>&lt;/Project&gt;</a:t>
+            </a:r>
+            <a:endParaRPr lang="en-US" sz="1200" dirty="0"/>
+          </a:p>
+        </p:txBody>
+      </p:sp>
+      <p:sp>
+        <p:nvSpPr>
+          <p:cNvPr id="8" name="Text 6"/>
+          <p:cNvSpPr/>
+          <p:nvPr/>
+        </p:nvSpPr>
+        <p:spPr>
+          <a:xfrm>
+            <a:off x="8348749" y="4063538"/>
+            <a:ext cx="3794760" cy="1806910"/>
+          </a:xfrm>
+          <a:prstGeom prst="rect">
+            <a:avLst/>
+          </a:prstGeom>
+          <a:noFill/>
+          <a:ln/>
+        </p:spPr>
+        <p:txBody>
+          <a:bodyPr wrap="square" rtlCol="0" anchor="t"/>
+          <a:lstStyle/>
+          <a:p>
+            <a:pPr>
+              <a:spcAft>
+                <a:spcPts val="600"/>
+              </a:spcAft>
             </a:pPr>
             <a:r>
               <a:rPr lang="en-US" sz="1400" dirty="0">
-                <a:solidFill>
-                  <a:srgbClr val="CDD6F4"/>
-                </a:solidFill>
-                <a:latin typeface="Cascadia Code" pitchFamily="34" charset="0"/>
-                <a:ea typeface="Cascadia Code" pitchFamily="34" charset="-122"/>
-                <a:cs typeface="Cascadia Code" pitchFamily="34" charset="-120"/>
-              </a:rPr>
-              <a:t>&lt;Project Sdk="Microsoft.NET.Sdk"&gt;</a:t>
-            </a:r>
-            <a:endParaRPr lang="en-US" sz="1400" dirty="0"/>
-          </a:p>
-          <a:p>
-            <a:pPr indent="0" marL="0">
-              <a:lnSpc>
-                <a:spcPct val="90000"/>
-              </a:lnSpc>
-              <a:spcAft>
-                <a:spcPts val="100"/>
-              </a:spcAft>
-              <a:buNone/>
-            </a:pPr>
-            <a:r>
-              <a:rPr lang="en-US" sz="1400" dirty="0">
-                <a:solidFill>
-                  <a:srgbClr val="CDD6F4"/>
-                </a:solidFill>
-                <a:latin typeface="Cascadia Code" pitchFamily="34" charset="0"/>
-                <a:ea typeface="Cascadia Code" pitchFamily="34" charset="-122"/>
-                <a:cs typeface="Cascadia Code" pitchFamily="34" charset="-120"/>
-              </a:rPr>
-              <a:t>  &lt;PropertyGroup&gt;</a:t>
-            </a:r>
-            <a:endParaRPr lang="en-US" sz="1400" dirty="0"/>
-          </a:p>
-          <a:p>
-            <a:pPr indent="0" marL="0">
-              <a:lnSpc>
-                <a:spcPct val="90000"/>
-              </a:lnSpc>
-              <a:spcAft>
-                <a:spcPts val="100"/>
-              </a:spcAft>
-              <a:buNone/>
-            </a:pPr>
-            <a:r>
-              <a:rPr lang="en-US" sz="1400" dirty="0">
-                <a:solidFill>
-                  <a:srgbClr val="CDD6F4"/>
-                </a:solidFill>
-                <a:latin typeface="Cascadia Code" pitchFamily="34" charset="0"/>
-                <a:ea typeface="Cascadia Code" pitchFamily="34" charset="-122"/>
-                <a:cs typeface="Cascadia Code" pitchFamily="34" charset="-120"/>
-              </a:rPr>
-              <a:t>    &lt;ImplicitUsings&gt;enable&lt;/ImplicitUsings&gt;</a:t>
-            </a:r>
-            <a:endParaRPr lang="en-US" sz="1400" dirty="0"/>
-          </a:p>
-          <a:p>
-            <a:pPr indent="0" marL="0">
-              <a:lnSpc>
-                <a:spcPct val="90000"/>
-              </a:lnSpc>
-              <a:spcAft>
-                <a:spcPts val="100"/>
-              </a:spcAft>
-              <a:buNone/>
-            </a:pPr>
-            <a:r>
-              <a:rPr lang="en-US" sz="1400" dirty="0">
-                <a:solidFill>
-                  <a:srgbClr val="CDD6F4"/>
-                </a:solidFill>
-                <a:latin typeface="Cascadia Code" pitchFamily="34" charset="0"/>
-                <a:ea typeface="Cascadia Code" pitchFamily="34" charset="-122"/>
-                <a:cs typeface="Cascadia Code" pitchFamily="34" charset="-120"/>
-              </a:rPr>
-              <a:t>    &lt;Nullable&gt;enable&lt;/Nullable&gt;</a:t>
-            </a:r>
-            <a:endParaRPr lang="en-US" sz="1400" dirty="0"/>
-          </a:p>
-          <a:p>
-            <a:pPr indent="0" marL="0">
-              <a:lnSpc>
-                <a:spcPct val="90000"/>
-              </a:lnSpc>
-              <a:spcAft>
-                <a:spcPts val="100"/>
-              </a:spcAft>
-              <a:buNone/>
-            </a:pPr>
-            <a:r>
-              <a:rPr lang="en-US" sz="1400" dirty="0">
-                <a:solidFill>
-                  <a:srgbClr val="CDD6F4"/>
-                </a:solidFill>
-                <a:latin typeface="Cascadia Code" pitchFamily="34" charset="0"/>
-                <a:ea typeface="Cascadia Code" pitchFamily="34" charset="-122"/>
-                <a:cs typeface="Cascadia Code" pitchFamily="34" charset="-120"/>
-              </a:rPr>
-              <a:t>    &lt;OutputType&gt;Exe&lt;/OutputType&gt;</a:t>
-            </a:r>
-            <a:endParaRPr lang="en-US" sz="1400" dirty="0"/>
-          </a:p>
-          <a:p>
-            <a:pPr indent="0" marL="0">
-              <a:lnSpc>
-                <a:spcPct val="90000"/>
-              </a:lnSpc>
-              <a:spcAft>
-                <a:spcPts val="100"/>
-              </a:spcAft>
-              <a:buNone/>
-            </a:pPr>
-            <a:r>
-              <a:rPr lang="en-US" sz="1400" dirty="0">
-                <a:solidFill>
-                  <a:srgbClr val="CDD6F4"/>
-                </a:solidFill>
-                <a:latin typeface="Cascadia Code" pitchFamily="34" charset="0"/>
-                <a:ea typeface="Cascadia Code" pitchFamily="34" charset="-122"/>
-                <a:cs typeface="Cascadia Code" pitchFamily="34" charset="-120"/>
-              </a:rPr>
-              <a:t>    &lt;TargetFramework&gt;net10.0&lt;/TargetFramework&gt;</a:t>
-            </a:r>
-            <a:endParaRPr lang="en-US" sz="1400" dirty="0"/>
-          </a:p>
-          <a:p>
-            <a:pPr indent="0" marL="0">
-              <a:lnSpc>
-                <a:spcPct val="90000"/>
-              </a:lnSpc>
-              <a:spcAft>
-                <a:spcPts val="100"/>
-              </a:spcAft>
-              <a:buNone/>
-            </a:pPr>
-            <a:r>
-              <a:rPr lang="en-US" sz="1400" dirty="0">
-                <a:solidFill>
-                  <a:srgbClr val="CDD6F4"/>
-                </a:solidFill>
-                <a:latin typeface="Cascadia Code" pitchFamily="34" charset="0"/>
-                <a:ea typeface="Cascadia Code" pitchFamily="34" charset="-122"/>
-                <a:cs typeface="Cascadia Code" pitchFamily="34" charset="-120"/>
-              </a:rPr>
-              <a:t>  &lt;/PropertyGroup&gt;</a:t>
-            </a:r>
-            <a:endParaRPr lang="en-US" sz="1400" dirty="0"/>
-          </a:p>
-          <a:p>
-            <a:pPr indent="0" marL="0">
-              <a:lnSpc>
-                <a:spcPct val="90000"/>
-              </a:lnSpc>
-              <a:spcAft>
-                <a:spcPts val="100"/>
-              </a:spcAft>
-              <a:buNone/>
-            </a:pPr>
-            <a:endParaRPr lang="en-US" sz="1400" dirty="0"/>
-          </a:p>
-          <a:p>
-            <a:pPr indent="0" marL="0">
-              <a:lnSpc>
-                <a:spcPct val="90000"/>
-              </a:lnSpc>
-              <a:spcAft>
-                <a:spcPts val="100"/>
-              </a:spcAft>
-              <a:buNone/>
-            </a:pPr>
-            <a:r>
-              <a:rPr lang="en-US" sz="1400" dirty="0">
-                <a:solidFill>
-                  <a:srgbClr val="CDD6F4"/>
-                </a:solidFill>
-                <a:latin typeface="Cascadia Code" pitchFamily="34" charset="0"/>
-                <a:ea typeface="Cascadia Code" pitchFamily="34" charset="-122"/>
-                <a:cs typeface="Cascadia Code" pitchFamily="34" charset="-120"/>
-              </a:rPr>
-              <a:t>  &lt;ItemGroup&gt;</a:t>
-            </a:r>
-            <a:endParaRPr lang="en-US" sz="1400" dirty="0"/>
-          </a:p>
-          <a:p>
-            <a:pPr indent="0" marL="0">
-              <a:lnSpc>
-                <a:spcPct val="90000"/>
-              </a:lnSpc>
-              <a:spcAft>
-                <a:spcPts val="100"/>
-              </a:spcAft>
-              <a:buNone/>
-            </a:pPr>
-            <a:r>
-              <a:rPr lang="en-US" sz="1400" dirty="0">
-                <a:solidFill>
-                  <a:srgbClr val="CDD6F4"/>
-                </a:solidFill>
-                <a:latin typeface="Cascadia Code" pitchFamily="34" charset="0"/>
-                <a:ea typeface="Cascadia Code" pitchFamily="34" charset="-122"/>
-                <a:cs typeface="Cascadia Code" pitchFamily="34" charset="-120"/>
-              </a:rPr>
-              <a:t>    &lt;Content Include="xunit.runner.json" CopyToOutputDirectory="PreserveNewest" /&gt;</a:t>
-            </a:r>
-            <a:endParaRPr lang="en-US" sz="1400" dirty="0"/>
-          </a:p>
-          <a:p>
-            <a:pPr indent="0" marL="0">
-              <a:lnSpc>
-                <a:spcPct val="90000"/>
-              </a:lnSpc>
-              <a:spcAft>
-                <a:spcPts val="100"/>
-              </a:spcAft>
-              <a:buNone/>
-            </a:pPr>
-            <a:r>
-              <a:rPr lang="en-US" sz="1400" dirty="0">
-                <a:solidFill>
-                  <a:srgbClr val="CDD6F4"/>
-                </a:solidFill>
-                <a:latin typeface="Cascadia Code" pitchFamily="34" charset="0"/>
-                <a:ea typeface="Cascadia Code" pitchFamily="34" charset="-122"/>
-                <a:cs typeface="Cascadia Code" pitchFamily="34" charset="-120"/>
-              </a:rPr>
-              <a:t>  &lt;/ItemGroup&gt;</a:t>
-            </a:r>
-            <a:endParaRPr lang="en-US" sz="1400" dirty="0"/>
-          </a:p>
-          <a:p>
-            <a:pPr indent="0" marL="0">
-              <a:lnSpc>
-                <a:spcPct val="90000"/>
-              </a:lnSpc>
-              <a:spcAft>
-                <a:spcPts val="100"/>
-              </a:spcAft>
-              <a:buNone/>
-            </a:pPr>
-            <a:endParaRPr lang="en-US" sz="1400" dirty="0"/>
-          </a:p>
-          <a:p>
-            <a:pPr indent="0" marL="0">
-              <a:lnSpc>
-                <a:spcPct val="90000"/>
-              </a:lnSpc>
-              <a:spcAft>
-                <a:spcPts val="100"/>
-              </a:spcAft>
-              <a:buNone/>
-            </a:pPr>
-            <a:r>
-              <a:rPr lang="en-US" sz="1400" dirty="0">
-                <a:solidFill>
-                  <a:srgbClr val="CDD6F4"/>
-                </a:solidFill>
-                <a:latin typeface="Cascadia Code" pitchFamily="34" charset="0"/>
-                <a:ea typeface="Cascadia Code" pitchFamily="34" charset="-122"/>
-                <a:cs typeface="Cascadia Code" pitchFamily="34" charset="-120"/>
-              </a:rPr>
-              <a:t>  &lt;ItemGroup&gt;</a:t>
-            </a:r>
-            <a:endParaRPr lang="en-US" sz="1400" dirty="0"/>
-          </a:p>
-          <a:p>
-            <a:pPr indent="0" marL="0">
-              <a:lnSpc>
-                <a:spcPct val="90000"/>
-              </a:lnSpc>
-              <a:spcAft>
-                <a:spcPts val="100"/>
-              </a:spcAft>
-              <a:buNone/>
-            </a:pPr>
-            <a:r>
-              <a:rPr lang="en-US" sz="1400" dirty="0">
-                <a:solidFill>
-                  <a:srgbClr val="CDD6F4"/>
-                </a:solidFill>
-                <a:latin typeface="Cascadia Code" pitchFamily="34" charset="0"/>
-                <a:ea typeface="Cascadia Code" pitchFamily="34" charset="-122"/>
-                <a:cs typeface="Cascadia Code" pitchFamily="34" charset="-120"/>
-              </a:rPr>
-              <a:t>    &lt;Using Include="Xunit" /&gt;    &lt;!-- Global using for xUnit --&gt;</a:t>
-            </a:r>
-            <a:endParaRPr lang="en-US" sz="1400" dirty="0"/>
-          </a:p>
-          <a:p>
-            <a:pPr indent="0" marL="0">
-              <a:lnSpc>
-                <a:spcPct val="90000"/>
-              </a:lnSpc>
-              <a:spcAft>
-                <a:spcPts val="100"/>
-              </a:spcAft>
-              <a:buNone/>
-            </a:pPr>
-            <a:r>
-              <a:rPr lang="en-US" sz="1400" dirty="0">
-                <a:solidFill>
-                  <a:srgbClr val="CDD6F4"/>
-                </a:solidFill>
-                <a:latin typeface="Cascadia Code" pitchFamily="34" charset="0"/>
-                <a:ea typeface="Cascadia Code" pitchFamily="34" charset="-122"/>
-                <a:cs typeface="Cascadia Code" pitchFamily="34" charset="-120"/>
-              </a:rPr>
-              <a:t>  &lt;/ItemGroup&gt;</a:t>
-            </a:r>
-            <a:endParaRPr lang="en-US" sz="1400" dirty="0"/>
-          </a:p>
-          <a:p>
-            <a:pPr indent="0" marL="0">
-              <a:lnSpc>
-                <a:spcPct val="90000"/>
-              </a:lnSpc>
-              <a:spcAft>
-                <a:spcPts val="100"/>
-              </a:spcAft>
-              <a:buNone/>
-            </a:pPr>
-            <a:endParaRPr lang="en-US" sz="1400" dirty="0"/>
-          </a:p>
-          <a:p>
-            <a:pPr indent="0" marL="0">
-              <a:lnSpc>
-                <a:spcPct val="90000"/>
-              </a:lnSpc>
-              <a:spcAft>
-                <a:spcPts val="100"/>
-              </a:spcAft>
-              <a:buNone/>
-            </a:pPr>
-            <a:r>
-              <a:rPr lang="en-US" sz="1400" dirty="0">
-                <a:solidFill>
-                  <a:srgbClr val="CDD6F4"/>
-                </a:solidFill>
-                <a:latin typeface="Cascadia Code" pitchFamily="34" charset="0"/>
-                <a:ea typeface="Cascadia Code" pitchFamily="34" charset="-122"/>
-                <a:cs typeface="Cascadia Code" pitchFamily="34" charset="-120"/>
-              </a:rPr>
-              <a:t>  &lt;ItemGroup&gt;</a:t>
-            </a:r>
-            <a:endParaRPr lang="en-US" sz="1400" dirty="0"/>
-          </a:p>
-          <a:p>
-            <a:pPr indent="0" marL="0">
-              <a:lnSpc>
-                <a:spcPct val="90000"/>
-              </a:lnSpc>
-              <a:spcAft>
-                <a:spcPts val="100"/>
-              </a:spcAft>
-              <a:buNone/>
-            </a:pPr>
-            <a:r>
-              <a:rPr lang="en-US" sz="1400" dirty="0">
-                <a:solidFill>
-                  <a:srgbClr val="CDD6F4"/>
-                </a:solidFill>
-                <a:latin typeface="Cascadia Code" pitchFamily="34" charset="0"/>
-                <a:ea typeface="Cascadia Code" pitchFamily="34" charset="-122"/>
-                <a:cs typeface="Cascadia Code" pitchFamily="34" charset="-120"/>
-              </a:rPr>
-              <a:t>    &lt;PackageReference Include="Microsoft.NET.Test.Sdk" Version="18.0.1" /&gt;</a:t>
-            </a:r>
-            <a:endParaRPr lang="en-US" sz="1400" dirty="0"/>
-          </a:p>
-          <a:p>
-            <a:pPr indent="0" marL="0">
-              <a:lnSpc>
-                <a:spcPct val="90000"/>
-              </a:lnSpc>
-              <a:spcAft>
-                <a:spcPts val="100"/>
-              </a:spcAft>
-              <a:buNone/>
-            </a:pPr>
-            <a:r>
-              <a:rPr lang="en-US" sz="1400" dirty="0">
-                <a:solidFill>
-                  <a:srgbClr val="CDD6F4"/>
-                </a:solidFill>
-                <a:latin typeface="Cascadia Code" pitchFamily="34" charset="0"/>
-                <a:ea typeface="Cascadia Code" pitchFamily="34" charset="-122"/>
-                <a:cs typeface="Cascadia Code" pitchFamily="34" charset="-120"/>
-              </a:rPr>
-              <a:t>    &lt;PackageReference Include="Moq" Version="4.20.72" /&gt;</a:t>
-            </a:r>
-            <a:endParaRPr lang="en-US" sz="1400" dirty="0"/>
-          </a:p>
-          <a:p>
-            <a:pPr indent="0" marL="0">
-              <a:lnSpc>
-                <a:spcPct val="90000"/>
-              </a:lnSpc>
-              <a:spcAft>
-                <a:spcPts val="100"/>
-              </a:spcAft>
-              <a:buNone/>
-            </a:pPr>
-            <a:r>
-              <a:rPr lang="en-US" sz="1400" dirty="0">
-                <a:solidFill>
-                  <a:srgbClr val="CDD6F4"/>
-                </a:solidFill>
-                <a:latin typeface="Cascadia Code" pitchFamily="34" charset="0"/>
-                <a:ea typeface="Cascadia Code" pitchFamily="34" charset="-122"/>
-                <a:cs typeface="Cascadia Code" pitchFamily="34" charset="-120"/>
-              </a:rPr>
-              <a:t>    &lt;PackageReference Include="xunit.v3.mtp-v2" Version="3.2.2" /&gt;</a:t>
-            </a:r>
-            <a:endParaRPr lang="en-US" sz="1400" dirty="0"/>
-          </a:p>
-          <a:p>
-            <a:pPr indent="0" marL="0">
-              <a:lnSpc>
-                <a:spcPct val="90000"/>
-              </a:lnSpc>
-              <a:spcAft>
-                <a:spcPts val="100"/>
-              </a:spcAft>
-              <a:buNone/>
-            </a:pPr>
-            <a:r>
-              <a:rPr lang="en-US" sz="1400" dirty="0">
-                <a:solidFill>
-                  <a:srgbClr val="CDD6F4"/>
-                </a:solidFill>
-                <a:latin typeface="Cascadia Code" pitchFamily="34" charset="0"/>
-                <a:ea typeface="Cascadia Code" pitchFamily="34" charset="-122"/>
-                <a:cs typeface="Cascadia Code" pitchFamily="34" charset="-120"/>
-              </a:rPr>
-              <a:t>  &lt;/ItemGroup&gt;</a:t>
-            </a:r>
-            <a:endParaRPr lang="en-US" sz="1400" dirty="0"/>
-          </a:p>
-          <a:p>
-            <a:pPr indent="0" marL="0">
-              <a:lnSpc>
-                <a:spcPct val="90000"/>
-              </a:lnSpc>
-              <a:spcAft>
-                <a:spcPts val="100"/>
-              </a:spcAft>
-              <a:buNone/>
-            </a:pPr>
-            <a:endParaRPr lang="en-US" sz="1400" dirty="0"/>
-          </a:p>
-          <a:p>
-            <a:pPr indent="0" marL="0">
-              <a:lnSpc>
-                <a:spcPct val="90000"/>
-              </a:lnSpc>
-              <a:spcAft>
-                <a:spcPts val="100"/>
-              </a:spcAft>
-              <a:buNone/>
-            </a:pPr>
-            <a:r>
-              <a:rPr lang="en-US" sz="1400" dirty="0">
-                <a:solidFill>
-                  <a:srgbClr val="CDD6F4"/>
-                </a:solidFill>
-                <a:latin typeface="Cascadia Code" pitchFamily="34" charset="0"/>
-                <a:ea typeface="Cascadia Code" pitchFamily="34" charset="-122"/>
-                <a:cs typeface="Cascadia Code" pitchFamily="34" charset="-120"/>
-              </a:rPr>
-              <a:t>  &lt;ItemGroup&gt;</a:t>
-            </a:r>
-            <a:endParaRPr lang="en-US" sz="1400" dirty="0"/>
-          </a:p>
-          <a:p>
-            <a:pPr indent="0" marL="0">
-              <a:lnSpc>
-                <a:spcPct val="90000"/>
-              </a:lnSpc>
-              <a:spcAft>
-                <a:spcPts val="100"/>
-              </a:spcAft>
-              <a:buNone/>
-            </a:pPr>
-            <a:r>
-              <a:rPr lang="en-US" sz="1400" dirty="0">
-                <a:solidFill>
-                  <a:srgbClr val="CDD6F4"/>
-                </a:solidFill>
-                <a:latin typeface="Cascadia Code" pitchFamily="34" charset="0"/>
-                <a:ea typeface="Cascadia Code" pitchFamily="34" charset="-122"/>
-                <a:cs typeface="Cascadia Code" pitchFamily="34" charset="-120"/>
-              </a:rPr>
-              <a:t>    &lt;ProjectReference Include="..\Ejendomsberegner.Core\Ejendomsberegner.Core.csproj" /&gt;</a:t>
-            </a:r>
-            <a:endParaRPr lang="en-US" sz="1400" dirty="0"/>
-          </a:p>
-          <a:p>
-            <a:pPr indent="0" marL="0">
-              <a:lnSpc>
-                <a:spcPct val="90000"/>
-              </a:lnSpc>
-              <a:spcAft>
-                <a:spcPts val="100"/>
-              </a:spcAft>
-              <a:buNone/>
-            </a:pPr>
-            <a:r>
-              <a:rPr lang="en-US" sz="1400" dirty="0">
-                <a:solidFill>
-                  <a:srgbClr val="CDD6F4"/>
-                </a:solidFill>
-                <a:latin typeface="Cascadia Code" pitchFamily="34" charset="0"/>
-                <a:ea typeface="Cascadia Code" pitchFamily="34" charset="-122"/>
-                <a:cs typeface="Cascadia Code" pitchFamily="34" charset="-120"/>
-              </a:rPr>
-              <a:t>  &lt;/ItemGroup&gt;</a:t>
-            </a:r>
-            <a:endParaRPr lang="en-US" sz="1400" dirty="0"/>
-          </a:p>
-          <a:p>
-            <a:pPr indent="0" marL="0">
-              <a:lnSpc>
-                <a:spcPct val="90000"/>
-              </a:lnSpc>
-              <a:spcAft>
-                <a:spcPts val="100"/>
-              </a:spcAft>
-              <a:buNone/>
-            </a:pPr>
-            <a:r>
-              <a:rPr lang="en-US" sz="1400" dirty="0">
-                <a:solidFill>
-                  <a:srgbClr val="CDD6F4"/>
-                </a:solidFill>
-                <a:latin typeface="Cascadia Code" pitchFamily="34" charset="0"/>
-                <a:ea typeface="Cascadia Code" pitchFamily="34" charset="-122"/>
-                <a:cs typeface="Cascadia Code" pitchFamily="34" charset="-120"/>
-              </a:rPr>
-              <a:t>&lt;/Project&gt;</a:t>
-            </a:r>
-            <a:endParaRPr lang="en-US" sz="1400" dirty="0"/>
-          </a:p>
-        </p:txBody>
-      </p:sp>
-      <p:sp>
-        <p:nvSpPr>
-          <p:cNvPr id="8" name="Text 6"/>
-          <p:cNvSpPr/>
-          <p:nvPr/>
-        </p:nvSpPr>
-        <p:spPr>
-          <a:xfrm>
-            <a:off x="731520" y="5303520"/>
-            <a:ext cx="10698480" cy="4114800"/>
-          </a:xfrm>
-          <a:prstGeom prst="rect">
-            <a:avLst/>
-          </a:prstGeom>
-          <a:noFill/>
-          <a:ln/>
-        </p:spPr>
-        <p:txBody>
-          <a:bodyPr wrap="square" rtlCol="0" anchor="t"/>
-          <a:lstStyle/>
-          <a:p>
-            <a:pPr>
-              <a:spcAft>
-                <a:spcPts val="600"/>
-              </a:spcAft>
-            </a:pPr>
-            <a:r>
-              <a:rPr lang="en-US" sz="1600" dirty="0">
                 <a:solidFill>
                   <a:srgbClr val="333333"/>
                 </a:solidFill>
@@ -6021,7 +5863,7 @@
               </a:rPr>
               <a:t>OutputType: Exe (kræves af xUnit v3)</a:t>
             </a:r>
-            <a:endParaRPr lang="en-US" sz="1600" dirty="0"/>
+            <a:endParaRPr lang="en-US" sz="1400" dirty="0"/>
           </a:p>
           <a:p>
             <a:pPr>
@@ -6030,7 +5872,7 @@
               </a:spcAft>
             </a:pPr>
             <a:r>
-              <a:rPr lang="en-US" sz="1600" dirty="0">
+              <a:rPr lang="en-US" sz="1400" dirty="0">
                 <a:solidFill>
                   <a:srgbClr val="333333"/>
                 </a:solidFill>
@@ -6040,7 +5882,7 @@
               </a:rPr>
               <a:t>Global using Xunit - ingen using Xunit; i hver testfil</a:t>
             </a:r>
-            <a:endParaRPr lang="en-US" sz="1600" dirty="0"/>
+            <a:endParaRPr lang="en-US" sz="1400" dirty="0"/>
           </a:p>
           <a:p>
             <a:pPr>
@@ -6049,7 +5891,7 @@
               </a:spcAft>
             </a:pPr>
             <a:r>
-              <a:rPr lang="en-US" sz="1600" dirty="0">
+              <a:rPr lang="en-US" sz="1400" dirty="0">
                 <a:solidFill>
                   <a:srgbClr val="333333"/>
                 </a:solidFill>
@@ -6059,7 +5901,7 @@
               </a:rPr>
               <a:t>Tre NuGet pakker: Test.Sdk, Moq, xunit.v3</a:t>
             </a:r>
-            <a:endParaRPr lang="en-US" sz="1600" dirty="0"/>
+            <a:endParaRPr lang="en-US" sz="1400" dirty="0"/>
           </a:p>
           <a:p>
             <a:pPr>
@@ -6068,7 +5910,7 @@
               </a:spcAft>
             </a:pPr>
             <a:r>
-              <a:rPr lang="en-US" sz="1600" dirty="0">
+              <a:rPr lang="en-US" sz="1400" dirty="0">
                 <a:solidFill>
                   <a:srgbClr val="333333"/>
                 </a:solidFill>
@@ -6078,7 +5920,7 @@
               </a:rPr>
               <a:t>ProjectReference til Core projektet</a:t>
             </a:r>
-            <a:endParaRPr lang="en-US" sz="1600" dirty="0"/>
+            <a:endParaRPr lang="en-US" sz="1400" dirty="0"/>
           </a:p>
         </p:txBody>
       </p:sp>
@@ -6126,6 +5968,13 @@
           </a:solidFill>
           <a:ln/>
         </p:spPr>
+        <p:txBody>
+          <a:bodyPr/>
+          <a:lstStyle/>
+          <a:p>
+            <a:endParaRPr lang="da-DK"/>
+          </a:p>
+        </p:txBody>
       </p:sp>
       <p:sp>
         <p:nvSpPr>
@@ -6146,6 +5995,13 @@
           </a:solidFill>
           <a:ln/>
         </p:spPr>
+        <p:txBody>
+          <a:bodyPr/>
+          <a:lstStyle/>
+          <a:p>
+            <a:endParaRPr lang="da-DK"/>
+          </a:p>
+        </p:txBody>
       </p:sp>
       <p:sp>
         <p:nvSpPr>
@@ -6168,7 +6024,7 @@
           <a:bodyPr wrap="square" rtlCol="0" anchor="ctr"/>
           <a:lstStyle/>
           <a:p>
-            <a:pPr algn="ctr" indent="0" marL="0">
+            <a:pPr marL="0" indent="0" algn="ctr">
               <a:buNone/>
             </a:pPr>
             <a:r>
@@ -6204,7 +6060,7 @@
           <a:bodyPr wrap="square" rtlCol="0" anchor="ctr"/>
           <a:lstStyle/>
           <a:p>
-            <a:pPr indent="0" marL="0">
+            <a:pPr marL="0" indent="0">
               <a:buNone/>
             </a:pPr>
             <a:r>
@@ -6243,7 +6099,7 @@
           <a:bodyPr wrap="square" rtlCol="0" anchor="ctr"/>
           <a:lstStyle/>
           <a:p>
-            <a:pPr indent="0" marL="0">
+            <a:pPr marL="0" indent="0">
               <a:buNone/>
             </a:pPr>
             <a:r>
@@ -6282,6 +6138,13 @@
           </a:solidFill>
           <a:ln/>
         </p:spPr>
+        <p:txBody>
+          <a:bodyPr/>
+          <a:lstStyle/>
+          <a:p>
+            <a:endParaRPr lang="da-DK"/>
+          </a:p>
+        </p:txBody>
       </p:sp>
       <p:sp>
         <p:nvSpPr>
@@ -6304,7 +6167,7 @@
           <a:bodyPr wrap="square" rtlCol="0" anchor="t"/>
           <a:lstStyle/>
           <a:p>
-            <a:pPr indent="0" marL="0">
+            <a:pPr marL="0" indent="0">
               <a:lnSpc>
                 <a:spcPct val="90000"/>
               </a:lnSpc>
@@ -6349,7 +6212,7 @@
           <a:bodyPr wrap="square" rtlCol="0" anchor="ctr"/>
           <a:lstStyle/>
           <a:p>
-            <a:pPr indent="0" marL="0">
+            <a:pPr marL="0" indent="0">
               <a:buNone/>
             </a:pPr>
             <a:r>
@@ -6467,7 +6330,7 @@
           <a:bodyPr wrap="square" rtlCol="0" anchor="ctr"/>
           <a:lstStyle/>
           <a:p>
-            <a:pPr indent="0" marL="0">
+            <a:pPr marL="0" indent="0">
               <a:buNone/>
             </a:pPr>
             <a:r>
@@ -6506,6 +6369,13 @@
           </a:solidFill>
           <a:ln/>
         </p:spPr>
+        <p:txBody>
+          <a:bodyPr/>
+          <a:lstStyle/>
+          <a:p>
+            <a:endParaRPr lang="da-DK"/>
+          </a:p>
+        </p:txBody>
       </p:sp>
       <p:sp>
         <p:nvSpPr>
@@ -6528,7 +6398,7 @@
           <a:bodyPr wrap="square" rtlCol="0" anchor="t"/>
           <a:lstStyle/>
           <a:p>
-            <a:pPr indent="0" marL="0">
+            <a:pPr marL="0" indent="0">
               <a:lnSpc>
                 <a:spcPct val="90000"/>
               </a:lnSpc>
@@ -6637,6 +6507,13 @@
           </a:solidFill>
           <a:ln/>
         </p:spPr>
+        <p:txBody>
+          <a:bodyPr/>
+          <a:lstStyle/>
+          <a:p>
+            <a:endParaRPr lang="da-DK"/>
+          </a:p>
+        </p:txBody>
       </p:sp>
       <p:sp>
         <p:nvSpPr>
@@ -6657,6 +6534,13 @@
           </a:solidFill>
           <a:ln/>
         </p:spPr>
+        <p:txBody>
+          <a:bodyPr/>
+          <a:lstStyle/>
+          <a:p>
+            <a:endParaRPr lang="da-DK"/>
+          </a:p>
+        </p:txBody>
       </p:sp>
       <p:sp>
         <p:nvSpPr>
@@ -6679,7 +6563,7 @@
           <a:bodyPr wrap="square" rtlCol="0" anchor="ctr"/>
           <a:lstStyle/>
           <a:p>
-            <a:pPr algn="ctr" indent="0" marL="0">
+            <a:pPr marL="0" indent="0" algn="ctr">
               <a:buNone/>
             </a:pPr>
             <a:r>
@@ -6715,7 +6599,7 @@
           <a:bodyPr wrap="square" rtlCol="0" anchor="ctr"/>
           <a:lstStyle/>
           <a:p>
-            <a:pPr indent="0" marL="0">
+            <a:pPr marL="0" indent="0">
               <a:buNone/>
             </a:pPr>
             <a:r>
@@ -6757,6 +6641,13 @@
             <a:prstDash val="solid"/>
           </a:ln>
         </p:spPr>
+        <p:txBody>
+          <a:bodyPr/>
+          <a:lstStyle/>
+          <a:p>
+            <a:endParaRPr lang="da-DK"/>
+          </a:p>
+        </p:txBody>
       </p:sp>
       <p:sp>
         <p:nvSpPr>
@@ -6779,7 +6670,7 @@
           <a:bodyPr wrap="square" rtlCol="0" anchor="ctr"/>
           <a:lstStyle/>
           <a:p>
-            <a:pPr indent="0" marL="0">
+            <a:pPr marL="0" indent="0">
               <a:buNone/>
             </a:pPr>
             <a:r>
@@ -6821,6 +6712,13 @@
             <a:prstDash val="solid"/>
           </a:ln>
         </p:spPr>
+        <p:txBody>
+          <a:bodyPr/>
+          <a:lstStyle/>
+          <a:p>
+            <a:endParaRPr lang="da-DK"/>
+          </a:p>
+        </p:txBody>
       </p:sp>
       <p:sp>
         <p:nvSpPr>
@@ -6843,7 +6741,7 @@
           <a:bodyPr wrap="square" rtlCol="0" anchor="ctr"/>
           <a:lstStyle/>
           <a:p>
-            <a:pPr indent="0" marL="0">
+            <a:pPr marL="0" indent="0">
               <a:buNone/>
             </a:pPr>
             <a:r>
@@ -6885,6 +6783,13 @@
             <a:prstDash val="solid"/>
           </a:ln>
         </p:spPr>
+        <p:txBody>
+          <a:bodyPr/>
+          <a:lstStyle/>
+          <a:p>
+            <a:endParaRPr lang="da-DK"/>
+          </a:p>
+        </p:txBody>
       </p:sp>
       <p:sp>
         <p:nvSpPr>
@@ -6907,7 +6812,7 @@
           <a:bodyPr wrap="square" rtlCol="0" anchor="ctr"/>
           <a:lstStyle/>
           <a:p>
-            <a:pPr indent="0" marL="0">
+            <a:pPr marL="0" indent="0">
               <a:buNone/>
             </a:pPr>
             <a:r>
@@ -6949,6 +6854,13 @@
             <a:prstDash val="solid"/>
           </a:ln>
         </p:spPr>
+        <p:txBody>
+          <a:bodyPr/>
+          <a:lstStyle/>
+          <a:p>
+            <a:endParaRPr lang="da-DK"/>
+          </a:p>
+        </p:txBody>
       </p:sp>
       <p:sp>
         <p:nvSpPr>
@@ -6971,7 +6883,7 @@
           <a:bodyPr wrap="square" rtlCol="0" anchor="ctr"/>
           <a:lstStyle/>
           <a:p>
-            <a:pPr indent="0" marL="0">
+            <a:pPr marL="0" indent="0">
               <a:buNone/>
             </a:pPr>
             <a:r>
@@ -7013,6 +6925,13 @@
             <a:prstDash val="solid"/>
           </a:ln>
         </p:spPr>
+        <p:txBody>
+          <a:bodyPr/>
+          <a:lstStyle/>
+          <a:p>
+            <a:endParaRPr lang="da-DK"/>
+          </a:p>
+        </p:txBody>
       </p:sp>
       <p:sp>
         <p:nvSpPr>
@@ -7035,7 +6954,7 @@
           <a:bodyPr wrap="square" rtlCol="0" anchor="ctr"/>
           <a:lstStyle/>
           <a:p>
-            <a:pPr indent="0" marL="0">
+            <a:pPr marL="0" indent="0">
               <a:buNone/>
             </a:pPr>
             <a:r>
@@ -7077,6 +6996,13 @@
             <a:prstDash val="solid"/>
           </a:ln>
         </p:spPr>
+        <p:txBody>
+          <a:bodyPr/>
+          <a:lstStyle/>
+          <a:p>
+            <a:endParaRPr lang="da-DK"/>
+          </a:p>
+        </p:txBody>
       </p:sp>
       <p:sp>
         <p:nvSpPr>
@@ -7099,7 +7025,7 @@
           <a:bodyPr wrap="square" rtlCol="0" anchor="ctr"/>
           <a:lstStyle/>
           <a:p>
-            <a:pPr indent="0" marL="0">
+            <a:pPr marL="0" indent="0">
               <a:buNone/>
             </a:pPr>
             <a:r>
@@ -7141,6 +7067,13 @@
             <a:prstDash val="solid"/>
           </a:ln>
         </p:spPr>
+        <p:txBody>
+          <a:bodyPr/>
+          <a:lstStyle/>
+          <a:p>
+            <a:endParaRPr lang="da-DK"/>
+          </a:p>
+        </p:txBody>
       </p:sp>
       <p:sp>
         <p:nvSpPr>
@@ -7163,7 +7096,7 @@
           <a:bodyPr wrap="square" rtlCol="0" anchor="ctr"/>
           <a:lstStyle/>
           <a:p>
-            <a:pPr indent="0" marL="0">
+            <a:pPr marL="0" indent="0">
               <a:buNone/>
             </a:pPr>
             <a:r>
@@ -7205,6 +7138,13 @@
             <a:prstDash val="solid"/>
           </a:ln>
         </p:spPr>
+        <p:txBody>
+          <a:bodyPr/>
+          <a:lstStyle/>
+          <a:p>
+            <a:endParaRPr lang="da-DK"/>
+          </a:p>
+        </p:txBody>
       </p:sp>
       <p:sp>
         <p:nvSpPr>
@@ -7227,7 +7167,7 @@
           <a:bodyPr wrap="square" rtlCol="0" anchor="ctr"/>
           <a:lstStyle/>
           <a:p>
-            <a:pPr indent="0" marL="0">
+            <a:pPr marL="0" indent="0">
               <a:buNone/>
             </a:pPr>
             <a:r>
@@ -7269,6 +7209,13 @@
             <a:prstDash val="solid"/>
           </a:ln>
         </p:spPr>
+        <p:txBody>
+          <a:bodyPr/>
+          <a:lstStyle/>
+          <a:p>
+            <a:endParaRPr lang="da-DK"/>
+          </a:p>
+        </p:txBody>
       </p:sp>
       <p:sp>
         <p:nvSpPr>
@@ -7291,7 +7238,7 @@
           <a:bodyPr wrap="square" rtlCol="0" anchor="ctr"/>
           <a:lstStyle/>
           <a:p>
-            <a:pPr indent="0" marL="0">
+            <a:pPr marL="0" indent="0">
               <a:buNone/>
             </a:pPr>
             <a:r>
@@ -7333,6 +7280,13 @@
             <a:prstDash val="solid"/>
           </a:ln>
         </p:spPr>
+        <p:txBody>
+          <a:bodyPr/>
+          <a:lstStyle/>
+          <a:p>
+            <a:endParaRPr lang="da-DK"/>
+          </a:p>
+        </p:txBody>
       </p:sp>
       <p:sp>
         <p:nvSpPr>
@@ -7355,7 +7309,7 @@
           <a:bodyPr wrap="square" rtlCol="0" anchor="ctr"/>
           <a:lstStyle/>
           <a:p>
-            <a:pPr indent="0" marL="0">
+            <a:pPr marL="0" indent="0">
               <a:buNone/>
             </a:pPr>
             <a:r>
@@ -7397,6 +7351,13 @@
             <a:prstDash val="solid"/>
           </a:ln>
         </p:spPr>
+        <p:txBody>
+          <a:bodyPr/>
+          <a:lstStyle/>
+          <a:p>
+            <a:endParaRPr lang="da-DK"/>
+          </a:p>
+        </p:txBody>
       </p:sp>
       <p:sp>
         <p:nvSpPr>
@@ -7419,7 +7380,7 @@
           <a:bodyPr wrap="square" rtlCol="0" anchor="ctr"/>
           <a:lstStyle/>
           <a:p>
-            <a:pPr indent="0" marL="0">
+            <a:pPr marL="0" indent="0">
               <a:buNone/>
             </a:pPr>
             <a:r>
@@ -7461,6 +7422,13 @@
             <a:prstDash val="solid"/>
           </a:ln>
         </p:spPr>
+        <p:txBody>
+          <a:bodyPr/>
+          <a:lstStyle/>
+          <a:p>
+            <a:endParaRPr lang="da-DK"/>
+          </a:p>
+        </p:txBody>
       </p:sp>
       <p:sp>
         <p:nvSpPr>
@@ -7483,7 +7451,7 @@
           <a:bodyPr wrap="square" rtlCol="0" anchor="ctr"/>
           <a:lstStyle/>
           <a:p>
-            <a:pPr indent="0" marL="0">
+            <a:pPr marL="0" indent="0">
               <a:buNone/>
             </a:pPr>
             <a:r>
@@ -7525,6 +7493,13 @@
             <a:prstDash val="solid"/>
           </a:ln>
         </p:spPr>
+        <p:txBody>
+          <a:bodyPr/>
+          <a:lstStyle/>
+          <a:p>
+            <a:endParaRPr lang="da-DK"/>
+          </a:p>
+        </p:txBody>
       </p:sp>
       <p:sp>
         <p:nvSpPr>
@@ -7547,7 +7522,7 @@
           <a:bodyPr wrap="square" rtlCol="0" anchor="ctr"/>
           <a:lstStyle/>
           <a:p>
-            <a:pPr indent="0" marL="0">
+            <a:pPr marL="0" indent="0">
               <a:buNone/>
             </a:pPr>
             <a:r>
@@ -7589,6 +7564,13 @@
             <a:prstDash val="solid"/>
           </a:ln>
         </p:spPr>
+        <p:txBody>
+          <a:bodyPr/>
+          <a:lstStyle/>
+          <a:p>
+            <a:endParaRPr lang="da-DK"/>
+          </a:p>
+        </p:txBody>
       </p:sp>
       <p:sp>
         <p:nvSpPr>
@@ -7611,7 +7593,7 @@
           <a:bodyPr wrap="square" rtlCol="0" anchor="ctr"/>
           <a:lstStyle/>
           <a:p>
-            <a:pPr indent="0" marL="0">
+            <a:pPr marL="0" indent="0">
               <a:buNone/>
             </a:pPr>
             <a:r>
@@ -7653,6 +7635,13 @@
             <a:prstDash val="solid"/>
           </a:ln>
         </p:spPr>
+        <p:txBody>
+          <a:bodyPr/>
+          <a:lstStyle/>
+          <a:p>
+            <a:endParaRPr lang="da-DK"/>
+          </a:p>
+        </p:txBody>
       </p:sp>
       <p:sp>
         <p:nvSpPr>
@@ -7675,7 +7664,7 @@
           <a:bodyPr wrap="square" rtlCol="0" anchor="ctr"/>
           <a:lstStyle/>
           <a:p>
-            <a:pPr indent="0" marL="0">
+            <a:pPr marL="0" indent="0">
               <a:buNone/>
             </a:pPr>
             <a:r>
@@ -7717,6 +7706,13 @@
             <a:prstDash val="solid"/>
           </a:ln>
         </p:spPr>
+        <p:txBody>
+          <a:bodyPr/>
+          <a:lstStyle/>
+          <a:p>
+            <a:endParaRPr lang="da-DK"/>
+          </a:p>
+        </p:txBody>
       </p:sp>
       <p:sp>
         <p:nvSpPr>
@@ -7739,7 +7735,7 @@
           <a:bodyPr wrap="square" rtlCol="0" anchor="ctr"/>
           <a:lstStyle/>
           <a:p>
-            <a:pPr indent="0" marL="0">
+            <a:pPr marL="0" indent="0">
               <a:buNone/>
             </a:pPr>
             <a:r>
@@ -7781,6 +7777,13 @@
             <a:prstDash val="solid"/>
           </a:ln>
         </p:spPr>
+        <p:txBody>
+          <a:bodyPr/>
+          <a:lstStyle/>
+          <a:p>
+            <a:endParaRPr lang="da-DK"/>
+          </a:p>
+        </p:txBody>
       </p:sp>
       <p:sp>
         <p:nvSpPr>
@@ -7803,7 +7806,7 @@
           <a:bodyPr wrap="square" rtlCol="0" anchor="ctr"/>
           <a:lstStyle/>
           <a:p>
-            <a:pPr indent="0" marL="0">
+            <a:pPr marL="0" indent="0">
               <a:buNone/>
             </a:pPr>
             <a:r>
@@ -7845,6 +7848,13 @@
             <a:prstDash val="solid"/>
           </a:ln>
         </p:spPr>
+        <p:txBody>
+          <a:bodyPr/>
+          <a:lstStyle/>
+          <a:p>
+            <a:endParaRPr lang="da-DK"/>
+          </a:p>
+        </p:txBody>
       </p:sp>
       <p:sp>
         <p:nvSpPr>
@@ -7867,7 +7877,7 @@
           <a:bodyPr wrap="square" rtlCol="0" anchor="ctr"/>
           <a:lstStyle/>
           <a:p>
-            <a:pPr indent="0" marL="0">
+            <a:pPr marL="0" indent="0">
               <a:buNone/>
             </a:pPr>
             <a:r>
@@ -7909,6 +7919,13 @@
             <a:prstDash val="solid"/>
           </a:ln>
         </p:spPr>
+        <p:txBody>
+          <a:bodyPr/>
+          <a:lstStyle/>
+          <a:p>
+            <a:endParaRPr lang="da-DK"/>
+          </a:p>
+        </p:txBody>
       </p:sp>
       <p:sp>
         <p:nvSpPr>
@@ -7931,7 +7948,7 @@
           <a:bodyPr wrap="square" rtlCol="0" anchor="ctr"/>
           <a:lstStyle/>
           <a:p>
-            <a:pPr indent="0" marL="0">
+            <a:pPr marL="0" indent="0">
               <a:buNone/>
             </a:pPr>
             <a:r>
@@ -7973,6 +7990,13 @@
             <a:prstDash val="solid"/>
           </a:ln>
         </p:spPr>
+        <p:txBody>
+          <a:bodyPr/>
+          <a:lstStyle/>
+          <a:p>
+            <a:endParaRPr lang="da-DK"/>
+          </a:p>
+        </p:txBody>
       </p:sp>
       <p:sp>
         <p:nvSpPr>
@@ -7995,7 +8019,7 @@
           <a:bodyPr wrap="square" rtlCol="0" anchor="ctr"/>
           <a:lstStyle/>
           <a:p>
-            <a:pPr indent="0" marL="0">
+            <a:pPr marL="0" indent="0">
               <a:buNone/>
             </a:pPr>
             <a:r>
@@ -8136,6 +8160,13 @@
           </a:solidFill>
           <a:ln/>
         </p:spPr>
+        <p:txBody>
+          <a:bodyPr/>
+          <a:lstStyle/>
+          <a:p>
+            <a:endParaRPr lang="da-DK"/>
+          </a:p>
+        </p:txBody>
       </p:sp>
       <p:sp>
         <p:nvSpPr>
@@ -8156,6 +8187,13 @@
           </a:solidFill>
           <a:ln/>
         </p:spPr>
+        <p:txBody>
+          <a:bodyPr/>
+          <a:lstStyle/>
+          <a:p>
+            <a:endParaRPr lang="da-DK"/>
+          </a:p>
+        </p:txBody>
       </p:sp>
       <p:sp>
         <p:nvSpPr>
@@ -8178,7 +8216,7 @@
           <a:bodyPr wrap="square" rtlCol="0" anchor="ctr"/>
           <a:lstStyle/>
           <a:p>
-            <a:pPr algn="ctr" indent="0" marL="0">
+            <a:pPr marL="0" indent="0" algn="ctr">
               <a:buNone/>
             </a:pPr>
             <a:r>
@@ -8214,7 +8252,7 @@
           <a:bodyPr wrap="square" rtlCol="0" anchor="ctr"/>
           <a:lstStyle/>
           <a:p>
-            <a:pPr indent="0" marL="0">
+            <a:pPr marL="0" indent="0">
               <a:buNone/>
             </a:pPr>
             <a:r>
@@ -8489,6 +8527,13 @@
             <a:prstDash val="solid"/>
           </a:ln>
         </p:spPr>
+        <p:txBody>
+          <a:bodyPr/>
+          <a:lstStyle/>
+          <a:p>
+            <a:endParaRPr lang="da-DK"/>
+          </a:p>
+        </p:txBody>
       </p:sp>
       <p:sp>
         <p:nvSpPr>
@@ -8511,7 +8556,7 @@
           <a:bodyPr wrap="square" rtlCol="0" anchor="ctr"/>
           <a:lstStyle/>
           <a:p>
-            <a:pPr algn="ctr" indent="0" marL="0">
+            <a:pPr marL="0" indent="0" algn="ctr">
               <a:buNone/>
             </a:pPr>
             <a:r>
@@ -8550,6 +8595,13 @@
           </a:solidFill>
           <a:ln/>
         </p:spPr>
+        <p:txBody>
+          <a:bodyPr/>
+          <a:lstStyle/>
+          <a:p>
+            <a:endParaRPr lang="da-DK"/>
+          </a:p>
+        </p:txBody>
       </p:sp>
       <p:sp>
         <p:nvSpPr>
@@ -8572,7 +8624,7 @@
           <a:bodyPr wrap="square" rtlCol="0" anchor="ctr"/>
           <a:lstStyle/>
           <a:p>
-            <a:pPr algn="ctr" indent="0" marL="0">
+            <a:pPr marL="0" indent="0" algn="ctr">
               <a:buNone/>
             </a:pPr>
             <a:r>
@@ -8634,6 +8686,13 @@
           </a:solidFill>
           <a:ln/>
         </p:spPr>
+        <p:txBody>
+          <a:bodyPr/>
+          <a:lstStyle/>
+          <a:p>
+            <a:endParaRPr lang="da-DK"/>
+          </a:p>
+        </p:txBody>
       </p:sp>
       <p:sp>
         <p:nvSpPr>
@@ -8654,6 +8713,13 @@
           </a:solidFill>
           <a:ln/>
         </p:spPr>
+        <p:txBody>
+          <a:bodyPr/>
+          <a:lstStyle/>
+          <a:p>
+            <a:endParaRPr lang="da-DK"/>
+          </a:p>
+        </p:txBody>
       </p:sp>
       <p:sp>
         <p:nvSpPr>
@@ -8676,7 +8742,7 @@
           <a:bodyPr wrap="square" rtlCol="0" anchor="ctr"/>
           <a:lstStyle/>
           <a:p>
-            <a:pPr algn="ctr" indent="0" marL="0">
+            <a:pPr marL="0" indent="0" algn="ctr">
               <a:buNone/>
             </a:pPr>
             <a:r>
@@ -8712,7 +8778,7 @@
           <a:bodyPr wrap="square" rtlCol="0" anchor="ctr"/>
           <a:lstStyle/>
           <a:p>
-            <a:pPr indent="0" marL="0">
+            <a:pPr marL="0" indent="0">
               <a:buNone/>
             </a:pPr>
             <a:r>
@@ -8756,6 +8822,13 @@
             <a:prstDash val="solid"/>
           </a:ln>
         </p:spPr>
+        <p:txBody>
+          <a:bodyPr/>
+          <a:lstStyle/>
+          <a:p>
+            <a:endParaRPr lang="da-DK"/>
+          </a:p>
+        </p:txBody>
       </p:sp>
       <p:sp>
         <p:nvSpPr>
@@ -8778,7 +8851,7 @@
           <a:bodyPr wrap="square" rtlCol="0" anchor="ctr"/>
           <a:lstStyle/>
           <a:p>
-            <a:pPr algn="ctr" indent="0" marL="0">
+            <a:pPr marL="0" indent="0" algn="ctr">
               <a:buNone/>
             </a:pPr>
             <a:r>
@@ -9003,6 +9076,13 @@
           </a:solidFill>
           <a:ln/>
         </p:spPr>
+        <p:txBody>
+          <a:bodyPr/>
+          <a:lstStyle/>
+          <a:p>
+            <a:endParaRPr lang="da-DK"/>
+          </a:p>
+        </p:txBody>
       </p:sp>
       <p:sp>
         <p:nvSpPr>
@@ -9023,6 +9103,13 @@
           </a:solidFill>
           <a:ln/>
         </p:spPr>
+        <p:txBody>
+          <a:bodyPr/>
+          <a:lstStyle/>
+          <a:p>
+            <a:endParaRPr lang="da-DK"/>
+          </a:p>
+        </p:txBody>
       </p:sp>
       <p:sp>
         <p:nvSpPr>
@@ -9045,7 +9132,7 @@
           <a:bodyPr wrap="square" rtlCol="0" anchor="ctr"/>
           <a:lstStyle/>
           <a:p>
-            <a:pPr algn="ctr" indent="0" marL="0">
+            <a:pPr marL="0" indent="0" algn="ctr">
               <a:buNone/>
             </a:pPr>
             <a:r>
@@ -9081,7 +9168,7 @@
           <a:bodyPr wrap="square" rtlCol="0" anchor="ctr"/>
           <a:lstStyle/>
           <a:p>
-            <a:pPr indent="0" marL="0">
+            <a:pPr marL="0" indent="0">
               <a:buNone/>
             </a:pPr>
             <a:r>
@@ -9120,6 +9207,13 @@
           </a:solidFill>
           <a:ln/>
         </p:spPr>
+        <p:txBody>
+          <a:bodyPr/>
+          <a:lstStyle/>
+          <a:p>
+            <a:endParaRPr lang="da-DK"/>
+          </a:p>
+        </p:txBody>
       </p:sp>
       <p:sp>
         <p:nvSpPr>
@@ -9142,7 +9236,7 @@
           <a:bodyPr wrap="square" rtlCol="0" anchor="t"/>
           <a:lstStyle/>
           <a:p>
-            <a:pPr indent="0" marL="0">
+            <a:pPr marL="0" indent="0">
               <a:buNone/>
             </a:pPr>
             <a:r>
@@ -9157,9 +9251,6 @@
               <a:t>Ejendomsberegner.Core
 </a:t>
             </a:r>
-            <a:pPr indent="0" marL="0">
-              <a:buNone/>
-            </a:pPr>
             <a:r>
               <a:rPr lang="en-US" sz="1400" dirty="0">
                 <a:solidFill>
@@ -9174,7 +9265,7 @@
             <a:endParaRPr lang="en-US" sz="2000" dirty="0"/>
           </a:p>
           <a:p>
-            <a:pPr indent="0" marL="0">
+            <a:pPr marL="0" indent="0">
               <a:buNone/>
             </a:pPr>
             <a:r>
@@ -9191,7 +9282,7 @@
             <a:endParaRPr lang="en-US" sz="2000" dirty="0"/>
           </a:p>
           <a:p>
-            <a:pPr indent="0" marL="0">
+            <a:pPr marL="0" indent="0">
               <a:buNone/>
             </a:pPr>
             <a:r>
@@ -9208,7 +9299,7 @@
             <a:endParaRPr lang="en-US" sz="2000" dirty="0"/>
           </a:p>
           <a:p>
-            <a:pPr indent="0" marL="0">
+            <a:pPr marL="0" indent="0">
               <a:buNone/>
             </a:pPr>
             <a:r>
@@ -9225,7 +9316,7 @@
             <a:endParaRPr lang="en-US" sz="2000" dirty="0"/>
           </a:p>
           <a:p>
-            <a:pPr indent="0" marL="0">
+            <a:pPr marL="0" indent="0">
               <a:buNone/>
             </a:pPr>
             <a:r>
@@ -9242,7 +9333,7 @@
             <a:endParaRPr lang="en-US" sz="2000" dirty="0"/>
           </a:p>
           <a:p>
-            <a:pPr indent="0" marL="0">
+            <a:pPr marL="0" indent="0">
               <a:buNone/>
             </a:pPr>
             <a:r>
@@ -9259,7 +9350,7 @@
             <a:endParaRPr lang="en-US" sz="2000" dirty="0"/>
           </a:p>
           <a:p>
-            <a:pPr indent="0" marL="0">
+            <a:pPr marL="0" indent="0">
               <a:buNone/>
             </a:pPr>
             <a:r>
@@ -9298,6 +9389,13 @@
           </a:solidFill>
           <a:ln/>
         </p:spPr>
+        <p:txBody>
+          <a:bodyPr/>
+          <a:lstStyle/>
+          <a:p>
+            <a:endParaRPr lang="da-DK"/>
+          </a:p>
+        </p:txBody>
       </p:sp>
       <p:sp>
         <p:nvSpPr>
@@ -9320,7 +9418,7 @@
           <a:bodyPr wrap="square" rtlCol="0" anchor="t"/>
           <a:lstStyle/>
           <a:p>
-            <a:pPr indent="0" marL="0">
+            <a:pPr marL="0" indent="0">
               <a:buNone/>
             </a:pPr>
             <a:r>
@@ -9335,9 +9433,6 @@
               <a:t>Ejendomsberegner.Test
 </a:t>
             </a:r>
-            <a:pPr indent="0" marL="0">
-              <a:buNone/>
-            </a:pPr>
             <a:r>
               <a:rPr lang="en-US" sz="1400" dirty="0">
                 <a:solidFill>
@@ -9352,7 +9447,7 @@
             <a:endParaRPr lang="en-US" sz="2000" dirty="0"/>
           </a:p>
           <a:p>
-            <a:pPr indent="0" marL="0">
+            <a:pPr marL="0" indent="0">
               <a:buNone/>
             </a:pPr>
             <a:r>
@@ -9369,13 +9464,13 @@
             <a:endParaRPr lang="en-US" sz="2000" dirty="0"/>
           </a:p>
           <a:p>
-            <a:pPr indent="0" marL="0">
+            <a:pPr marL="0" indent="0">
               <a:buNone/>
             </a:pPr>
             <a:endParaRPr lang="en-US" sz="2000" dirty="0"/>
           </a:p>
           <a:p>
-            <a:pPr indent="0" marL="0">
+            <a:pPr marL="0" indent="0">
               <a:buNone/>
             </a:pPr>
             <a:r>
@@ -9414,6 +9509,13 @@
           </a:solidFill>
           <a:ln/>
         </p:spPr>
+        <p:txBody>
+          <a:bodyPr/>
+          <a:lstStyle/>
+          <a:p>
+            <a:endParaRPr lang="da-DK"/>
+          </a:p>
+        </p:txBody>
       </p:sp>
       <p:sp>
         <p:nvSpPr>
@@ -9436,7 +9538,7 @@
           <a:bodyPr wrap="square" rtlCol="0" anchor="t"/>
           <a:lstStyle/>
           <a:p>
-            <a:pPr indent="0" marL="0">
+            <a:pPr marL="0" indent="0">
               <a:buNone/>
             </a:pPr>
             <a:r>
@@ -9451,9 +9553,6 @@
               <a:t>EjendomsberegnerIoC
 </a:t>
             </a:r>
-            <a:pPr indent="0" marL="0">
-              <a:buNone/>
-            </a:pPr>
             <a:r>
               <a:rPr lang="en-US" sz="1400" dirty="0">
                 <a:solidFill>
@@ -9468,7 +9567,7 @@
             <a:endParaRPr lang="en-US" sz="2000" dirty="0"/>
           </a:p>
           <a:p>
-            <a:pPr indent="0" marL="0">
+            <a:pPr marL="0" indent="0">
               <a:buNone/>
             </a:pPr>
             <a:r>
@@ -9485,13 +9584,13 @@
             <a:endParaRPr lang="en-US" sz="2000" dirty="0"/>
           </a:p>
           <a:p>
-            <a:pPr indent="0" marL="0">
+            <a:pPr marL="0" indent="0">
               <a:buNone/>
             </a:pPr>
             <a:endParaRPr lang="en-US" sz="2000" dirty="0"/>
           </a:p>
           <a:p>
-            <a:pPr indent="0" marL="0">
+            <a:pPr marL="0" indent="0">
               <a:buNone/>
             </a:pPr>
             <a:r>
@@ -9530,7 +9629,7 @@
           <a:bodyPr wrap="square" rtlCol="0" anchor="ctr"/>
           <a:lstStyle/>
           <a:p>
-            <a:pPr algn="ctr" indent="0" marL="0">
+            <a:pPr marL="0" indent="0" algn="ctr">
               <a:buNone/>
             </a:pPr>
             <a:r>
@@ -9652,6 +9751,13 @@
           </a:solidFill>
           <a:ln/>
         </p:spPr>
+        <p:txBody>
+          <a:bodyPr/>
+          <a:lstStyle/>
+          <a:p>
+            <a:endParaRPr lang="da-DK"/>
+          </a:p>
+        </p:txBody>
       </p:sp>
       <p:sp>
         <p:nvSpPr>
@@ -9672,6 +9778,13 @@
           </a:solidFill>
           <a:ln/>
         </p:spPr>
+        <p:txBody>
+          <a:bodyPr/>
+          <a:lstStyle/>
+          <a:p>
+            <a:endParaRPr lang="da-DK"/>
+          </a:p>
+        </p:txBody>
       </p:sp>
       <p:sp>
         <p:nvSpPr>
@@ -9694,7 +9807,7 @@
           <a:bodyPr wrap="square" rtlCol="0" anchor="ctr"/>
           <a:lstStyle/>
           <a:p>
-            <a:pPr algn="ctr" indent="0" marL="0">
+            <a:pPr marL="0" indent="0" algn="ctr">
               <a:buNone/>
             </a:pPr>
             <a:r>
@@ -9730,7 +9843,7 @@
           <a:bodyPr wrap="square" rtlCol="0" anchor="ctr"/>
           <a:lstStyle/>
           <a:p>
-            <a:pPr indent="0" marL="0">
+            <a:pPr marL="0" indent="0">
               <a:buNone/>
             </a:pPr>
             <a:r>
@@ -9757,7 +9870,7 @@
         <p:spPr>
           <a:xfrm>
             <a:off x="731520" y="1371600"/>
-            <a:ext cx="10698480" cy="2560320"/>
+            <a:ext cx="10698480" cy="2376055"/>
           </a:xfrm>
           <a:prstGeom prst="roundRect">
             <a:avLst>
@@ -9769,6 +9882,13 @@
           </a:solidFill>
           <a:ln/>
         </p:spPr>
+        <p:txBody>
+          <a:bodyPr/>
+          <a:lstStyle/>
+          <a:p>
+            <a:endParaRPr lang="da-DK"/>
+          </a:p>
+        </p:txBody>
       </p:sp>
       <p:sp>
         <p:nvSpPr>
@@ -9779,7 +9899,7 @@
         <p:spPr>
           <a:xfrm>
             <a:off x="914400" y="1481328"/>
-            <a:ext cx="10332720" cy="2340864"/>
+            <a:ext cx="10332720" cy="2176272"/>
           </a:xfrm>
           <a:prstGeom prst="rect">
             <a:avLst/>
@@ -9791,7 +9911,7 @@
           <a:bodyPr wrap="square" rtlCol="0" anchor="t"/>
           <a:lstStyle/>
           <a:p>
-            <a:pPr indent="0" marL="0">
+            <a:pPr marL="0" indent="0">
               <a:lnSpc>
                 <a:spcPct val="90000"/>
               </a:lnSpc>
@@ -9814,7 +9934,7 @@
             <a:endParaRPr lang="en-US" sz="1800" dirty="0"/>
           </a:p>
           <a:p>
-            <a:pPr indent="0" marL="0">
+            <a:pPr marL="0" indent="0">
               <a:lnSpc>
                 <a:spcPct val="90000"/>
               </a:lnSpc>
@@ -9826,7 +9946,7 @@
             <a:endParaRPr lang="en-US" sz="1800" dirty="0"/>
           </a:p>
           <a:p>
-            <a:pPr indent="0" marL="0">
+            <a:pPr marL="0" indent="0">
               <a:lnSpc>
                 <a:spcPct val="90000"/>
               </a:lnSpc>
@@ -9849,7 +9969,7 @@
             <a:endParaRPr lang="en-US" sz="1800" dirty="0"/>
           </a:p>
           <a:p>
-            <a:pPr indent="0" marL="0">
+            <a:pPr marL="0" indent="0">
               <a:lnSpc>
                 <a:spcPct val="90000"/>
               </a:lnSpc>
@@ -9872,7 +9992,7 @@
             <a:endParaRPr lang="en-US" sz="1800" dirty="0"/>
           </a:p>
           <a:p>
-            <a:pPr indent="0" marL="0">
+            <a:pPr marL="0" indent="0">
               <a:lnSpc>
                 <a:spcPct val="90000"/>
               </a:lnSpc>
@@ -9895,7 +10015,7 @@
             <a:endParaRPr lang="en-US" sz="1800" dirty="0"/>
           </a:p>
           <a:p>
-            <a:pPr indent="0" marL="0">
+            <a:pPr marL="0" indent="0">
               <a:lnSpc>
                 <a:spcPct val="90000"/>
               </a:lnSpc>
@@ -9918,7 +10038,7 @@
             <a:endParaRPr lang="en-US" sz="1800" dirty="0"/>
           </a:p>
           <a:p>
-            <a:pPr indent="0" marL="0">
+            <a:pPr marL="0" indent="0">
               <a:lnSpc>
                 <a:spcPct val="90000"/>
               </a:lnSpc>
@@ -9941,7 +10061,7 @@
             <a:endParaRPr lang="en-US" sz="1800" dirty="0"/>
           </a:p>
           <a:p>
-            <a:pPr indent="0" marL="0">
+            <a:pPr marL="0" indent="0">
               <a:lnSpc>
                 <a:spcPct val="90000"/>
               </a:lnSpc>
@@ -10107,6 +10227,13 @@
           </a:solidFill>
           <a:ln/>
         </p:spPr>
+        <p:txBody>
+          <a:bodyPr/>
+          <a:lstStyle/>
+          <a:p>
+            <a:endParaRPr lang="da-DK"/>
+          </a:p>
+        </p:txBody>
       </p:sp>
       <p:sp>
         <p:nvSpPr>
@@ -10127,6 +10254,13 @@
           </a:solidFill>
           <a:ln/>
         </p:spPr>
+        <p:txBody>
+          <a:bodyPr/>
+          <a:lstStyle/>
+          <a:p>
+            <a:endParaRPr lang="da-DK"/>
+          </a:p>
+        </p:txBody>
       </p:sp>
       <p:sp>
         <p:nvSpPr>
@@ -10149,7 +10283,7 @@
           <a:bodyPr wrap="square" rtlCol="0" anchor="ctr"/>
           <a:lstStyle/>
           <a:p>
-            <a:pPr algn="ctr" indent="0" marL="0">
+            <a:pPr marL="0" indent="0" algn="ctr">
               <a:buNone/>
             </a:pPr>
             <a:r>
@@ -10185,7 +10319,7 @@
           <a:bodyPr wrap="square" rtlCol="0" anchor="ctr"/>
           <a:lstStyle/>
           <a:p>
-            <a:pPr indent="0" marL="0">
+            <a:pPr marL="0" indent="0">
               <a:buNone/>
             </a:pPr>
             <a:r>
@@ -10211,8 +10345,8 @@
         </p:nvSpPr>
         <p:spPr>
           <a:xfrm>
-            <a:off x="731520" y="1371600"/>
-            <a:ext cx="10698480" cy="5029200"/>
+            <a:off x="731520" y="1005840"/>
+            <a:ext cx="10698480" cy="3683925"/>
           </a:xfrm>
           <a:prstGeom prst="roundRect">
             <a:avLst>
@@ -10224,6 +10358,13 @@
           </a:solidFill>
           <a:ln/>
         </p:spPr>
+        <p:txBody>
+          <a:bodyPr/>
+          <a:lstStyle/>
+          <a:p>
+            <a:endParaRPr lang="da-DK"/>
+          </a:p>
+        </p:txBody>
       </p:sp>
       <p:sp>
         <p:nvSpPr>
@@ -10233,8 +10374,8 @@
         </p:nvSpPr>
         <p:spPr>
           <a:xfrm>
-            <a:off x="914400" y="1481328"/>
-            <a:ext cx="10332720" cy="4809744"/>
+            <a:off x="831273" y="1115569"/>
+            <a:ext cx="10332720" cy="3574196"/>
           </a:xfrm>
           <a:prstGeom prst="rect">
             <a:avLst/>
@@ -10246,17 +10387,17 @@
           <a:bodyPr wrap="square" rtlCol="0" anchor="t"/>
           <a:lstStyle/>
           <a:p>
-            <a:pPr indent="0" marL="0">
-              <a:lnSpc>
-                <a:spcPct val="90000"/>
-              </a:lnSpc>
-              <a:spcAft>
-                <a:spcPts val="100"/>
-              </a:spcAft>
-              <a:buNone/>
-            </a:pPr>
-            <a:r>
-              <a:rPr lang="en-US" sz="1600" dirty="0">
+            <a:pPr marL="0" indent="0">
+              <a:lnSpc>
+                <a:spcPct val="90000"/>
+              </a:lnSpc>
+              <a:spcAft>
+                <a:spcPts val="100"/>
+              </a:spcAft>
+              <a:buNone/>
+            </a:pPr>
+            <a:r>
+              <a:rPr lang="en-US" sz="1400" dirty="0">
                 <a:solidFill>
                   <a:srgbClr val="CDD6F4"/>
                 </a:solidFill>
@@ -10266,20 +10407,20 @@
               </a:rPr>
               <a:t>// Service interface</a:t>
             </a:r>
-            <a:endParaRPr lang="en-US" sz="1600" dirty="0"/>
-          </a:p>
-          <a:p>
-            <a:pPr indent="0" marL="0">
-              <a:lnSpc>
-                <a:spcPct val="90000"/>
-              </a:lnSpc>
-              <a:spcAft>
-                <a:spcPts val="100"/>
-              </a:spcAft>
-              <a:buNone/>
-            </a:pPr>
-            <a:r>
-              <a:rPr lang="en-US" sz="1600" dirty="0">
+            <a:endParaRPr lang="en-US" sz="1400" dirty="0"/>
+          </a:p>
+          <a:p>
+            <a:pPr marL="0" indent="0">
+              <a:lnSpc>
+                <a:spcPct val="90000"/>
+              </a:lnSpc>
+              <a:spcAft>
+                <a:spcPts val="100"/>
+              </a:spcAft>
+              <a:buNone/>
+            </a:pPr>
+            <a:r>
+              <a:rPr lang="en-US" sz="1400" dirty="0">
                 <a:solidFill>
                   <a:srgbClr val="CDD6F4"/>
                 </a:solidFill>
@@ -10289,20 +10430,20 @@
               </a:rPr>
               <a:t>public interface IEjendomBeregnerService</a:t>
             </a:r>
-            <a:endParaRPr lang="en-US" sz="1600" dirty="0"/>
-          </a:p>
-          <a:p>
-            <a:pPr indent="0" marL="0">
-              <a:lnSpc>
-                <a:spcPct val="90000"/>
-              </a:lnSpc>
-              <a:spcAft>
-                <a:spcPts val="100"/>
-              </a:spcAft>
-              <a:buNone/>
-            </a:pPr>
-            <a:r>
-              <a:rPr lang="en-US" sz="1600" dirty="0">
+            <a:endParaRPr lang="en-US" sz="1400" dirty="0"/>
+          </a:p>
+          <a:p>
+            <a:pPr marL="0" indent="0">
+              <a:lnSpc>
+                <a:spcPct val="90000"/>
+              </a:lnSpc>
+              <a:spcAft>
+                <a:spcPts val="100"/>
+              </a:spcAft>
+              <a:buNone/>
+            </a:pPr>
+            <a:r>
+              <a:rPr lang="en-US" sz="1400" dirty="0">
                 <a:solidFill>
                   <a:srgbClr val="CDD6F4"/>
                 </a:solidFill>
@@ -10312,20 +10453,20 @@
               </a:rPr>
               <a:t>{</a:t>
             </a:r>
-            <a:endParaRPr lang="en-US" sz="1600" dirty="0"/>
-          </a:p>
-          <a:p>
-            <a:pPr indent="0" marL="0">
-              <a:lnSpc>
-                <a:spcPct val="90000"/>
-              </a:lnSpc>
-              <a:spcAft>
-                <a:spcPts val="100"/>
-              </a:spcAft>
-              <a:buNone/>
-            </a:pPr>
-            <a:r>
-              <a:rPr lang="en-US" sz="1600" dirty="0">
+            <a:endParaRPr lang="en-US" sz="1400" dirty="0"/>
+          </a:p>
+          <a:p>
+            <a:pPr marL="0" indent="0">
+              <a:lnSpc>
+                <a:spcPct val="90000"/>
+              </a:lnSpc>
+              <a:spcAft>
+                <a:spcPts val="100"/>
+              </a:spcAft>
+              <a:buNone/>
+            </a:pPr>
+            <a:r>
+              <a:rPr lang="en-US" sz="1400" dirty="0">
                 <a:solidFill>
                   <a:srgbClr val="CDD6F4"/>
                 </a:solidFill>
@@ -10335,20 +10476,20 @@
               </a:rPr>
               <a:t>    double BeregnKvadratmeter();</a:t>
             </a:r>
-            <a:endParaRPr lang="en-US" sz="1600" dirty="0"/>
-          </a:p>
-          <a:p>
-            <a:pPr indent="0" marL="0">
-              <a:lnSpc>
-                <a:spcPct val="90000"/>
-              </a:lnSpc>
-              <a:spcAft>
-                <a:spcPts val="100"/>
-              </a:spcAft>
-              <a:buNone/>
-            </a:pPr>
-            <a:r>
-              <a:rPr lang="en-US" sz="1600" dirty="0">
+            <a:endParaRPr lang="en-US" sz="1400" dirty="0"/>
+          </a:p>
+          <a:p>
+            <a:pPr marL="0" indent="0">
+              <a:lnSpc>
+                <a:spcPct val="90000"/>
+              </a:lnSpc>
+              <a:spcAft>
+                <a:spcPts val="100"/>
+              </a:spcAft>
+              <a:buNone/>
+            </a:pPr>
+            <a:r>
+              <a:rPr lang="en-US" sz="1400" dirty="0">
                 <a:solidFill>
                   <a:srgbClr val="CDD6F4"/>
                 </a:solidFill>
@@ -10358,32 +10499,32 @@
               </a:rPr>
               <a:t>}</a:t>
             </a:r>
-            <a:endParaRPr lang="en-US" sz="1600" dirty="0"/>
-          </a:p>
-          <a:p>
-            <a:pPr indent="0" marL="0">
-              <a:lnSpc>
-                <a:spcPct val="90000"/>
-              </a:lnSpc>
-              <a:spcAft>
-                <a:spcPts val="100"/>
-              </a:spcAft>
-              <a:buNone/>
-            </a:pPr>
-            <a:endParaRPr lang="en-US" sz="1600" dirty="0"/>
-          </a:p>
-          <a:p>
-            <a:pPr indent="0" marL="0">
-              <a:lnSpc>
-                <a:spcPct val="90000"/>
-              </a:lnSpc>
-              <a:spcAft>
-                <a:spcPts val="100"/>
-              </a:spcAft>
-              <a:buNone/>
-            </a:pPr>
-            <a:r>
-              <a:rPr lang="en-US" sz="1600" dirty="0">
+            <a:endParaRPr lang="en-US" sz="1400" dirty="0"/>
+          </a:p>
+          <a:p>
+            <a:pPr marL="0" indent="0">
+              <a:lnSpc>
+                <a:spcPct val="90000"/>
+              </a:lnSpc>
+              <a:spcAft>
+                <a:spcPts val="100"/>
+              </a:spcAft>
+              <a:buNone/>
+            </a:pPr>
+            <a:endParaRPr lang="en-US" sz="1400" dirty="0"/>
+          </a:p>
+          <a:p>
+            <a:pPr marL="0" indent="0">
+              <a:lnSpc>
+                <a:spcPct val="90000"/>
+              </a:lnSpc>
+              <a:spcAft>
+                <a:spcPts val="100"/>
+              </a:spcAft>
+              <a:buNone/>
+            </a:pPr>
+            <a:r>
+              <a:rPr lang="en-US" sz="1400" dirty="0">
                 <a:solidFill>
                   <a:srgbClr val="CDD6F4"/>
                 </a:solidFill>
@@ -10393,20 +10534,20 @@
               </a:rPr>
               <a:t>// Repository interface</a:t>
             </a:r>
-            <a:endParaRPr lang="en-US" sz="1600" dirty="0"/>
-          </a:p>
-          <a:p>
-            <a:pPr indent="0" marL="0">
-              <a:lnSpc>
-                <a:spcPct val="90000"/>
-              </a:lnSpc>
-              <a:spcAft>
-                <a:spcPts val="100"/>
-              </a:spcAft>
-              <a:buNone/>
-            </a:pPr>
-            <a:r>
-              <a:rPr lang="en-US" sz="1600" dirty="0">
+            <a:endParaRPr lang="en-US" sz="1400" dirty="0"/>
+          </a:p>
+          <a:p>
+            <a:pPr marL="0" indent="0">
+              <a:lnSpc>
+                <a:spcPct val="90000"/>
+              </a:lnSpc>
+              <a:spcAft>
+                <a:spcPts val="100"/>
+              </a:spcAft>
+              <a:buNone/>
+            </a:pPr>
+            <a:r>
+              <a:rPr lang="en-US" sz="1400" dirty="0">
                 <a:solidFill>
                   <a:srgbClr val="CDD6F4"/>
                 </a:solidFill>
@@ -10416,20 +10557,20 @@
               </a:rPr>
               <a:t>public interface ILejemaalRepository</a:t>
             </a:r>
-            <a:endParaRPr lang="en-US" sz="1600" dirty="0"/>
-          </a:p>
-          <a:p>
-            <a:pPr indent="0" marL="0">
-              <a:lnSpc>
-                <a:spcPct val="90000"/>
-              </a:lnSpc>
-              <a:spcAft>
-                <a:spcPts val="100"/>
-              </a:spcAft>
-              <a:buNone/>
-            </a:pPr>
-            <a:r>
-              <a:rPr lang="en-US" sz="1600" dirty="0">
+            <a:endParaRPr lang="en-US" sz="1400" dirty="0"/>
+          </a:p>
+          <a:p>
+            <a:pPr marL="0" indent="0">
+              <a:lnSpc>
+                <a:spcPct val="90000"/>
+              </a:lnSpc>
+              <a:spcAft>
+                <a:spcPts val="100"/>
+              </a:spcAft>
+              <a:buNone/>
+            </a:pPr>
+            <a:r>
+              <a:rPr lang="en-US" sz="1400" dirty="0">
                 <a:solidFill>
                   <a:srgbClr val="CDD6F4"/>
                 </a:solidFill>
@@ -10439,20 +10580,20 @@
               </a:rPr>
               <a:t>{</a:t>
             </a:r>
-            <a:endParaRPr lang="en-US" sz="1600" dirty="0"/>
-          </a:p>
-          <a:p>
-            <a:pPr indent="0" marL="0">
-              <a:lnSpc>
-                <a:spcPct val="90000"/>
-              </a:lnSpc>
-              <a:spcAft>
-                <a:spcPts val="100"/>
-              </a:spcAft>
-              <a:buNone/>
-            </a:pPr>
-            <a:r>
-              <a:rPr lang="en-US" sz="1600" dirty="0">
+            <a:endParaRPr lang="en-US" sz="1400" dirty="0"/>
+          </a:p>
+          <a:p>
+            <a:pPr marL="0" indent="0">
+              <a:lnSpc>
+                <a:spcPct val="90000"/>
+              </a:lnSpc>
+              <a:spcAft>
+                <a:spcPts val="100"/>
+              </a:spcAft>
+              <a:buNone/>
+            </a:pPr>
+            <a:r>
+              <a:rPr lang="en-US" sz="1400" dirty="0">
                 <a:solidFill>
                   <a:srgbClr val="CDD6F4"/>
                 </a:solidFill>
@@ -10462,20 +10603,20 @@
               </a:rPr>
               <a:t>    List&lt;Lejemaal&gt; HentLejemaal();</a:t>
             </a:r>
-            <a:endParaRPr lang="en-US" sz="1600" dirty="0"/>
-          </a:p>
-          <a:p>
-            <a:pPr indent="0" marL="0">
-              <a:lnSpc>
-                <a:spcPct val="90000"/>
-              </a:lnSpc>
-              <a:spcAft>
-                <a:spcPts val="100"/>
-              </a:spcAft>
-              <a:buNone/>
-            </a:pPr>
-            <a:r>
-              <a:rPr lang="en-US" sz="1600" dirty="0">
+            <a:endParaRPr lang="en-US" sz="1400" dirty="0"/>
+          </a:p>
+          <a:p>
+            <a:pPr marL="0" indent="0">
+              <a:lnSpc>
+                <a:spcPct val="90000"/>
+              </a:lnSpc>
+              <a:spcAft>
+                <a:spcPts val="100"/>
+              </a:spcAft>
+              <a:buNone/>
+            </a:pPr>
+            <a:r>
+              <a:rPr lang="en-US" sz="1400" dirty="0">
                 <a:solidFill>
                   <a:srgbClr val="CDD6F4"/>
                 </a:solidFill>
@@ -10485,32 +10626,32 @@
               </a:rPr>
               <a:t>}</a:t>
             </a:r>
-            <a:endParaRPr lang="en-US" sz="1600" dirty="0"/>
-          </a:p>
-          <a:p>
-            <a:pPr indent="0" marL="0">
-              <a:lnSpc>
-                <a:spcPct val="90000"/>
-              </a:lnSpc>
-              <a:spcAft>
-                <a:spcPts val="100"/>
-              </a:spcAft>
-              <a:buNone/>
-            </a:pPr>
-            <a:endParaRPr lang="en-US" sz="1600" dirty="0"/>
-          </a:p>
-          <a:p>
-            <a:pPr indent="0" marL="0">
-              <a:lnSpc>
-                <a:spcPct val="90000"/>
-              </a:lnSpc>
-              <a:spcAft>
-                <a:spcPts val="100"/>
-              </a:spcAft>
-              <a:buNone/>
-            </a:pPr>
-            <a:r>
-              <a:rPr lang="en-US" sz="1600" dirty="0">
+            <a:endParaRPr lang="en-US" sz="1400" dirty="0"/>
+          </a:p>
+          <a:p>
+            <a:pPr marL="0" indent="0">
+              <a:lnSpc>
+                <a:spcPct val="90000"/>
+              </a:lnSpc>
+              <a:spcAft>
+                <a:spcPts val="100"/>
+              </a:spcAft>
+              <a:buNone/>
+            </a:pPr>
+            <a:endParaRPr lang="en-US" sz="1400" dirty="0"/>
+          </a:p>
+          <a:p>
+            <a:pPr marL="0" indent="0">
+              <a:lnSpc>
+                <a:spcPct val="90000"/>
+              </a:lnSpc>
+              <a:spcAft>
+                <a:spcPts val="100"/>
+              </a:spcAft>
+              <a:buNone/>
+            </a:pPr>
+            <a:r>
+              <a:rPr lang="en-US" sz="1400" dirty="0">
                 <a:solidFill>
                   <a:srgbClr val="CDD6F4"/>
                 </a:solidFill>
@@ -10520,20 +10661,20 @@
               </a:rPr>
               <a:t>// File adapter interface</a:t>
             </a:r>
-            <a:endParaRPr lang="en-US" sz="1600" dirty="0"/>
-          </a:p>
-          <a:p>
-            <a:pPr indent="0" marL="0">
-              <a:lnSpc>
-                <a:spcPct val="90000"/>
-              </a:lnSpc>
-              <a:spcAft>
-                <a:spcPts val="100"/>
-              </a:spcAft>
-              <a:buNone/>
-            </a:pPr>
-            <a:r>
-              <a:rPr lang="en-US" sz="1600" dirty="0">
+            <a:endParaRPr lang="en-US" sz="1400" dirty="0"/>
+          </a:p>
+          <a:p>
+            <a:pPr marL="0" indent="0">
+              <a:lnSpc>
+                <a:spcPct val="90000"/>
+              </a:lnSpc>
+              <a:spcAft>
+                <a:spcPts val="100"/>
+              </a:spcAft>
+              <a:buNone/>
+            </a:pPr>
+            <a:r>
+              <a:rPr lang="en-US" sz="1400" dirty="0">
                 <a:solidFill>
                   <a:srgbClr val="CDD6F4"/>
                 </a:solidFill>
@@ -10543,20 +10684,20 @@
               </a:rPr>
               <a:t>public interface IFile</a:t>
             </a:r>
-            <a:endParaRPr lang="en-US" sz="1600" dirty="0"/>
-          </a:p>
-          <a:p>
-            <a:pPr indent="0" marL="0">
-              <a:lnSpc>
-                <a:spcPct val="90000"/>
-              </a:lnSpc>
-              <a:spcAft>
-                <a:spcPts val="100"/>
-              </a:spcAft>
-              <a:buNone/>
-            </a:pPr>
-            <a:r>
-              <a:rPr lang="en-US" sz="1600" dirty="0">
+            <a:endParaRPr lang="en-US" sz="1400" dirty="0"/>
+          </a:p>
+          <a:p>
+            <a:pPr marL="0" indent="0">
+              <a:lnSpc>
+                <a:spcPct val="90000"/>
+              </a:lnSpc>
+              <a:spcAft>
+                <a:spcPts val="100"/>
+              </a:spcAft>
+              <a:buNone/>
+            </a:pPr>
+            <a:r>
+              <a:rPr lang="en-US" sz="1400" dirty="0">
                 <a:solidFill>
                   <a:srgbClr val="CDD6F4"/>
                 </a:solidFill>
@@ -10566,20 +10707,20 @@
               </a:rPr>
               <a:t>{</a:t>
             </a:r>
-            <a:endParaRPr lang="en-US" sz="1600" dirty="0"/>
-          </a:p>
-          <a:p>
-            <a:pPr indent="0" marL="0">
-              <a:lnSpc>
-                <a:spcPct val="90000"/>
-              </a:lnSpc>
-              <a:spcAft>
-                <a:spcPts val="100"/>
-              </a:spcAft>
-              <a:buNone/>
-            </a:pPr>
-            <a:r>
-              <a:rPr lang="en-US" sz="1600" dirty="0">
+            <a:endParaRPr lang="en-US" sz="1400" dirty="0"/>
+          </a:p>
+          <a:p>
+            <a:pPr marL="0" indent="0">
+              <a:lnSpc>
+                <a:spcPct val="90000"/>
+              </a:lnSpc>
+              <a:spcAft>
+                <a:spcPts val="100"/>
+              </a:spcAft>
+              <a:buNone/>
+            </a:pPr>
+            <a:r>
+              <a:rPr lang="en-US" sz="1400" dirty="0">
                 <a:solidFill>
                   <a:srgbClr val="CDD6F4"/>
                 </a:solidFill>
@@ -10589,20 +10730,20 @@
               </a:rPr>
               <a:t>    string[] ReadAllLines();</a:t>
             </a:r>
-            <a:endParaRPr lang="en-US" sz="1600" dirty="0"/>
-          </a:p>
-          <a:p>
-            <a:pPr indent="0" marL="0">
-              <a:lnSpc>
-                <a:spcPct val="90000"/>
-              </a:lnSpc>
-              <a:spcAft>
-                <a:spcPts val="100"/>
-              </a:spcAft>
-              <a:buNone/>
-            </a:pPr>
-            <a:r>
-              <a:rPr lang="en-US" sz="1600" dirty="0">
+            <a:endParaRPr lang="en-US" sz="1400" dirty="0"/>
+          </a:p>
+          <a:p>
+            <a:pPr marL="0" indent="0">
+              <a:lnSpc>
+                <a:spcPct val="90000"/>
+              </a:lnSpc>
+              <a:spcAft>
+                <a:spcPts val="100"/>
+              </a:spcAft>
+              <a:buNone/>
+            </a:pPr>
+            <a:r>
+              <a:rPr lang="en-US" sz="1400" dirty="0">
                 <a:solidFill>
                   <a:srgbClr val="CDD6F4"/>
                 </a:solidFill>
@@ -10612,7 +10753,7 @@
               </a:rPr>
               <a:t>}</a:t>
             </a:r>
-            <a:endParaRPr lang="en-US" sz="1600" dirty="0"/>
+            <a:endParaRPr lang="en-US" sz="1400" dirty="0"/>
           </a:p>
         </p:txBody>
       </p:sp>
@@ -10758,6 +10899,13 @@
           </a:solidFill>
           <a:ln/>
         </p:spPr>
+        <p:txBody>
+          <a:bodyPr/>
+          <a:lstStyle/>
+          <a:p>
+            <a:endParaRPr lang="da-DK"/>
+          </a:p>
+        </p:txBody>
       </p:sp>
       <p:sp>
         <p:nvSpPr>
@@ -10778,6 +10926,13 @@
           </a:solidFill>
           <a:ln/>
         </p:spPr>
+        <p:txBody>
+          <a:bodyPr/>
+          <a:lstStyle/>
+          <a:p>
+            <a:endParaRPr lang="da-DK"/>
+          </a:p>
+        </p:txBody>
       </p:sp>
       <p:sp>
         <p:nvSpPr>
@@ -10800,7 +10955,7 @@
           <a:bodyPr wrap="square" rtlCol="0" anchor="ctr"/>
           <a:lstStyle/>
           <a:p>
-            <a:pPr algn="ctr" indent="0" marL="0">
+            <a:pPr marL="0" indent="0" algn="ctr">
               <a:buNone/>
             </a:pPr>
             <a:r>
@@ -10836,7 +10991,7 @@
           <a:bodyPr wrap="square" rtlCol="0" anchor="ctr"/>
           <a:lstStyle/>
           <a:p>
-            <a:pPr indent="0" marL="0">
+            <a:pPr marL="0" indent="0">
               <a:buNone/>
             </a:pPr>
             <a:r>
@@ -10862,8 +11017,8 @@
         </p:nvSpPr>
         <p:spPr>
           <a:xfrm>
-            <a:off x="731520" y="1280160"/>
-            <a:ext cx="10698480" cy="5029200"/>
+            <a:off x="731520" y="1005840"/>
+            <a:ext cx="10698480" cy="3725487"/>
           </a:xfrm>
           <a:prstGeom prst="roundRect">
             <a:avLst>
@@ -10875,6 +11030,13 @@
           </a:solidFill>
           <a:ln/>
         </p:spPr>
+        <p:txBody>
+          <a:bodyPr/>
+          <a:lstStyle/>
+          <a:p>
+            <a:endParaRPr lang="da-DK"/>
+          </a:p>
+        </p:txBody>
       </p:sp>
       <p:sp>
         <p:nvSpPr>
@@ -10884,8 +11046,8 @@
         </p:nvSpPr>
         <p:spPr>
           <a:xfrm>
-            <a:off x="914400" y="1389888"/>
-            <a:ext cx="10332720" cy="4809744"/>
+            <a:off x="762000" y="1042416"/>
+            <a:ext cx="10332720" cy="4180748"/>
           </a:xfrm>
           <a:prstGeom prst="rect">
             <a:avLst/>
@@ -10897,17 +11059,17 @@
           <a:bodyPr wrap="square" rtlCol="0" anchor="t"/>
           <a:lstStyle/>
           <a:p>
-            <a:pPr indent="0" marL="0">
-              <a:lnSpc>
-                <a:spcPct val="90000"/>
-              </a:lnSpc>
-              <a:spcAft>
-                <a:spcPts val="100"/>
-              </a:spcAft>
-              <a:buNone/>
-            </a:pPr>
-            <a:r>
-              <a:rPr lang="en-US" sz="1500" dirty="0">
+            <a:pPr marL="0" indent="0">
+              <a:lnSpc>
+                <a:spcPct val="90000"/>
+              </a:lnSpc>
+              <a:spcAft>
+                <a:spcPts val="100"/>
+              </a:spcAft>
+              <a:buNone/>
+            </a:pPr>
+            <a:r>
+              <a:rPr lang="en-US" sz="1200" dirty="0">
                 <a:solidFill>
                   <a:srgbClr val="CDD6F4"/>
                 </a:solidFill>
@@ -10917,20 +11079,20 @@
               </a:rPr>
               <a:t>public class EjendomBeregnerService : IEjendomBeregnerService</a:t>
             </a:r>
-            <a:endParaRPr lang="en-US" sz="1500" dirty="0"/>
-          </a:p>
-          <a:p>
-            <a:pPr indent="0" marL="0">
-              <a:lnSpc>
-                <a:spcPct val="90000"/>
-              </a:lnSpc>
-              <a:spcAft>
-                <a:spcPts val="100"/>
-              </a:spcAft>
-              <a:buNone/>
-            </a:pPr>
-            <a:r>
-              <a:rPr lang="en-US" sz="1500" dirty="0">
+            <a:endParaRPr lang="en-US" sz="1200" dirty="0"/>
+          </a:p>
+          <a:p>
+            <a:pPr marL="0" indent="0">
+              <a:lnSpc>
+                <a:spcPct val="90000"/>
+              </a:lnSpc>
+              <a:spcAft>
+                <a:spcPts val="100"/>
+              </a:spcAft>
+              <a:buNone/>
+            </a:pPr>
+            <a:r>
+              <a:rPr lang="en-US" sz="1200" dirty="0">
                 <a:solidFill>
                   <a:srgbClr val="CDD6F4"/>
                 </a:solidFill>
@@ -10940,20 +11102,20 @@
               </a:rPr>
               <a:t>{</a:t>
             </a:r>
-            <a:endParaRPr lang="en-US" sz="1500" dirty="0"/>
-          </a:p>
-          <a:p>
-            <a:pPr indent="0" marL="0">
-              <a:lnSpc>
-                <a:spcPct val="90000"/>
-              </a:lnSpc>
-              <a:spcAft>
-                <a:spcPts val="100"/>
-              </a:spcAft>
-              <a:buNone/>
-            </a:pPr>
-            <a:r>
-              <a:rPr lang="en-US" sz="1500" dirty="0">
+            <a:endParaRPr lang="en-US" sz="1200" dirty="0"/>
+          </a:p>
+          <a:p>
+            <a:pPr marL="0" indent="0">
+              <a:lnSpc>
+                <a:spcPct val="90000"/>
+              </a:lnSpc>
+              <a:spcAft>
+                <a:spcPts val="100"/>
+              </a:spcAft>
+              <a:buNone/>
+            </a:pPr>
+            <a:r>
+              <a:rPr lang="en-US" sz="1200" dirty="0">
                 <a:solidFill>
                   <a:srgbClr val="CDD6F4"/>
                 </a:solidFill>
@@ -10963,32 +11125,32 @@
               </a:rPr>
               <a:t>    private readonly ILejemaalRepository _repo;</a:t>
             </a:r>
-            <a:endParaRPr lang="en-US" sz="1500" dirty="0"/>
-          </a:p>
-          <a:p>
-            <a:pPr indent="0" marL="0">
-              <a:lnSpc>
-                <a:spcPct val="90000"/>
-              </a:lnSpc>
-              <a:spcAft>
-                <a:spcPts val="100"/>
-              </a:spcAft>
-              <a:buNone/>
-            </a:pPr>
-            <a:endParaRPr lang="en-US" sz="1500" dirty="0"/>
-          </a:p>
-          <a:p>
-            <a:pPr indent="0" marL="0">
-              <a:lnSpc>
-                <a:spcPct val="90000"/>
-              </a:lnSpc>
-              <a:spcAft>
-                <a:spcPts val="100"/>
-              </a:spcAft>
-              <a:buNone/>
-            </a:pPr>
-            <a:r>
-              <a:rPr lang="en-US" sz="1500" dirty="0">
+            <a:endParaRPr lang="en-US" sz="1200" dirty="0"/>
+          </a:p>
+          <a:p>
+            <a:pPr marL="0" indent="0">
+              <a:lnSpc>
+                <a:spcPct val="90000"/>
+              </a:lnSpc>
+              <a:spcAft>
+                <a:spcPts val="100"/>
+              </a:spcAft>
+              <a:buNone/>
+            </a:pPr>
+            <a:endParaRPr lang="en-US" sz="1200" dirty="0"/>
+          </a:p>
+          <a:p>
+            <a:pPr marL="0" indent="0">
+              <a:lnSpc>
+                <a:spcPct val="90000"/>
+              </a:lnSpc>
+              <a:spcAft>
+                <a:spcPts val="100"/>
+              </a:spcAft>
+              <a:buNone/>
+            </a:pPr>
+            <a:r>
+              <a:rPr lang="en-US" sz="1200" dirty="0">
                 <a:solidFill>
                   <a:srgbClr val="CDD6F4"/>
                 </a:solidFill>
@@ -10998,20 +11160,20 @@
               </a:rPr>
               <a:t>    public EjendomBeregnerService(ILejemaalRepository repo)</a:t>
             </a:r>
-            <a:endParaRPr lang="en-US" sz="1500" dirty="0"/>
-          </a:p>
-          <a:p>
-            <a:pPr indent="0" marL="0">
-              <a:lnSpc>
-                <a:spcPct val="90000"/>
-              </a:lnSpc>
-              <a:spcAft>
-                <a:spcPts val="100"/>
-              </a:spcAft>
-              <a:buNone/>
-            </a:pPr>
-            <a:r>
-              <a:rPr lang="en-US" sz="1500" dirty="0">
+            <a:endParaRPr lang="en-US" sz="1200" dirty="0"/>
+          </a:p>
+          <a:p>
+            <a:pPr marL="0" indent="0">
+              <a:lnSpc>
+                <a:spcPct val="90000"/>
+              </a:lnSpc>
+              <a:spcAft>
+                <a:spcPts val="100"/>
+              </a:spcAft>
+              <a:buNone/>
+            </a:pPr>
+            <a:r>
+              <a:rPr lang="en-US" sz="1200" dirty="0">
                 <a:solidFill>
                   <a:srgbClr val="CDD6F4"/>
                 </a:solidFill>
@@ -11021,20 +11183,20 @@
               </a:rPr>
               <a:t>    {</a:t>
             </a:r>
-            <a:endParaRPr lang="en-US" sz="1500" dirty="0"/>
-          </a:p>
-          <a:p>
-            <a:pPr indent="0" marL="0">
-              <a:lnSpc>
-                <a:spcPct val="90000"/>
-              </a:lnSpc>
-              <a:spcAft>
-                <a:spcPts val="100"/>
-              </a:spcAft>
-              <a:buNone/>
-            </a:pPr>
-            <a:r>
-              <a:rPr lang="en-US" sz="1500" dirty="0">
+            <a:endParaRPr lang="en-US" sz="1200" dirty="0"/>
+          </a:p>
+          <a:p>
+            <a:pPr marL="0" indent="0">
+              <a:lnSpc>
+                <a:spcPct val="90000"/>
+              </a:lnSpc>
+              <a:spcAft>
+                <a:spcPts val="100"/>
+              </a:spcAft>
+              <a:buNone/>
+            </a:pPr>
+            <a:r>
+              <a:rPr lang="en-US" sz="1200" dirty="0">
                 <a:solidFill>
                   <a:srgbClr val="CDD6F4"/>
                 </a:solidFill>
@@ -11044,20 +11206,20 @@
               </a:rPr>
               <a:t>        _repo = repo;</a:t>
             </a:r>
-            <a:endParaRPr lang="en-US" sz="1500" dirty="0"/>
-          </a:p>
-          <a:p>
-            <a:pPr indent="0" marL="0">
-              <a:lnSpc>
-                <a:spcPct val="90000"/>
-              </a:lnSpc>
-              <a:spcAft>
-                <a:spcPts val="100"/>
-              </a:spcAft>
-              <a:buNone/>
-            </a:pPr>
-            <a:r>
-              <a:rPr lang="en-US" sz="1500" dirty="0">
+            <a:endParaRPr lang="en-US" sz="1200" dirty="0"/>
+          </a:p>
+          <a:p>
+            <a:pPr marL="0" indent="0">
+              <a:lnSpc>
+                <a:spcPct val="90000"/>
+              </a:lnSpc>
+              <a:spcAft>
+                <a:spcPts val="100"/>
+              </a:spcAft>
+              <a:buNone/>
+            </a:pPr>
+            <a:r>
+              <a:rPr lang="en-US" sz="1200" dirty="0">
                 <a:solidFill>
                   <a:srgbClr val="CDD6F4"/>
                 </a:solidFill>
@@ -11067,32 +11229,32 @@
               </a:rPr>
               <a:t>    }</a:t>
             </a:r>
-            <a:endParaRPr lang="en-US" sz="1500" dirty="0"/>
-          </a:p>
-          <a:p>
-            <a:pPr indent="0" marL="0">
-              <a:lnSpc>
-                <a:spcPct val="90000"/>
-              </a:lnSpc>
-              <a:spcAft>
-                <a:spcPts val="100"/>
-              </a:spcAft>
-              <a:buNone/>
-            </a:pPr>
-            <a:endParaRPr lang="en-US" sz="1500" dirty="0"/>
-          </a:p>
-          <a:p>
-            <a:pPr indent="0" marL="0">
-              <a:lnSpc>
-                <a:spcPct val="90000"/>
-              </a:lnSpc>
-              <a:spcAft>
-                <a:spcPts val="100"/>
-              </a:spcAft>
-              <a:buNone/>
-            </a:pPr>
-            <a:r>
-              <a:rPr lang="en-US" sz="1500" dirty="0">
+            <a:endParaRPr lang="en-US" sz="1200" dirty="0"/>
+          </a:p>
+          <a:p>
+            <a:pPr marL="0" indent="0">
+              <a:lnSpc>
+                <a:spcPct val="90000"/>
+              </a:lnSpc>
+              <a:spcAft>
+                <a:spcPts val="100"/>
+              </a:spcAft>
+              <a:buNone/>
+            </a:pPr>
+            <a:endParaRPr lang="en-US" sz="1200" dirty="0"/>
+          </a:p>
+          <a:p>
+            <a:pPr marL="0" indent="0">
+              <a:lnSpc>
+                <a:spcPct val="90000"/>
+              </a:lnSpc>
+              <a:spcAft>
+                <a:spcPts val="100"/>
+              </a:spcAft>
+              <a:buNone/>
+            </a:pPr>
+            <a:r>
+              <a:rPr lang="en-US" sz="1200" dirty="0">
                 <a:solidFill>
                   <a:srgbClr val="CDD6F4"/>
                 </a:solidFill>
@@ -11102,20 +11264,20 @@
               </a:rPr>
               <a:t>    double IEjendomBeregnerService.BeregnKvadratmeter()</a:t>
             </a:r>
-            <a:endParaRPr lang="en-US" sz="1500" dirty="0"/>
-          </a:p>
-          <a:p>
-            <a:pPr indent="0" marL="0">
-              <a:lnSpc>
-                <a:spcPct val="90000"/>
-              </a:lnSpc>
-              <a:spcAft>
-                <a:spcPts val="100"/>
-              </a:spcAft>
-              <a:buNone/>
-            </a:pPr>
-            <a:r>
-              <a:rPr lang="en-US" sz="1500" dirty="0">
+            <a:endParaRPr lang="en-US" sz="1200" dirty="0"/>
+          </a:p>
+          <a:p>
+            <a:pPr marL="0" indent="0">
+              <a:lnSpc>
+                <a:spcPct val="90000"/>
+              </a:lnSpc>
+              <a:spcAft>
+                <a:spcPts val="100"/>
+              </a:spcAft>
+              <a:buNone/>
+            </a:pPr>
+            <a:r>
+              <a:rPr lang="en-US" sz="1200" dirty="0">
                 <a:solidFill>
                   <a:srgbClr val="CDD6F4"/>
                 </a:solidFill>
@@ -11125,20 +11287,20 @@
               </a:rPr>
               <a:t>    {</a:t>
             </a:r>
-            <a:endParaRPr lang="en-US" sz="1500" dirty="0"/>
-          </a:p>
-          <a:p>
-            <a:pPr indent="0" marL="0">
-              <a:lnSpc>
-                <a:spcPct val="90000"/>
-              </a:lnSpc>
-              <a:spcAft>
-                <a:spcPts val="100"/>
-              </a:spcAft>
-              <a:buNone/>
-            </a:pPr>
-            <a:r>
-              <a:rPr lang="en-US" sz="1500" dirty="0">
+            <a:endParaRPr lang="en-US" sz="1200" dirty="0"/>
+          </a:p>
+          <a:p>
+            <a:pPr marL="0" indent="0">
+              <a:lnSpc>
+                <a:spcPct val="90000"/>
+              </a:lnSpc>
+              <a:spcAft>
+                <a:spcPts val="100"/>
+              </a:spcAft>
+              <a:buNone/>
+            </a:pPr>
+            <a:r>
+              <a:rPr lang="en-US" sz="1200" dirty="0">
                 <a:solidFill>
                   <a:srgbClr val="CDD6F4"/>
                 </a:solidFill>
@@ -11148,20 +11310,20 @@
               </a:rPr>
               <a:t>        var lejemaalene = _repo.HentLejemaal();</a:t>
             </a:r>
-            <a:endParaRPr lang="en-US" sz="1500" dirty="0"/>
-          </a:p>
-          <a:p>
-            <a:pPr indent="0" marL="0">
-              <a:lnSpc>
-                <a:spcPct val="90000"/>
-              </a:lnSpc>
-              <a:spcAft>
-                <a:spcPts val="100"/>
-              </a:spcAft>
-              <a:buNone/>
-            </a:pPr>
-            <a:r>
-              <a:rPr lang="en-US" sz="1500" dirty="0">
+            <a:endParaRPr lang="en-US" sz="1200" dirty="0"/>
+          </a:p>
+          <a:p>
+            <a:pPr marL="0" indent="0">
+              <a:lnSpc>
+                <a:spcPct val="90000"/>
+              </a:lnSpc>
+              <a:spcAft>
+                <a:spcPts val="100"/>
+              </a:spcAft>
+              <a:buNone/>
+            </a:pPr>
+            <a:r>
+              <a:rPr lang="en-US" sz="1200" dirty="0">
                 <a:solidFill>
                   <a:srgbClr val="CDD6F4"/>
                 </a:solidFill>
@@ -11171,32 +11333,32 @@
               </a:rPr>
               <a:t>        var kvadratmeter = 0.0;</a:t>
             </a:r>
-            <a:endParaRPr lang="en-US" sz="1500" dirty="0"/>
-          </a:p>
-          <a:p>
-            <a:pPr indent="0" marL="0">
-              <a:lnSpc>
-                <a:spcPct val="90000"/>
-              </a:lnSpc>
-              <a:spcAft>
-                <a:spcPts val="100"/>
-              </a:spcAft>
-              <a:buNone/>
-            </a:pPr>
-            <a:endParaRPr lang="en-US" sz="1500" dirty="0"/>
-          </a:p>
-          <a:p>
-            <a:pPr indent="0" marL="0">
-              <a:lnSpc>
-                <a:spcPct val="90000"/>
-              </a:lnSpc>
-              <a:spcAft>
-                <a:spcPts val="100"/>
-              </a:spcAft>
-              <a:buNone/>
-            </a:pPr>
-            <a:r>
-              <a:rPr lang="en-US" sz="1500" dirty="0">
+            <a:endParaRPr lang="en-US" sz="1200" dirty="0"/>
+          </a:p>
+          <a:p>
+            <a:pPr marL="0" indent="0">
+              <a:lnSpc>
+                <a:spcPct val="90000"/>
+              </a:lnSpc>
+              <a:spcAft>
+                <a:spcPts val="100"/>
+              </a:spcAft>
+              <a:buNone/>
+            </a:pPr>
+            <a:endParaRPr lang="en-US" sz="1200" dirty="0"/>
+          </a:p>
+          <a:p>
+            <a:pPr marL="0" indent="0">
+              <a:lnSpc>
+                <a:spcPct val="90000"/>
+              </a:lnSpc>
+              <a:spcAft>
+                <a:spcPts val="100"/>
+              </a:spcAft>
+              <a:buNone/>
+            </a:pPr>
+            <a:r>
+              <a:rPr lang="en-US" sz="1200" dirty="0">
                 <a:solidFill>
                   <a:srgbClr val="CDD6F4"/>
                 </a:solidFill>
@@ -11206,20 +11368,20 @@
               </a:rPr>
               <a:t>        foreach (var lejemaal in lejemaalene)</a:t>
             </a:r>
-            <a:endParaRPr lang="en-US" sz="1500" dirty="0"/>
-          </a:p>
-          <a:p>
-            <a:pPr indent="0" marL="0">
-              <a:lnSpc>
-                <a:spcPct val="90000"/>
-              </a:lnSpc>
-              <a:spcAft>
-                <a:spcPts val="100"/>
-              </a:spcAft>
-              <a:buNone/>
-            </a:pPr>
-            <a:r>
-              <a:rPr lang="en-US" sz="1500" dirty="0">
+            <a:endParaRPr lang="en-US" sz="1200" dirty="0"/>
+          </a:p>
+          <a:p>
+            <a:pPr marL="0" indent="0">
+              <a:lnSpc>
+                <a:spcPct val="90000"/>
+              </a:lnSpc>
+              <a:spcAft>
+                <a:spcPts val="100"/>
+              </a:spcAft>
+              <a:buNone/>
+            </a:pPr>
+            <a:r>
+              <a:rPr lang="en-US" sz="1200" dirty="0">
                 <a:solidFill>
                   <a:srgbClr val="CDD6F4"/>
                 </a:solidFill>
@@ -11229,32 +11391,32 @@
               </a:rPr>
               <a:t>            kvadratmeter += lejemaal.Kvadratmeter;</a:t>
             </a:r>
-            <a:endParaRPr lang="en-US" sz="1500" dirty="0"/>
-          </a:p>
-          <a:p>
-            <a:pPr indent="0" marL="0">
-              <a:lnSpc>
-                <a:spcPct val="90000"/>
-              </a:lnSpc>
-              <a:spcAft>
-                <a:spcPts val="100"/>
-              </a:spcAft>
-              <a:buNone/>
-            </a:pPr>
-            <a:endParaRPr lang="en-US" sz="1500" dirty="0"/>
-          </a:p>
-          <a:p>
-            <a:pPr indent="0" marL="0">
-              <a:lnSpc>
-                <a:spcPct val="90000"/>
-              </a:lnSpc>
-              <a:spcAft>
-                <a:spcPts val="100"/>
-              </a:spcAft>
-              <a:buNone/>
-            </a:pPr>
-            <a:r>
-              <a:rPr lang="en-US" sz="1500" dirty="0">
+            <a:endParaRPr lang="en-US" sz="1200" dirty="0"/>
+          </a:p>
+          <a:p>
+            <a:pPr marL="0" indent="0">
+              <a:lnSpc>
+                <a:spcPct val="90000"/>
+              </a:lnSpc>
+              <a:spcAft>
+                <a:spcPts val="100"/>
+              </a:spcAft>
+              <a:buNone/>
+            </a:pPr>
+            <a:endParaRPr lang="en-US" sz="1200" dirty="0"/>
+          </a:p>
+          <a:p>
+            <a:pPr marL="0" indent="0">
+              <a:lnSpc>
+                <a:spcPct val="90000"/>
+              </a:lnSpc>
+              <a:spcAft>
+                <a:spcPts val="100"/>
+              </a:spcAft>
+              <a:buNone/>
+            </a:pPr>
+            <a:r>
+              <a:rPr lang="en-US" sz="1200" dirty="0">
                 <a:solidFill>
                   <a:srgbClr val="CDD6F4"/>
                 </a:solidFill>
@@ -11264,20 +11426,20 @@
               </a:rPr>
               <a:t>        return kvadratmeter;</a:t>
             </a:r>
-            <a:endParaRPr lang="en-US" sz="1500" dirty="0"/>
-          </a:p>
-          <a:p>
-            <a:pPr indent="0" marL="0">
-              <a:lnSpc>
-                <a:spcPct val="90000"/>
-              </a:lnSpc>
-              <a:spcAft>
-                <a:spcPts val="100"/>
-              </a:spcAft>
-              <a:buNone/>
-            </a:pPr>
-            <a:r>
-              <a:rPr lang="en-US" sz="1500" dirty="0">
+            <a:endParaRPr lang="en-US" sz="1200" dirty="0"/>
+          </a:p>
+          <a:p>
+            <a:pPr marL="0" indent="0">
+              <a:lnSpc>
+                <a:spcPct val="90000"/>
+              </a:lnSpc>
+              <a:spcAft>
+                <a:spcPts val="100"/>
+              </a:spcAft>
+              <a:buNone/>
+            </a:pPr>
+            <a:r>
+              <a:rPr lang="en-US" sz="1200" dirty="0">
                 <a:solidFill>
                   <a:srgbClr val="CDD6F4"/>
                 </a:solidFill>
@@ -11287,20 +11449,20 @@
               </a:rPr>
               <a:t>    }</a:t>
             </a:r>
-            <a:endParaRPr lang="en-US" sz="1500" dirty="0"/>
-          </a:p>
-          <a:p>
-            <a:pPr indent="0" marL="0">
-              <a:lnSpc>
-                <a:spcPct val="90000"/>
-              </a:lnSpc>
-              <a:spcAft>
-                <a:spcPts val="100"/>
-              </a:spcAft>
-              <a:buNone/>
-            </a:pPr>
-            <a:r>
-              <a:rPr lang="en-US" sz="1500" dirty="0">
+            <a:endParaRPr lang="en-US" sz="1200" dirty="0"/>
+          </a:p>
+          <a:p>
+            <a:pPr marL="0" indent="0">
+              <a:lnSpc>
+                <a:spcPct val="90000"/>
+              </a:lnSpc>
+              <a:spcAft>
+                <a:spcPts val="100"/>
+              </a:spcAft>
+              <a:buNone/>
+            </a:pPr>
+            <a:r>
+              <a:rPr lang="en-US" sz="1200" dirty="0">
                 <a:solidFill>
                   <a:srgbClr val="CDD6F4"/>
                 </a:solidFill>
@@ -11310,7 +11472,7 @@
               </a:rPr>
               <a:t>}</a:t>
             </a:r>
-            <a:endParaRPr lang="en-US" sz="1500" dirty="0"/>
+            <a:endParaRPr lang="en-US" sz="1200" dirty="0"/>
           </a:p>
         </p:txBody>
       </p:sp>
@@ -11456,6 +11618,13 @@
           </a:solidFill>
           <a:ln/>
         </p:spPr>
+        <p:txBody>
+          <a:bodyPr/>
+          <a:lstStyle/>
+          <a:p>
+            <a:endParaRPr lang="da-DK"/>
+          </a:p>
+        </p:txBody>
       </p:sp>
       <p:sp>
         <p:nvSpPr>
@@ -11476,6 +11645,13 @@
           </a:solidFill>
           <a:ln/>
         </p:spPr>
+        <p:txBody>
+          <a:bodyPr/>
+          <a:lstStyle/>
+          <a:p>
+            <a:endParaRPr lang="da-DK"/>
+          </a:p>
+        </p:txBody>
       </p:sp>
       <p:sp>
         <p:nvSpPr>
@@ -11498,7 +11674,7 @@
           <a:bodyPr wrap="square" rtlCol="0" anchor="ctr"/>
           <a:lstStyle/>
           <a:p>
-            <a:pPr algn="ctr" indent="0" marL="0">
+            <a:pPr marL="0" indent="0" algn="ctr">
               <a:buNone/>
             </a:pPr>
             <a:r>
@@ -11534,7 +11710,7 @@
           <a:bodyPr wrap="square" rtlCol="0" anchor="ctr"/>
           <a:lstStyle/>
           <a:p>
-            <a:pPr indent="0" marL="0">
+            <a:pPr marL="0" indent="0">
               <a:buNone/>
             </a:pPr>
             <a:r>
@@ -11578,6 +11754,13 @@
             <a:prstDash val="solid"/>
           </a:ln>
         </p:spPr>
+        <p:txBody>
+          <a:bodyPr/>
+          <a:lstStyle/>
+          <a:p>
+            <a:endParaRPr lang="da-DK"/>
+          </a:p>
+        </p:txBody>
       </p:sp>
       <p:sp>
         <p:nvSpPr>
@@ -11600,7 +11783,7 @@
           <a:bodyPr wrap="square" rtlCol="0" anchor="ctr"/>
           <a:lstStyle/>
           <a:p>
-            <a:pPr algn="ctr" indent="0" marL="0">
+            <a:pPr marL="0" indent="0" algn="ctr">
               <a:buNone/>
             </a:pPr>
             <a:r>
@@ -11627,7 +11810,7 @@
         <p:spPr>
           <a:xfrm>
             <a:off x="731520" y="2011680"/>
-            <a:ext cx="10698480" cy="5029200"/>
+            <a:ext cx="10698480" cy="4222865"/>
           </a:xfrm>
           <a:prstGeom prst="roundRect">
             <a:avLst>
@@ -11639,6 +11822,13 @@
           </a:solidFill>
           <a:ln/>
         </p:spPr>
+        <p:txBody>
+          <a:bodyPr/>
+          <a:lstStyle/>
+          <a:p>
+            <a:endParaRPr lang="da-DK"/>
+          </a:p>
+        </p:txBody>
       </p:sp>
       <p:sp>
         <p:nvSpPr>
@@ -11649,7 +11839,7 @@
         <p:spPr>
           <a:xfrm>
             <a:off x="914400" y="2121408"/>
-            <a:ext cx="10332720" cy="4809744"/>
+            <a:ext cx="10332720" cy="4113137"/>
           </a:xfrm>
           <a:prstGeom prst="rect">
             <a:avLst/>
@@ -11661,7 +11851,7 @@
           <a:bodyPr wrap="square" rtlCol="0" anchor="t"/>
           <a:lstStyle/>
           <a:p>
-            <a:pPr indent="0" marL="0">
+            <a:pPr marL="0" indent="0">
               <a:lnSpc>
                 <a:spcPct val="90000"/>
               </a:lnSpc>
@@ -11684,7 +11874,7 @@
             <a:endParaRPr lang="en-US" sz="1300" dirty="0"/>
           </a:p>
           <a:p>
-            <a:pPr indent="0" marL="0">
+            <a:pPr marL="0" indent="0">
               <a:lnSpc>
                 <a:spcPct val="90000"/>
               </a:lnSpc>
@@ -11707,7 +11897,7 @@
             <a:endParaRPr lang="en-US" sz="1300" dirty="0"/>
           </a:p>
           <a:p>
-            <a:pPr indent="0" marL="0">
+            <a:pPr marL="0" indent="0">
               <a:lnSpc>
                 <a:spcPct val="90000"/>
               </a:lnSpc>
@@ -11730,7 +11920,7 @@
             <a:endParaRPr lang="en-US" sz="1300" dirty="0"/>
           </a:p>
           <a:p>
-            <a:pPr indent="0" marL="0">
+            <a:pPr marL="0" indent="0">
               <a:lnSpc>
                 <a:spcPct val="90000"/>
               </a:lnSpc>
@@ -11753,7 +11943,7 @@
             <a:endParaRPr lang="en-US" sz="1300" dirty="0"/>
           </a:p>
           <a:p>
-            <a:pPr indent="0" marL="0">
+            <a:pPr marL="0" indent="0">
               <a:lnSpc>
                 <a:spcPct val="90000"/>
               </a:lnSpc>
@@ -11776,7 +11966,7 @@
             <a:endParaRPr lang="en-US" sz="1300" dirty="0"/>
           </a:p>
           <a:p>
-            <a:pPr indent="0" marL="0">
+            <a:pPr marL="0" indent="0">
               <a:lnSpc>
                 <a:spcPct val="90000"/>
               </a:lnSpc>
@@ -11799,7 +11989,7 @@
             <a:endParaRPr lang="en-US" sz="1300" dirty="0"/>
           </a:p>
           <a:p>
-            <a:pPr indent="0" marL="0">
+            <a:pPr marL="0" indent="0">
               <a:lnSpc>
                 <a:spcPct val="90000"/>
               </a:lnSpc>
@@ -11822,7 +12012,7 @@
             <a:endParaRPr lang="en-US" sz="1300" dirty="0"/>
           </a:p>
           <a:p>
-            <a:pPr indent="0" marL="0">
+            <a:pPr marL="0" indent="0">
               <a:lnSpc>
                 <a:spcPct val="90000"/>
               </a:lnSpc>
@@ -11834,7 +12024,7 @@
             <a:endParaRPr lang="en-US" sz="1300" dirty="0"/>
           </a:p>
           <a:p>
-            <a:pPr indent="0" marL="0">
+            <a:pPr marL="0" indent="0">
               <a:lnSpc>
                 <a:spcPct val="90000"/>
               </a:lnSpc>
@@ -11857,7 +12047,7 @@
             <a:endParaRPr lang="en-US" sz="1300" dirty="0"/>
           </a:p>
           <a:p>
-            <a:pPr indent="0" marL="0">
+            <a:pPr marL="0" indent="0">
               <a:lnSpc>
                 <a:spcPct val="90000"/>
               </a:lnSpc>
@@ -11869,7 +12059,7 @@
             <a:endParaRPr lang="en-US" sz="1300" dirty="0"/>
           </a:p>
           <a:p>
-            <a:pPr indent="0" marL="0">
+            <a:pPr marL="0" indent="0">
               <a:lnSpc>
                 <a:spcPct val="90000"/>
               </a:lnSpc>
@@ -11892,7 +12082,7 @@
             <a:endParaRPr lang="en-US" sz="1300" dirty="0"/>
           </a:p>
           <a:p>
-            <a:pPr indent="0" marL="0">
+            <a:pPr marL="0" indent="0">
               <a:lnSpc>
                 <a:spcPct val="90000"/>
               </a:lnSpc>
@@ -11915,7 +12105,7 @@
             <a:endParaRPr lang="en-US" sz="1300" dirty="0"/>
           </a:p>
           <a:p>
-            <a:pPr indent="0" marL="0">
+            <a:pPr marL="0" indent="0">
               <a:lnSpc>
                 <a:spcPct val="90000"/>
               </a:lnSpc>
@@ -11938,7 +12128,7 @@
             <a:endParaRPr lang="en-US" sz="1300" dirty="0"/>
           </a:p>
           <a:p>
-            <a:pPr indent="0" marL="0">
+            <a:pPr marL="0" indent="0">
               <a:lnSpc>
                 <a:spcPct val="90000"/>
               </a:lnSpc>
@@ -11961,7 +12151,7 @@
             <a:endParaRPr lang="en-US" sz="1300" dirty="0"/>
           </a:p>
           <a:p>
-            <a:pPr indent="0" marL="0">
+            <a:pPr marL="0" indent="0">
               <a:lnSpc>
                 <a:spcPct val="90000"/>
               </a:lnSpc>
@@ -11973,7 +12163,7 @@
             <a:endParaRPr lang="en-US" sz="1300" dirty="0"/>
           </a:p>
           <a:p>
-            <a:pPr indent="0" marL="0">
+            <a:pPr marL="0" indent="0">
               <a:lnSpc>
                 <a:spcPct val="90000"/>
               </a:lnSpc>
@@ -11996,7 +12186,7 @@
             <a:endParaRPr lang="en-US" sz="1300" dirty="0"/>
           </a:p>
           <a:p>
-            <a:pPr indent="0" marL="0">
+            <a:pPr marL="0" indent="0">
               <a:lnSpc>
                 <a:spcPct val="90000"/>
               </a:lnSpc>
@@ -12019,7 +12209,7 @@
             <a:endParaRPr lang="en-US" sz="1300" dirty="0"/>
           </a:p>
           <a:p>
-            <a:pPr indent="0" marL="0">
+            <a:pPr marL="0" indent="0">
               <a:lnSpc>
                 <a:spcPct val="90000"/>
               </a:lnSpc>
@@ -12031,7 +12221,7 @@
             <a:endParaRPr lang="en-US" sz="1300" dirty="0"/>
           </a:p>
           <a:p>
-            <a:pPr indent="0" marL="0">
+            <a:pPr marL="0" indent="0">
               <a:lnSpc>
                 <a:spcPct val="90000"/>
               </a:lnSpc>
@@ -12054,7 +12244,7 @@
             <a:endParaRPr lang="en-US" sz="1300" dirty="0"/>
           </a:p>
           <a:p>
-            <a:pPr indent="0" marL="0">
+            <a:pPr marL="0" indent="0">
               <a:lnSpc>
                 <a:spcPct val="90000"/>
               </a:lnSpc>
@@ -12077,7 +12267,7 @@
             <a:endParaRPr lang="en-US" sz="1300" dirty="0"/>
           </a:p>
           <a:p>
-            <a:pPr indent="0" marL="0">
+            <a:pPr marL="0" indent="0">
               <a:lnSpc>
                 <a:spcPct val="90000"/>
               </a:lnSpc>
@@ -12145,6 +12335,13 @@
           </a:solidFill>
           <a:ln/>
         </p:spPr>
+        <p:txBody>
+          <a:bodyPr/>
+          <a:lstStyle/>
+          <a:p>
+            <a:endParaRPr lang="da-DK"/>
+          </a:p>
+        </p:txBody>
       </p:sp>
       <p:sp>
         <p:nvSpPr>
@@ -12165,6 +12362,13 @@
           </a:solidFill>
           <a:ln/>
         </p:spPr>
+        <p:txBody>
+          <a:bodyPr/>
+          <a:lstStyle/>
+          <a:p>
+            <a:endParaRPr lang="da-DK"/>
+          </a:p>
+        </p:txBody>
       </p:sp>
       <p:sp>
         <p:nvSpPr>
@@ -12187,7 +12391,7 @@
           <a:bodyPr wrap="square" rtlCol="0" anchor="ctr"/>
           <a:lstStyle/>
           <a:p>
-            <a:pPr algn="ctr" indent="0" marL="0">
+            <a:pPr marL="0" indent="0" algn="ctr">
               <a:buNone/>
             </a:pPr>
             <a:r>
@@ -12223,7 +12427,7 @@
           <a:bodyPr wrap="square" rtlCol="0" anchor="ctr"/>
           <a:lstStyle/>
           <a:p>
-            <a:pPr indent="0" marL="0">
+            <a:pPr marL="0" indent="0">
               <a:buNone/>
             </a:pPr>
             <a:r>
@@ -12262,6 +12466,13 @@
           </a:solidFill>
           <a:ln/>
         </p:spPr>
+        <p:txBody>
+          <a:bodyPr/>
+          <a:lstStyle/>
+          <a:p>
+            <a:endParaRPr lang="da-DK"/>
+          </a:p>
+        </p:txBody>
       </p:sp>
       <p:sp>
         <p:nvSpPr>
@@ -12284,7 +12495,7 @@
           <a:bodyPr wrap="square" rtlCol="0" anchor="t"/>
           <a:lstStyle/>
           <a:p>
-            <a:pPr indent="0" marL="0">
+            <a:pPr marL="0" indent="0">
               <a:buNone/>
             </a:pPr>
             <a:r>
@@ -12296,9 +12507,6 @@
               <a:t>Arrange
 </a:t>
             </a:r>
-            <a:pPr indent="0" marL="0">
-              <a:buNone/>
-            </a:pPr>
             <a:r>
               <a:rPr lang="en-US" sz="1600" dirty="0">
                 <a:solidFill>
@@ -12307,49 +12515,16 @@
               </a:rPr>
               <a:t>1. Opret test-data
    (List&lt;Lejemaal&gt;)
-</a:t>
-            </a:r>
-            <a:pPr indent="0" marL="0">
-              <a:buNone/>
-            </a:pPr>
-            <a:r>
-              <a:rPr lang="en-US" sz="1600" dirty="0">
-                <a:solidFill>
-                  <a:srgbClr val="FFFFFF"/>
-                </a:solidFill>
-              </a:rPr>
-              <a:t>2. Definer expected
+2. Definer expected
    (125.0)
-</a:t>
-            </a:r>
-            <a:pPr indent="0" marL="0">
-              <a:buNone/>
-            </a:pPr>
-            <a:r>
-              <a:rPr lang="en-US" sz="1600" dirty="0">
-                <a:solidFill>
-                  <a:srgbClr val="FFFFFF"/>
-                </a:solidFill>
-              </a:rPr>
-              <a:t>3. Mock ILejemaalRepository
+3. Mock ILejemaalRepository
    Setup HentLejemaal()
-</a:t>
-            </a:r>
-            <a:pPr indent="0" marL="0">
-              <a:buNone/>
-            </a:pPr>
-            <a:r>
-              <a:rPr lang="en-US" sz="1600" dirty="0">
-                <a:solidFill>
-                  <a:srgbClr val="FFFFFF"/>
-                </a:solidFill>
-              </a:rPr>
-              <a:t>4. Opret SUT via</a:t>
+4. Opret SUT via</a:t>
             </a:r>
             <a:endParaRPr lang="en-US" sz="2400" dirty="0"/>
           </a:p>
           <a:p>
-            <a:pPr indent="0" marL="0">
+            <a:pPr marL="0" indent="0">
               <a:buNone/>
             </a:pPr>
             <a:r>
@@ -12385,6 +12560,13 @@
           </a:solidFill>
           <a:ln/>
         </p:spPr>
+        <p:txBody>
+          <a:bodyPr/>
+          <a:lstStyle/>
+          <a:p>
+            <a:endParaRPr lang="da-DK"/>
+          </a:p>
+        </p:txBody>
       </p:sp>
       <p:sp>
         <p:nvSpPr>
@@ -12407,7 +12589,7 @@
           <a:bodyPr wrap="square" rtlCol="0" anchor="t"/>
           <a:lstStyle/>
           <a:p>
-            <a:pPr indent="0" marL="0">
+            <a:pPr marL="0" indent="0">
               <a:buNone/>
             </a:pPr>
             <a:r>
@@ -12419,9 +12601,6 @@
               <a:t>Act
 </a:t>
             </a:r>
-            <a:pPr indent="0" marL="0">
-              <a:buNone/>
-            </a:pPr>
             <a:r>
               <a:rPr lang="en-US" sz="1600" dirty="0">
                 <a:solidFill>
@@ -12429,23 +12608,9 @@
                 </a:solidFill>
               </a:rPr>
               <a:t>Kald BeregnKvadratmeter()
+Bemærk cast:
 </a:t>
             </a:r>
-            <a:pPr indent="0" marL="0">
-              <a:buNone/>
-            </a:pPr>
-            <a:r>
-              <a:rPr lang="en-US" sz="1600" dirty="0">
-                <a:solidFill>
-                  <a:srgbClr val="FFFFFF"/>
-                </a:solidFill>
-              </a:rPr>
-              <a:t>Bemærk cast:
-</a:t>
-            </a:r>
-            <a:pPr indent="0" marL="0">
-              <a:buNone/>
-            </a:pPr>
             <a:r>
               <a:rPr lang="en-US" sz="1400" dirty="0">
                 <a:solidFill>
@@ -12459,9 +12624,6 @@
   IEjendomBeregnerService
 </a:t>
             </a:r>
-            <a:pPr indent="0" marL="0">
-              <a:buNone/>
-            </a:pPr>
             <a:r>
               <a:rPr lang="en-US" sz="1600" dirty="0">
                 <a:solidFill>
@@ -12473,7 +12635,7 @@
             <a:endParaRPr lang="en-US" sz="2400" dirty="0"/>
           </a:p>
           <a:p>
-            <a:pPr indent="0" marL="0">
+            <a:pPr marL="0" indent="0">
               <a:buNone/>
             </a:pPr>
             <a:r>
@@ -12509,6 +12671,13 @@
           </a:solidFill>
           <a:ln/>
         </p:spPr>
+        <p:txBody>
+          <a:bodyPr/>
+          <a:lstStyle/>
+          <a:p>
+            <a:endParaRPr lang="da-DK"/>
+          </a:p>
+        </p:txBody>
       </p:sp>
       <p:sp>
         <p:nvSpPr>
@@ -12531,7 +12700,7 @@
           <a:bodyPr wrap="square" rtlCol="0" anchor="t"/>
           <a:lstStyle/>
           <a:p>
-            <a:pPr indent="0" marL="0">
+            <a:pPr marL="0" indent="0">
               <a:buNone/>
             </a:pPr>
             <a:r>
@@ -12543,9 +12712,6 @@
               <a:t>Assert
 </a:t>
             </a:r>
-            <a:pPr indent="0" marL="0">
-              <a:buNone/>
-            </a:pPr>
             <a:r>
               <a:rPr lang="en-US" sz="1400" dirty="0">
                 <a:solidFill>
@@ -12559,9 +12725,6 @@
   expected, actual)
 </a:t>
             </a:r>
-            <a:pPr indent="0" marL="0">
-              <a:buNone/>
-            </a:pPr>
             <a:r>
               <a:rPr lang="en-US" sz="1600" dirty="0">
                 <a:solidFill>
@@ -12569,35 +12732,13 @@
                 </a:solidFill>
               </a:rPr>
               <a:t>Sammenligner:
-</a:t>
-            </a:r>
-            <a:pPr indent="0" marL="0">
-              <a:buNone/>
-            </a:pPr>
-            <a:r>
-              <a:rPr lang="en-US" sz="1600" dirty="0">
-                <a:solidFill>
-                  <a:srgbClr val="FFFFFF"/>
-                </a:solidFill>
-              </a:rPr>
-              <a:t>expected = 125.0
-</a:t>
-            </a:r>
-            <a:pPr indent="0" marL="0">
-              <a:buNone/>
-            </a:pPr>
-            <a:r>
-              <a:rPr lang="en-US" sz="1600" dirty="0">
-                <a:solidFill>
-                  <a:srgbClr val="FFFFFF"/>
-                </a:solidFill>
-              </a:rPr>
-              <a:t>actual = 50.0 + 75.0</a:t>
+expected = 125.0
+actual = 50.0 + 75.0</a:t>
             </a:r>
             <a:endParaRPr lang="en-US" sz="2400" dirty="0"/>
           </a:p>
           <a:p>
-            <a:pPr indent="0" marL="0">
+            <a:pPr marL="0" indent="0">
               <a:buNone/>
             </a:pPr>
             <a:r>
@@ -12697,6 +12838,13 @@
           </a:solidFill>
           <a:ln/>
         </p:spPr>
+        <p:txBody>
+          <a:bodyPr/>
+          <a:lstStyle/>
+          <a:p>
+            <a:endParaRPr lang="da-DK"/>
+          </a:p>
+        </p:txBody>
       </p:sp>
       <p:sp>
         <p:nvSpPr>
@@ -12717,6 +12865,13 @@
           </a:solidFill>
           <a:ln/>
         </p:spPr>
+        <p:txBody>
+          <a:bodyPr/>
+          <a:lstStyle/>
+          <a:p>
+            <a:endParaRPr lang="da-DK"/>
+          </a:p>
+        </p:txBody>
       </p:sp>
       <p:sp>
         <p:nvSpPr>
@@ -12739,7 +12894,7 @@
           <a:bodyPr wrap="square" rtlCol="0" anchor="ctr"/>
           <a:lstStyle/>
           <a:p>
-            <a:pPr algn="ctr" indent="0" marL="0">
+            <a:pPr marL="0" indent="0" algn="ctr">
               <a:buNone/>
             </a:pPr>
             <a:r>
@@ -12775,7 +12930,7 @@
           <a:bodyPr wrap="square" rtlCol="0" anchor="ctr"/>
           <a:lstStyle/>
           <a:p>
-            <a:pPr indent="0" marL="0">
+            <a:pPr marL="0" indent="0">
               <a:buNone/>
             </a:pPr>
             <a:r>
@@ -12801,8 +12956,8 @@
         </p:nvSpPr>
         <p:spPr>
           <a:xfrm>
-            <a:off x="731520" y="1280160"/>
-            <a:ext cx="10698480" cy="5029200"/>
+            <a:off x="731520" y="1005840"/>
+            <a:ext cx="10698480" cy="4376651"/>
           </a:xfrm>
           <a:prstGeom prst="roundRect">
             <a:avLst>
@@ -12814,6 +12969,13 @@
           </a:solidFill>
           <a:ln/>
         </p:spPr>
+        <p:txBody>
+          <a:bodyPr/>
+          <a:lstStyle/>
+          <a:p>
+            <a:endParaRPr lang="da-DK"/>
+          </a:p>
+        </p:txBody>
       </p:sp>
       <p:sp>
         <p:nvSpPr>
@@ -12823,8 +12985,8 @@
         </p:nvSpPr>
         <p:spPr>
           <a:xfrm>
-            <a:off x="914400" y="1389888"/>
-            <a:ext cx="10332720" cy="4809744"/>
+            <a:off x="762000" y="1042416"/>
+            <a:ext cx="10332720" cy="4340075"/>
           </a:xfrm>
           <a:prstGeom prst="rect">
             <a:avLst/>
@@ -12836,17 +12998,17 @@
           <a:bodyPr wrap="square" rtlCol="0" anchor="t"/>
           <a:lstStyle/>
           <a:p>
-            <a:pPr indent="0" marL="0">
-              <a:lnSpc>
-                <a:spcPct val="90000"/>
-              </a:lnSpc>
-              <a:spcAft>
-                <a:spcPts val="100"/>
-              </a:spcAft>
-              <a:buNone/>
-            </a:pPr>
-            <a:r>
-              <a:rPr lang="en-US" sz="1300" dirty="0">
+            <a:pPr marL="0" indent="0">
+              <a:lnSpc>
+                <a:spcPct val="90000"/>
+              </a:lnSpc>
+              <a:spcAft>
+                <a:spcPts val="100"/>
+              </a:spcAft>
+              <a:buNone/>
+            </a:pPr>
+            <a:r>
+              <a:rPr lang="en-US" sz="1200" dirty="0">
                 <a:solidFill>
                   <a:srgbClr val="CDD6F4"/>
                 </a:solidFill>
@@ -12856,20 +13018,20 @@
               </a:rPr>
               <a:t>public class LejemaalFraFilRepository : ILejemaalRepository</a:t>
             </a:r>
-            <a:endParaRPr lang="en-US" sz="1300" dirty="0"/>
-          </a:p>
-          <a:p>
-            <a:pPr indent="0" marL="0">
-              <a:lnSpc>
-                <a:spcPct val="90000"/>
-              </a:lnSpc>
-              <a:spcAft>
-                <a:spcPts val="100"/>
-              </a:spcAft>
-              <a:buNone/>
-            </a:pPr>
-            <a:r>
-              <a:rPr lang="en-US" sz="1300" dirty="0">
+            <a:endParaRPr lang="en-US" sz="1200" dirty="0"/>
+          </a:p>
+          <a:p>
+            <a:pPr marL="0" indent="0">
+              <a:lnSpc>
+                <a:spcPct val="90000"/>
+              </a:lnSpc>
+              <a:spcAft>
+                <a:spcPts val="100"/>
+              </a:spcAft>
+              <a:buNone/>
+            </a:pPr>
+            <a:r>
+              <a:rPr lang="en-US" sz="1200" dirty="0">
                 <a:solidFill>
                   <a:srgbClr val="CDD6F4"/>
                 </a:solidFill>
@@ -12879,20 +13041,20 @@
               </a:rPr>
               <a:t>{</a:t>
             </a:r>
-            <a:endParaRPr lang="en-US" sz="1300" dirty="0"/>
-          </a:p>
-          <a:p>
-            <a:pPr indent="0" marL="0">
-              <a:lnSpc>
-                <a:spcPct val="90000"/>
-              </a:lnSpc>
-              <a:spcAft>
-                <a:spcPts val="100"/>
-              </a:spcAft>
-              <a:buNone/>
-            </a:pPr>
-            <a:r>
-              <a:rPr lang="en-US" sz="1300" dirty="0">
+            <a:endParaRPr lang="en-US" sz="1200" dirty="0"/>
+          </a:p>
+          <a:p>
+            <a:pPr marL="0" indent="0">
+              <a:lnSpc>
+                <a:spcPct val="90000"/>
+              </a:lnSpc>
+              <a:spcAft>
+                <a:spcPts val="100"/>
+              </a:spcAft>
+              <a:buNone/>
+            </a:pPr>
+            <a:r>
+              <a:rPr lang="en-US" sz="1200" dirty="0">
                 <a:solidFill>
                   <a:srgbClr val="CDD6F4"/>
                 </a:solidFill>
@@ -12902,32 +13064,32 @@
               </a:rPr>
               <a:t>    private readonly IFile _dataFile;</a:t>
             </a:r>
-            <a:endParaRPr lang="en-US" sz="1300" dirty="0"/>
-          </a:p>
-          <a:p>
-            <a:pPr indent="0" marL="0">
-              <a:lnSpc>
-                <a:spcPct val="90000"/>
-              </a:lnSpc>
-              <a:spcAft>
-                <a:spcPts val="100"/>
-              </a:spcAft>
-              <a:buNone/>
-            </a:pPr>
-            <a:endParaRPr lang="en-US" sz="1300" dirty="0"/>
-          </a:p>
-          <a:p>
-            <a:pPr indent="0" marL="0">
-              <a:lnSpc>
-                <a:spcPct val="90000"/>
-              </a:lnSpc>
-              <a:spcAft>
-                <a:spcPts val="100"/>
-              </a:spcAft>
-              <a:buNone/>
-            </a:pPr>
-            <a:r>
-              <a:rPr lang="en-US" sz="1300" dirty="0">
+            <a:endParaRPr lang="en-US" sz="1200" dirty="0"/>
+          </a:p>
+          <a:p>
+            <a:pPr marL="0" indent="0">
+              <a:lnSpc>
+                <a:spcPct val="90000"/>
+              </a:lnSpc>
+              <a:spcAft>
+                <a:spcPts val="100"/>
+              </a:spcAft>
+              <a:buNone/>
+            </a:pPr>
+            <a:endParaRPr lang="en-US" sz="1200" dirty="0"/>
+          </a:p>
+          <a:p>
+            <a:pPr marL="0" indent="0">
+              <a:lnSpc>
+                <a:spcPct val="90000"/>
+              </a:lnSpc>
+              <a:spcAft>
+                <a:spcPts val="100"/>
+              </a:spcAft>
+              <a:buNone/>
+            </a:pPr>
+            <a:r>
+              <a:rPr lang="en-US" sz="1200" dirty="0">
                 <a:solidFill>
                   <a:srgbClr val="CDD6F4"/>
                 </a:solidFill>
@@ -12937,20 +13099,20 @@
               </a:rPr>
               <a:t>    public LejemaalFraFilRepository(IFile dataFile)</a:t>
             </a:r>
-            <a:endParaRPr lang="en-US" sz="1300" dirty="0"/>
-          </a:p>
-          <a:p>
-            <a:pPr indent="0" marL="0">
-              <a:lnSpc>
-                <a:spcPct val="90000"/>
-              </a:lnSpc>
-              <a:spcAft>
-                <a:spcPts val="100"/>
-              </a:spcAft>
-              <a:buNone/>
-            </a:pPr>
-            <a:r>
-              <a:rPr lang="en-US" sz="1300" dirty="0">
+            <a:endParaRPr lang="en-US" sz="1200" dirty="0"/>
+          </a:p>
+          <a:p>
+            <a:pPr marL="0" indent="0">
+              <a:lnSpc>
+                <a:spcPct val="90000"/>
+              </a:lnSpc>
+              <a:spcAft>
+                <a:spcPts val="100"/>
+              </a:spcAft>
+              <a:buNone/>
+            </a:pPr>
+            <a:r>
+              <a:rPr lang="en-US" sz="1200" dirty="0">
                 <a:solidFill>
                   <a:srgbClr val="CDD6F4"/>
                 </a:solidFill>
@@ -12960,20 +13122,20 @@
               </a:rPr>
               <a:t>    {</a:t>
             </a:r>
-            <a:endParaRPr lang="en-US" sz="1300" dirty="0"/>
-          </a:p>
-          <a:p>
-            <a:pPr indent="0" marL="0">
-              <a:lnSpc>
-                <a:spcPct val="90000"/>
-              </a:lnSpc>
-              <a:spcAft>
-                <a:spcPts val="100"/>
-              </a:spcAft>
-              <a:buNone/>
-            </a:pPr>
-            <a:r>
-              <a:rPr lang="en-US" sz="1300" dirty="0">
+            <a:endParaRPr lang="en-US" sz="1200" dirty="0"/>
+          </a:p>
+          <a:p>
+            <a:pPr marL="0" indent="0">
+              <a:lnSpc>
+                <a:spcPct val="90000"/>
+              </a:lnSpc>
+              <a:spcAft>
+                <a:spcPts val="100"/>
+              </a:spcAft>
+              <a:buNone/>
+            </a:pPr>
+            <a:r>
+              <a:rPr lang="en-US" sz="1200" dirty="0">
                 <a:solidFill>
                   <a:srgbClr val="CDD6F4"/>
                 </a:solidFill>
@@ -12983,20 +13145,20 @@
               </a:rPr>
               <a:t>        _dataFile = dataFile;</a:t>
             </a:r>
-            <a:endParaRPr lang="en-US" sz="1300" dirty="0"/>
-          </a:p>
-          <a:p>
-            <a:pPr indent="0" marL="0">
-              <a:lnSpc>
-                <a:spcPct val="90000"/>
-              </a:lnSpc>
-              <a:spcAft>
-                <a:spcPts val="100"/>
-              </a:spcAft>
-              <a:buNone/>
-            </a:pPr>
-            <a:r>
-              <a:rPr lang="en-US" sz="1300" dirty="0">
+            <a:endParaRPr lang="en-US" sz="1200" dirty="0"/>
+          </a:p>
+          <a:p>
+            <a:pPr marL="0" indent="0">
+              <a:lnSpc>
+                <a:spcPct val="90000"/>
+              </a:lnSpc>
+              <a:spcAft>
+                <a:spcPts val="100"/>
+              </a:spcAft>
+              <a:buNone/>
+            </a:pPr>
+            <a:r>
+              <a:rPr lang="en-US" sz="1200" dirty="0">
                 <a:solidFill>
                   <a:srgbClr val="CDD6F4"/>
                 </a:solidFill>
@@ -13006,32 +13168,32 @@
               </a:rPr>
               <a:t>    }</a:t>
             </a:r>
-            <a:endParaRPr lang="en-US" sz="1300" dirty="0"/>
-          </a:p>
-          <a:p>
-            <a:pPr indent="0" marL="0">
-              <a:lnSpc>
-                <a:spcPct val="90000"/>
-              </a:lnSpc>
-              <a:spcAft>
-                <a:spcPts val="100"/>
-              </a:spcAft>
-              <a:buNone/>
-            </a:pPr>
-            <a:endParaRPr lang="en-US" sz="1300" dirty="0"/>
-          </a:p>
-          <a:p>
-            <a:pPr indent="0" marL="0">
-              <a:lnSpc>
-                <a:spcPct val="90000"/>
-              </a:lnSpc>
-              <a:spcAft>
-                <a:spcPts val="100"/>
-              </a:spcAft>
-              <a:buNone/>
-            </a:pPr>
-            <a:r>
-              <a:rPr lang="en-US" sz="1300" dirty="0">
+            <a:endParaRPr lang="en-US" sz="1200" dirty="0"/>
+          </a:p>
+          <a:p>
+            <a:pPr marL="0" indent="0">
+              <a:lnSpc>
+                <a:spcPct val="90000"/>
+              </a:lnSpc>
+              <a:spcAft>
+                <a:spcPts val="100"/>
+              </a:spcAft>
+              <a:buNone/>
+            </a:pPr>
+            <a:endParaRPr lang="en-US" sz="1200" dirty="0"/>
+          </a:p>
+          <a:p>
+            <a:pPr marL="0" indent="0">
+              <a:lnSpc>
+                <a:spcPct val="90000"/>
+              </a:lnSpc>
+              <a:spcAft>
+                <a:spcPts val="100"/>
+              </a:spcAft>
+              <a:buNone/>
+            </a:pPr>
+            <a:r>
+              <a:rPr lang="en-US" sz="1200" dirty="0">
                 <a:solidFill>
                   <a:srgbClr val="CDD6F4"/>
                 </a:solidFill>
@@ -13041,20 +13203,20 @@
               </a:rPr>
               <a:t>    List&lt;Lejemaal&gt; ILejemaalRepository.HentLejemaal()</a:t>
             </a:r>
-            <a:endParaRPr lang="en-US" sz="1300" dirty="0"/>
-          </a:p>
-          <a:p>
-            <a:pPr indent="0" marL="0">
-              <a:lnSpc>
-                <a:spcPct val="90000"/>
-              </a:lnSpc>
-              <a:spcAft>
-                <a:spcPts val="100"/>
-              </a:spcAft>
-              <a:buNone/>
-            </a:pPr>
-            <a:r>
-              <a:rPr lang="en-US" sz="1300" dirty="0">
+            <a:endParaRPr lang="en-US" sz="1200" dirty="0"/>
+          </a:p>
+          <a:p>
+            <a:pPr marL="0" indent="0">
+              <a:lnSpc>
+                <a:spcPct val="90000"/>
+              </a:lnSpc>
+              <a:spcAft>
+                <a:spcPts val="100"/>
+              </a:spcAft>
+              <a:buNone/>
+            </a:pPr>
+            <a:r>
+              <a:rPr lang="en-US" sz="1200" dirty="0">
                 <a:solidFill>
                   <a:srgbClr val="CDD6F4"/>
                 </a:solidFill>
@@ -13064,20 +13226,20 @@
               </a:rPr>
               <a:t>    {</a:t>
             </a:r>
-            <a:endParaRPr lang="en-US" sz="1300" dirty="0"/>
-          </a:p>
-          <a:p>
-            <a:pPr indent="0" marL="0">
-              <a:lnSpc>
-                <a:spcPct val="90000"/>
-              </a:lnSpc>
-              <a:spcAft>
-                <a:spcPts val="100"/>
-              </a:spcAft>
-              <a:buNone/>
-            </a:pPr>
-            <a:r>
-              <a:rPr lang="en-US" sz="1300" dirty="0">
+            <a:endParaRPr lang="en-US" sz="1200" dirty="0"/>
+          </a:p>
+          <a:p>
+            <a:pPr marL="0" indent="0">
+              <a:lnSpc>
+                <a:spcPct val="90000"/>
+              </a:lnSpc>
+              <a:spcAft>
+                <a:spcPts val="100"/>
+              </a:spcAft>
+              <a:buNone/>
+            </a:pPr>
+            <a:r>
+              <a:rPr lang="en-US" sz="1200" dirty="0">
                 <a:solidFill>
                   <a:srgbClr val="CDD6F4"/>
                 </a:solidFill>
@@ -13087,20 +13249,20 @@
               </a:rPr>
               <a:t>        var raaData = _dataFile.ReadAllLines().Skip(1).ToArray();</a:t>
             </a:r>
-            <a:endParaRPr lang="en-US" sz="1300" dirty="0"/>
-          </a:p>
-          <a:p>
-            <a:pPr indent="0" marL="0">
-              <a:lnSpc>
-                <a:spcPct val="90000"/>
-              </a:lnSpc>
-              <a:spcAft>
-                <a:spcPts val="100"/>
-              </a:spcAft>
-              <a:buNone/>
-            </a:pPr>
-            <a:r>
-              <a:rPr lang="en-US" sz="1300" dirty="0">
+            <a:endParaRPr lang="en-US" sz="1200" dirty="0"/>
+          </a:p>
+          <a:p>
+            <a:pPr marL="0" indent="0">
+              <a:lnSpc>
+                <a:spcPct val="90000"/>
+              </a:lnSpc>
+              <a:spcAft>
+                <a:spcPts val="100"/>
+              </a:spcAft>
+              <a:buNone/>
+            </a:pPr>
+            <a:r>
+              <a:rPr lang="en-US" sz="1200" dirty="0">
                 <a:solidFill>
                   <a:srgbClr val="CDD6F4"/>
                 </a:solidFill>
@@ -13110,20 +13272,20 @@
               </a:rPr>
               <a:t>        var lejemaal = Konverter(raaData);</a:t>
             </a:r>
-            <a:endParaRPr lang="en-US" sz="1300" dirty="0"/>
-          </a:p>
-          <a:p>
-            <a:pPr indent="0" marL="0">
-              <a:lnSpc>
-                <a:spcPct val="90000"/>
-              </a:lnSpc>
-              <a:spcAft>
-                <a:spcPts val="100"/>
-              </a:spcAft>
-              <a:buNone/>
-            </a:pPr>
-            <a:r>
-              <a:rPr lang="en-US" sz="1300" dirty="0">
+            <a:endParaRPr lang="en-US" sz="1200" dirty="0"/>
+          </a:p>
+          <a:p>
+            <a:pPr marL="0" indent="0">
+              <a:lnSpc>
+                <a:spcPct val="90000"/>
+              </a:lnSpc>
+              <a:spcAft>
+                <a:spcPts val="100"/>
+              </a:spcAft>
+              <a:buNone/>
+            </a:pPr>
+            <a:r>
+              <a:rPr lang="en-US" sz="1200" dirty="0">
                 <a:solidFill>
                   <a:srgbClr val="CDD6F4"/>
                 </a:solidFill>
@@ -13133,20 +13295,20 @@
               </a:rPr>
               <a:t>        return lejemaal;</a:t>
             </a:r>
-            <a:endParaRPr lang="en-US" sz="1300" dirty="0"/>
-          </a:p>
-          <a:p>
-            <a:pPr indent="0" marL="0">
-              <a:lnSpc>
-                <a:spcPct val="90000"/>
-              </a:lnSpc>
-              <a:spcAft>
-                <a:spcPts val="100"/>
-              </a:spcAft>
-              <a:buNone/>
-            </a:pPr>
-            <a:r>
-              <a:rPr lang="en-US" sz="1300" dirty="0">
+            <a:endParaRPr lang="en-US" sz="1200" dirty="0"/>
+          </a:p>
+          <a:p>
+            <a:pPr marL="0" indent="0">
+              <a:lnSpc>
+                <a:spcPct val="90000"/>
+              </a:lnSpc>
+              <a:spcAft>
+                <a:spcPts val="100"/>
+              </a:spcAft>
+              <a:buNone/>
+            </a:pPr>
+            <a:r>
+              <a:rPr lang="en-US" sz="1200" dirty="0">
                 <a:solidFill>
                   <a:srgbClr val="CDD6F4"/>
                 </a:solidFill>
@@ -13156,32 +13318,32 @@
               </a:rPr>
               <a:t>    }</a:t>
             </a:r>
-            <a:endParaRPr lang="en-US" sz="1300" dirty="0"/>
-          </a:p>
-          <a:p>
-            <a:pPr indent="0" marL="0">
-              <a:lnSpc>
-                <a:spcPct val="90000"/>
-              </a:lnSpc>
-              <a:spcAft>
-                <a:spcPts val="100"/>
-              </a:spcAft>
-              <a:buNone/>
-            </a:pPr>
-            <a:endParaRPr lang="en-US" sz="1300" dirty="0"/>
-          </a:p>
-          <a:p>
-            <a:pPr indent="0" marL="0">
-              <a:lnSpc>
-                <a:spcPct val="90000"/>
-              </a:lnSpc>
-              <a:spcAft>
-                <a:spcPts val="100"/>
-              </a:spcAft>
-              <a:buNone/>
-            </a:pPr>
-            <a:r>
-              <a:rPr lang="en-US" sz="1300" dirty="0">
+            <a:endParaRPr lang="en-US" sz="1200" dirty="0"/>
+          </a:p>
+          <a:p>
+            <a:pPr marL="0" indent="0">
+              <a:lnSpc>
+                <a:spcPct val="90000"/>
+              </a:lnSpc>
+              <a:spcAft>
+                <a:spcPts val="100"/>
+              </a:spcAft>
+              <a:buNone/>
+            </a:pPr>
+            <a:endParaRPr lang="en-US" sz="1200" dirty="0"/>
+          </a:p>
+          <a:p>
+            <a:pPr marL="0" indent="0">
+              <a:lnSpc>
+                <a:spcPct val="90000"/>
+              </a:lnSpc>
+              <a:spcAft>
+                <a:spcPts val="100"/>
+              </a:spcAft>
+              <a:buNone/>
+            </a:pPr>
+            <a:r>
+              <a:rPr lang="en-US" sz="1200" dirty="0">
                 <a:solidFill>
                   <a:srgbClr val="CDD6F4"/>
                 </a:solidFill>
@@ -13191,20 +13353,20 @@
               </a:rPr>
               <a:t>    protected Lejemaal DanLejemaalObjekt(string lejemaalData)</a:t>
             </a:r>
-            <a:endParaRPr lang="en-US" sz="1300" dirty="0"/>
-          </a:p>
-          <a:p>
-            <a:pPr indent="0" marL="0">
-              <a:lnSpc>
-                <a:spcPct val="90000"/>
-              </a:lnSpc>
-              <a:spcAft>
-                <a:spcPts val="100"/>
-              </a:spcAft>
-              <a:buNone/>
-            </a:pPr>
-            <a:r>
-              <a:rPr lang="en-US" sz="1300" dirty="0">
+            <a:endParaRPr lang="en-US" sz="1200" dirty="0"/>
+          </a:p>
+          <a:p>
+            <a:pPr marL="0" indent="0">
+              <a:lnSpc>
+                <a:spcPct val="90000"/>
+              </a:lnSpc>
+              <a:spcAft>
+                <a:spcPts val="100"/>
+              </a:spcAft>
+              <a:buNone/>
+            </a:pPr>
+            <a:r>
+              <a:rPr lang="en-US" sz="1200" dirty="0">
                 <a:solidFill>
                   <a:srgbClr val="CDD6F4"/>
                 </a:solidFill>
@@ -13214,20 +13376,20 @@
               </a:rPr>
               <a:t>    {</a:t>
             </a:r>
-            <a:endParaRPr lang="en-US" sz="1300" dirty="0"/>
-          </a:p>
-          <a:p>
-            <a:pPr indent="0" marL="0">
-              <a:lnSpc>
-                <a:spcPct val="90000"/>
-              </a:lnSpc>
-              <a:spcAft>
-                <a:spcPts val="100"/>
-              </a:spcAft>
-              <a:buNone/>
-            </a:pPr>
-            <a:r>
-              <a:rPr lang="en-US" sz="1300" dirty="0">
+            <a:endParaRPr lang="en-US" sz="1200" dirty="0"/>
+          </a:p>
+          <a:p>
+            <a:pPr marL="0" indent="0">
+              <a:lnSpc>
+                <a:spcPct val="90000"/>
+              </a:lnSpc>
+              <a:spcAft>
+                <a:spcPts val="100"/>
+              </a:spcAft>
+              <a:buNone/>
+            </a:pPr>
+            <a:r>
+              <a:rPr lang="en-US" sz="1200" dirty="0">
                 <a:solidFill>
                   <a:srgbClr val="CDD6F4"/>
                 </a:solidFill>
@@ -13237,20 +13399,20 @@
               </a:rPr>
               <a:t>        var lejemaalParts = lejemaalData.Split(';');</a:t>
             </a:r>
-            <a:endParaRPr lang="en-US" sz="1300" dirty="0"/>
-          </a:p>
-          <a:p>
-            <a:pPr indent="0" marL="0">
-              <a:lnSpc>
-                <a:spcPct val="90000"/>
-              </a:lnSpc>
-              <a:spcAft>
-                <a:spcPts val="100"/>
-              </a:spcAft>
-              <a:buNone/>
-            </a:pPr>
-            <a:r>
-              <a:rPr lang="en-US" sz="1300" dirty="0">
+            <a:endParaRPr lang="en-US" sz="1200" dirty="0"/>
+          </a:p>
+          <a:p>
+            <a:pPr marL="0" indent="0">
+              <a:lnSpc>
+                <a:spcPct val="90000"/>
+              </a:lnSpc>
+              <a:spcAft>
+                <a:spcPts val="100"/>
+              </a:spcAft>
+              <a:buNone/>
+            </a:pPr>
+            <a:r>
+              <a:rPr lang="en-US" sz="1200" dirty="0">
                 <a:solidFill>
                   <a:srgbClr val="CDD6F4"/>
                 </a:solidFill>
@@ -13260,20 +13422,20 @@
               </a:rPr>
               <a:t>        if (lejemaalParts.Length &lt; 3)</a:t>
             </a:r>
-            <a:endParaRPr lang="en-US" sz="1300" dirty="0"/>
-          </a:p>
-          <a:p>
-            <a:pPr indent="0" marL="0">
-              <a:lnSpc>
-                <a:spcPct val="90000"/>
-              </a:lnSpc>
-              <a:spcAft>
-                <a:spcPts val="100"/>
-              </a:spcAft>
-              <a:buNone/>
-            </a:pPr>
-            <a:r>
-              <a:rPr lang="en-US" sz="1300" dirty="0">
+            <a:endParaRPr lang="en-US" sz="1200" dirty="0"/>
+          </a:p>
+          <a:p>
+            <a:pPr marL="0" indent="0">
+              <a:lnSpc>
+                <a:spcPct val="90000"/>
+              </a:lnSpc>
+              <a:spcAft>
+                <a:spcPts val="100"/>
+              </a:spcAft>
+              <a:buNone/>
+            </a:pPr>
+            <a:r>
+              <a:rPr lang="en-US" sz="1200" dirty="0">
                 <a:solidFill>
                   <a:srgbClr val="CDD6F4"/>
                 </a:solidFill>
@@ -13283,20 +13445,20 @@
               </a:rPr>
               <a:t>            throw new Exception("Filformat forkert...");</a:t>
             </a:r>
-            <a:endParaRPr lang="en-US" sz="1300" dirty="0"/>
-          </a:p>
-          <a:p>
-            <a:pPr indent="0" marL="0">
-              <a:lnSpc>
-                <a:spcPct val="90000"/>
-              </a:lnSpc>
-              <a:spcAft>
-                <a:spcPts val="100"/>
-              </a:spcAft>
-              <a:buNone/>
-            </a:pPr>
-            <a:r>
-              <a:rPr lang="en-US" sz="1300" dirty="0">
+            <a:endParaRPr lang="en-US" sz="1200" dirty="0"/>
+          </a:p>
+          <a:p>
+            <a:pPr marL="0" indent="0">
+              <a:lnSpc>
+                <a:spcPct val="90000"/>
+              </a:lnSpc>
+              <a:spcAft>
+                <a:spcPts val="100"/>
+              </a:spcAft>
+              <a:buNone/>
+            </a:pPr>
+            <a:r>
+              <a:rPr lang="en-US" sz="1200" dirty="0">
                 <a:solidFill>
                   <a:srgbClr val="CDD6F4"/>
                 </a:solidFill>
@@ -13306,20 +13468,20 @@
               </a:rPr>
               <a:t>        // ... parsing med TryParse og RemoveQuotes</a:t>
             </a:r>
-            <a:endParaRPr lang="en-US" sz="1300" dirty="0"/>
-          </a:p>
-          <a:p>
-            <a:pPr indent="0" marL="0">
-              <a:lnSpc>
-                <a:spcPct val="90000"/>
-              </a:lnSpc>
-              <a:spcAft>
-                <a:spcPts val="100"/>
-              </a:spcAft>
-              <a:buNone/>
-            </a:pPr>
-            <a:r>
-              <a:rPr lang="en-US" sz="1300" dirty="0">
+            <a:endParaRPr lang="en-US" sz="1200" dirty="0"/>
+          </a:p>
+          <a:p>
+            <a:pPr marL="0" indent="0">
+              <a:lnSpc>
+                <a:spcPct val="90000"/>
+              </a:lnSpc>
+              <a:spcAft>
+                <a:spcPts val="100"/>
+              </a:spcAft>
+              <a:buNone/>
+            </a:pPr>
+            <a:r>
+              <a:rPr lang="en-US" sz="1200" dirty="0">
                 <a:solidFill>
                   <a:srgbClr val="CDD6F4"/>
                 </a:solidFill>
@@ -13329,20 +13491,20 @@
               </a:rPr>
               <a:t>    }</a:t>
             </a:r>
-            <a:endParaRPr lang="en-US" sz="1300" dirty="0"/>
-          </a:p>
-          <a:p>
-            <a:pPr indent="0" marL="0">
-              <a:lnSpc>
-                <a:spcPct val="90000"/>
-              </a:lnSpc>
-              <a:spcAft>
-                <a:spcPts val="100"/>
-              </a:spcAft>
-              <a:buNone/>
-            </a:pPr>
-            <a:r>
-              <a:rPr lang="en-US" sz="1300" dirty="0">
+            <a:endParaRPr lang="en-US" sz="1200" dirty="0"/>
+          </a:p>
+          <a:p>
+            <a:pPr marL="0" indent="0">
+              <a:lnSpc>
+                <a:spcPct val="90000"/>
+              </a:lnSpc>
+              <a:spcAft>
+                <a:spcPts val="100"/>
+              </a:spcAft>
+              <a:buNone/>
+            </a:pPr>
+            <a:r>
+              <a:rPr lang="en-US" sz="1200" dirty="0">
                 <a:solidFill>
                   <a:srgbClr val="CDD6F4"/>
                 </a:solidFill>
@@ -13352,7 +13514,7 @@
               </a:rPr>
               <a:t>}</a:t>
             </a:r>
-            <a:endParaRPr lang="en-US" sz="1300" dirty="0"/>
+            <a:endParaRPr lang="en-US" sz="1200" dirty="0"/>
           </a:p>
         </p:txBody>
       </p:sp>
@@ -13364,7 +13526,7 @@
         </p:nvSpPr>
         <p:spPr>
           <a:xfrm>
-            <a:off x="731520" y="5029200"/>
+            <a:off x="655320" y="5334000"/>
             <a:ext cx="10698480" cy="4114800"/>
           </a:xfrm>
           <a:prstGeom prst="rect">
@@ -13383,7 +13545,7 @@
               </a:spcAft>
             </a:pPr>
             <a:r>
-              <a:rPr lang="en-US" sz="1800" dirty="0">
+              <a:rPr lang="en-US" sz="1400" dirty="0">
                 <a:solidFill>
                   <a:srgbClr val="333333"/>
                 </a:solidFill>
@@ -13393,7 +13555,7 @@
               </a:rPr>
               <a:t>Constructor injection: IFile (adapter) injiceres</a:t>
             </a:r>
-            <a:endParaRPr lang="en-US" sz="1800" dirty="0"/>
+            <a:endParaRPr lang="en-US" sz="1400" dirty="0"/>
           </a:p>
           <a:p>
             <a:pPr>
@@ -13402,7 +13564,7 @@
               </a:spcAft>
             </a:pPr>
             <a:r>
-              <a:rPr lang="en-US" sz="1800" dirty="0">
+              <a:rPr lang="en-US" sz="1400" dirty="0">
                 <a:solidFill>
                   <a:srgbClr val="333333"/>
                 </a:solidFill>
@@ -13412,7 +13574,7 @@
               </a:rPr>
               <a:t>HentLejemaal(): læser linjer, springer header over, konverterer</a:t>
             </a:r>
-            <a:endParaRPr lang="en-US" sz="1800" dirty="0"/>
+            <a:endParaRPr lang="en-US" sz="1400" dirty="0"/>
           </a:p>
           <a:p>
             <a:pPr>
@@ -13421,7 +13583,7 @@
               </a:spcAft>
             </a:pPr>
             <a:r>
-              <a:rPr lang="en-US" sz="1800" dirty="0">
+              <a:rPr lang="en-US" sz="1400" dirty="0">
                 <a:solidFill>
                   <a:srgbClr val="333333"/>
                 </a:solidFill>
@@ -13431,7 +13593,7 @@
               </a:rPr>
               <a:t>DanLejemaalObjekt(): parser en enkelt linje til Lejemaal</a:t>
             </a:r>
-            <a:endParaRPr lang="en-US" sz="1800" dirty="0"/>
+            <a:endParaRPr lang="en-US" sz="1400" dirty="0"/>
           </a:p>
           <a:p>
             <a:pPr>
@@ -13440,7 +13602,7 @@
               </a:spcAft>
             </a:pPr>
             <a:r>
-              <a:rPr lang="en-US" sz="1800" dirty="0">
+              <a:rPr lang="en-US" sz="1400" dirty="0">
                 <a:solidFill>
                   <a:srgbClr val="333333"/>
                 </a:solidFill>
@@ -13450,7 +13612,7 @@
               </a:rPr>
               <a:t>protected metoder - testes via Stub (se næste slides)</a:t>
             </a:r>
-            <a:endParaRPr lang="en-US" sz="1800" dirty="0"/>
+            <a:endParaRPr lang="en-US" sz="1400" dirty="0"/>
           </a:p>
         </p:txBody>
       </p:sp>
@@ -13755,4 +13917,319 @@
     </a:ext>
   </a:extLst>
 </a:theme>
+</file>
+
+<file path=ppt/theme/theme2.xml><?xml version="1.0" encoding="utf-8"?>
+<a:theme xmlns:a="http://schemas.openxmlformats.org/drawingml/2006/main" name="Office-tema">
+  <a:themeElements>
+    <a:clrScheme name="Office">
+      <a:dk1>
+        <a:sysClr val="windowText" lastClr="000000"/>
+      </a:dk1>
+      <a:lt1>
+        <a:sysClr val="window" lastClr="FFFFFF"/>
+      </a:lt1>
+      <a:dk2>
+        <a:srgbClr val="0E2841"/>
+      </a:dk2>
+      <a:lt2>
+        <a:srgbClr val="E8E8E8"/>
+      </a:lt2>
+      <a:accent1>
+        <a:srgbClr val="156082"/>
+      </a:accent1>
+      <a:accent2>
+        <a:srgbClr val="E97132"/>
+      </a:accent2>
+      <a:accent3>
+        <a:srgbClr val="196B24"/>
+      </a:accent3>
+      <a:accent4>
+        <a:srgbClr val="0F9ED5"/>
+      </a:accent4>
+      <a:accent5>
+        <a:srgbClr val="A02B93"/>
+      </a:accent5>
+      <a:accent6>
+        <a:srgbClr val="4EA72E"/>
+      </a:accent6>
+      <a:hlink>
+        <a:srgbClr val="467886"/>
+      </a:hlink>
+      <a:folHlink>
+        <a:srgbClr val="96607D"/>
+      </a:folHlink>
+    </a:clrScheme>
+    <a:fontScheme name="Office">
+      <a:majorFont>
+        <a:latin typeface="Aptos Display" panose="02110004020202020204"/>
+        <a:ea typeface=""/>
+        <a:cs typeface=""/>
+        <a:font script="Jpan" typeface="游ゴシック Light"/>
+        <a:font script="Hang" typeface="맑은 고딕"/>
+        <a:font script="Hans" typeface="等线 Light"/>
+        <a:font script="Hant" typeface="新細明體"/>
+        <a:font script="Arab" typeface="Times New Roman"/>
+        <a:font script="Hebr" typeface="Times New Roman"/>
+        <a:font script="Thai" typeface="Angsana New"/>
+        <a:font script="Ethi" typeface="Nyala"/>
+        <a:font script="Beng" typeface="Vrinda"/>
+        <a:font script="Gujr" typeface="Shruti"/>
+        <a:font script="Khmr" typeface="MoolBoran"/>
+        <a:font script="Knda" typeface="Tunga"/>
+        <a:font script="Guru" typeface="Raavi"/>
+        <a:font script="Cans" typeface="Euphemia"/>
+        <a:font script="Cher" typeface="Plantagenet Cherokee"/>
+        <a:font script="Yiii" typeface="Microsoft Yi Baiti"/>
+        <a:font script="Tibt" typeface="Microsoft Himalaya"/>
+        <a:font script="Thaa" typeface="MV Boli"/>
+        <a:font script="Deva" typeface="Mangal"/>
+        <a:font script="Telu" typeface="Gautami"/>
+        <a:font script="Taml" typeface="Latha"/>
+        <a:font script="Syrc" typeface="Estrangelo Edessa"/>
+        <a:font script="Orya" typeface="Kalinga"/>
+        <a:font script="Mlym" typeface="Kartika"/>
+        <a:font script="Laoo" typeface="DokChampa"/>
+        <a:font script="Sinh" typeface="Iskoola Pota"/>
+        <a:font script="Mong" typeface="Mongolian Baiti"/>
+        <a:font script="Viet" typeface="Times New Roman"/>
+        <a:font script="Uigh" typeface="Microsoft Uighur"/>
+        <a:font script="Geor" typeface="Sylfaen"/>
+        <a:font script="Armn" typeface="Arial"/>
+        <a:font script="Bugi" typeface="Leelawadee UI"/>
+        <a:font script="Bopo" typeface="Microsoft JhengHei"/>
+        <a:font script="Java" typeface="Javanese Text"/>
+        <a:font script="Lisu" typeface="Segoe UI"/>
+        <a:font script="Mymr" typeface="Myanmar Text"/>
+        <a:font script="Nkoo" typeface="Ebrima"/>
+        <a:font script="Olck" typeface="Nirmala UI"/>
+        <a:font script="Osma" typeface="Ebrima"/>
+        <a:font script="Phag" typeface="Phagspa"/>
+        <a:font script="Syrn" typeface="Estrangelo Edessa"/>
+        <a:font script="Syrj" typeface="Estrangelo Edessa"/>
+        <a:font script="Syre" typeface="Estrangelo Edessa"/>
+        <a:font script="Sora" typeface="Nirmala UI"/>
+        <a:font script="Tale" typeface="Microsoft Tai Le"/>
+        <a:font script="Talu" typeface="Microsoft New Tai Lue"/>
+        <a:font script="Tfng" typeface="Ebrima"/>
+      </a:majorFont>
+      <a:minorFont>
+        <a:latin typeface="Aptos" panose="02110004020202020204"/>
+        <a:ea typeface=""/>
+        <a:cs typeface=""/>
+        <a:font script="Jpan" typeface="游ゴシック"/>
+        <a:font script="Hang" typeface="맑은 고딕"/>
+        <a:font script="Hans" typeface="等线"/>
+        <a:font script="Hant" typeface="新細明體"/>
+        <a:font script="Arab" typeface="Arial"/>
+        <a:font script="Hebr" typeface="Arial"/>
+        <a:font script="Thai" typeface="Cordia New"/>
+        <a:font script="Ethi" typeface="Nyala"/>
+        <a:font script="Beng" typeface="Vrinda"/>
+        <a:font script="Gujr" typeface="Shruti"/>
+        <a:font script="Khmr" typeface="DaunPenh"/>
+        <a:font script="Knda" typeface="Tunga"/>
+        <a:font script="Guru" typeface="Raavi"/>
+        <a:font script="Cans" typeface="Euphemia"/>
+        <a:font script="Cher" typeface="Plantagenet Cherokee"/>
+        <a:font script="Yiii" typeface="Microsoft Yi Baiti"/>
+        <a:font script="Tibt" typeface="Microsoft Himalaya"/>
+        <a:font script="Thaa" typeface="MV Boli"/>
+        <a:font script="Deva" typeface="Mangal"/>
+        <a:font script="Telu" typeface="Gautami"/>
+        <a:font script="Taml" typeface="Latha"/>
+        <a:font script="Syrc" typeface="Estrangelo Edessa"/>
+        <a:font script="Orya" typeface="Kalinga"/>
+        <a:font script="Mlym" typeface="Kartika"/>
+        <a:font script="Laoo" typeface="DokChampa"/>
+        <a:font script="Sinh" typeface="Iskoola Pota"/>
+        <a:font script="Mong" typeface="Mongolian Baiti"/>
+        <a:font script="Viet" typeface="Arial"/>
+        <a:font script="Uigh" typeface="Microsoft Uighur"/>
+        <a:font script="Geor" typeface="Sylfaen"/>
+        <a:font script="Armn" typeface="Arial"/>
+        <a:font script="Bugi" typeface="Leelawadee UI"/>
+        <a:font script="Bopo" typeface="Microsoft JhengHei"/>
+        <a:font script="Java" typeface="Javanese Text"/>
+        <a:font script="Lisu" typeface="Segoe UI"/>
+        <a:font script="Mymr" typeface="Myanmar Text"/>
+        <a:font script="Nkoo" typeface="Ebrima"/>
+        <a:font script="Olck" typeface="Nirmala UI"/>
+        <a:font script="Osma" typeface="Ebrima"/>
+        <a:font script="Phag" typeface="Phagspa"/>
+        <a:font script="Syrn" typeface="Estrangelo Edessa"/>
+        <a:font script="Syrj" typeface="Estrangelo Edessa"/>
+        <a:font script="Syre" typeface="Estrangelo Edessa"/>
+        <a:font script="Sora" typeface="Nirmala UI"/>
+        <a:font script="Tale" typeface="Microsoft Tai Le"/>
+        <a:font script="Talu" typeface="Microsoft New Tai Lue"/>
+        <a:font script="Tfng" typeface="Ebrima"/>
+      </a:minorFont>
+    </a:fontScheme>
+    <a:fmtScheme name="Office">
+      <a:fillStyleLst>
+        <a:solidFill>
+          <a:schemeClr val="phClr"/>
+        </a:solidFill>
+        <a:gradFill rotWithShape="1">
+          <a:gsLst>
+            <a:gs pos="0">
+              <a:schemeClr val="phClr">
+                <a:lumMod val="110000"/>
+                <a:satMod val="105000"/>
+                <a:tint val="67000"/>
+              </a:schemeClr>
+            </a:gs>
+            <a:gs pos="50000">
+              <a:schemeClr val="phClr">
+                <a:lumMod val="105000"/>
+                <a:satMod val="103000"/>
+                <a:tint val="73000"/>
+              </a:schemeClr>
+            </a:gs>
+            <a:gs pos="100000">
+              <a:schemeClr val="phClr">
+                <a:lumMod val="105000"/>
+                <a:satMod val="109000"/>
+                <a:tint val="81000"/>
+              </a:schemeClr>
+            </a:gs>
+          </a:gsLst>
+          <a:lin ang="5400000" scaled="0"/>
+        </a:gradFill>
+        <a:gradFill rotWithShape="1">
+          <a:gsLst>
+            <a:gs pos="0">
+              <a:schemeClr val="phClr">
+                <a:satMod val="103000"/>
+                <a:lumMod val="102000"/>
+                <a:tint val="94000"/>
+              </a:schemeClr>
+            </a:gs>
+            <a:gs pos="50000">
+              <a:schemeClr val="phClr">
+                <a:satMod val="110000"/>
+                <a:lumMod val="100000"/>
+                <a:shade val="100000"/>
+              </a:schemeClr>
+            </a:gs>
+            <a:gs pos="100000">
+              <a:schemeClr val="phClr">
+                <a:lumMod val="99000"/>
+                <a:satMod val="120000"/>
+                <a:shade val="78000"/>
+              </a:schemeClr>
+            </a:gs>
+          </a:gsLst>
+          <a:lin ang="5400000" scaled="0"/>
+        </a:gradFill>
+      </a:fillStyleLst>
+      <a:lnStyleLst>
+        <a:ln w="12700" cap="flat" cmpd="sng" algn="ctr">
+          <a:solidFill>
+            <a:schemeClr val="phClr"/>
+          </a:solidFill>
+          <a:prstDash val="solid"/>
+          <a:miter lim="800000"/>
+        </a:ln>
+        <a:ln w="19050" cap="flat" cmpd="sng" algn="ctr">
+          <a:solidFill>
+            <a:schemeClr val="phClr"/>
+          </a:solidFill>
+          <a:prstDash val="solid"/>
+          <a:miter lim="800000"/>
+        </a:ln>
+        <a:ln w="25400" cap="flat" cmpd="sng" algn="ctr">
+          <a:solidFill>
+            <a:schemeClr val="phClr"/>
+          </a:solidFill>
+          <a:prstDash val="solid"/>
+          <a:miter lim="800000"/>
+        </a:ln>
+      </a:lnStyleLst>
+      <a:effectStyleLst>
+        <a:effectStyle>
+          <a:effectLst/>
+        </a:effectStyle>
+        <a:effectStyle>
+          <a:effectLst/>
+        </a:effectStyle>
+        <a:effectStyle>
+          <a:effectLst>
+            <a:outerShdw blurRad="57150" dist="19050" dir="5400000" algn="ctr" rotWithShape="0">
+              <a:srgbClr val="000000">
+                <a:alpha val="63000"/>
+              </a:srgbClr>
+            </a:outerShdw>
+          </a:effectLst>
+        </a:effectStyle>
+      </a:effectStyleLst>
+      <a:bgFillStyleLst>
+        <a:solidFill>
+          <a:schemeClr val="phClr"/>
+        </a:solidFill>
+        <a:solidFill>
+          <a:schemeClr val="phClr">
+            <a:tint val="95000"/>
+            <a:satMod val="170000"/>
+          </a:schemeClr>
+        </a:solidFill>
+        <a:gradFill rotWithShape="1">
+          <a:gsLst>
+            <a:gs pos="0">
+              <a:schemeClr val="phClr">
+                <a:tint val="93000"/>
+                <a:satMod val="150000"/>
+                <a:shade val="98000"/>
+                <a:lumMod val="102000"/>
+              </a:schemeClr>
+            </a:gs>
+            <a:gs pos="50000">
+              <a:schemeClr val="phClr">
+                <a:tint val="98000"/>
+                <a:satMod val="130000"/>
+                <a:shade val="90000"/>
+                <a:lumMod val="103000"/>
+              </a:schemeClr>
+            </a:gs>
+            <a:gs pos="100000">
+              <a:schemeClr val="phClr">
+                <a:shade val="63000"/>
+                <a:satMod val="120000"/>
+              </a:schemeClr>
+            </a:gs>
+          </a:gsLst>
+          <a:lin ang="5400000" scaled="0"/>
+        </a:gradFill>
+      </a:bgFillStyleLst>
+    </a:fmtScheme>
+  </a:themeElements>
+  <a:objectDefaults>
+    <a:lnDef>
+      <a:spPr/>
+      <a:bodyPr/>
+      <a:lstStyle/>
+      <a:style>
+        <a:lnRef idx="2">
+          <a:schemeClr val="accent1"/>
+        </a:lnRef>
+        <a:fillRef idx="0">
+          <a:schemeClr val="accent1"/>
+        </a:fillRef>
+        <a:effectRef idx="1">
+          <a:schemeClr val="accent1"/>
+        </a:effectRef>
+        <a:fontRef idx="minor">
+          <a:schemeClr val="tx1"/>
+        </a:fontRef>
+      </a:style>
+    </a:lnDef>
+  </a:objectDefaults>
+  <a:extraClrSchemeLst/>
+  <a:extLst>
+    <a:ext uri="{05A4C25C-085E-4340-85A3-A5531E510DB2}">
+      <thm15:themeFamily xmlns:thm15="http://schemas.microsoft.com/office/thememl/2012/main" name="Office Theme" id="{2E142A2C-CD16-42D6-873A-C26D2A0506FA}" vid="{1BDDFF52-6CD6-40A5-AB3C-68EB2F1E4D0A}"/>
+    </a:ext>
+  </a:extLst>
+</a:theme>
 </file>